--- a/Web Scraping WhaleWisdom.pptx
+++ b/Web Scraping WhaleWisdom.pptx
@@ -2,15 +2,18 @@
 <file path=ppt/presentation.xml><?xml version="1.0" encoding="utf-8"?>
 <p:presentation xmlns:a="http://schemas.openxmlformats.org/drawingml/2006/main" xmlns:r="http://schemas.openxmlformats.org/officeDocument/2006/relationships" xmlns:p="http://schemas.openxmlformats.org/presentationml/2006/main" saveSubsetFonts="1">
   <p:sldMasterIdLst>
-    <p:sldMasterId id="2147483648" r:id="rId1"/>
+    <p:sldMasterId id="2147483727" r:id="rId1"/>
   </p:sldMasterIdLst>
   <p:sldIdLst>
     <p:sldId id="256" r:id="rId2"/>
     <p:sldId id="257" r:id="rId3"/>
     <p:sldId id="258" r:id="rId4"/>
-    <p:sldId id="259" r:id="rId5"/>
-    <p:sldId id="261" r:id="rId6"/>
-    <p:sldId id="260" r:id="rId7"/>
+    <p:sldId id="262" r:id="rId5"/>
+    <p:sldId id="259" r:id="rId6"/>
+    <p:sldId id="263" r:id="rId7"/>
+    <p:sldId id="261" r:id="rId8"/>
+    <p:sldId id="264" r:id="rId9"/>
+    <p:sldId id="260" r:id="rId10"/>
   </p:sldIdLst>
   <p:sldSz cx="12192000" cy="6858000"/>
   <p:notesSz cx="6858000" cy="9144000"/>
@@ -18,7 +21,7 @@
     <a:defPPr>
       <a:defRPr lang="en-US"/>
     </a:defPPr>
-    <a:lvl1pPr marL="0" algn="l" defTabSz="914400" rtl="0" eaLnBrk="1" latinLnBrk="0" hangingPunct="1">
+    <a:lvl1pPr marL="0" algn="l" defTabSz="457200" rtl="0" eaLnBrk="1" latinLnBrk="0" hangingPunct="1">
       <a:defRPr sz="1800" kern="1200">
         <a:solidFill>
           <a:schemeClr val="tx1"/>
@@ -28,7 +31,7 @@
         <a:cs typeface="+mn-cs"/>
       </a:defRPr>
     </a:lvl1pPr>
-    <a:lvl2pPr marL="457200" algn="l" defTabSz="914400" rtl="0" eaLnBrk="1" latinLnBrk="0" hangingPunct="1">
+    <a:lvl2pPr marL="457200" algn="l" defTabSz="457200" rtl="0" eaLnBrk="1" latinLnBrk="0" hangingPunct="1">
       <a:defRPr sz="1800" kern="1200">
         <a:solidFill>
           <a:schemeClr val="tx1"/>
@@ -38,7 +41,7 @@
         <a:cs typeface="+mn-cs"/>
       </a:defRPr>
     </a:lvl2pPr>
-    <a:lvl3pPr marL="914400" algn="l" defTabSz="914400" rtl="0" eaLnBrk="1" latinLnBrk="0" hangingPunct="1">
+    <a:lvl3pPr marL="914400" algn="l" defTabSz="457200" rtl="0" eaLnBrk="1" latinLnBrk="0" hangingPunct="1">
       <a:defRPr sz="1800" kern="1200">
         <a:solidFill>
           <a:schemeClr val="tx1"/>
@@ -48,7 +51,7 @@
         <a:cs typeface="+mn-cs"/>
       </a:defRPr>
     </a:lvl3pPr>
-    <a:lvl4pPr marL="1371600" algn="l" defTabSz="914400" rtl="0" eaLnBrk="1" latinLnBrk="0" hangingPunct="1">
+    <a:lvl4pPr marL="1371600" algn="l" defTabSz="457200" rtl="0" eaLnBrk="1" latinLnBrk="0" hangingPunct="1">
       <a:defRPr sz="1800" kern="1200">
         <a:solidFill>
           <a:schemeClr val="tx1"/>
@@ -58,7 +61,7 @@
         <a:cs typeface="+mn-cs"/>
       </a:defRPr>
     </a:lvl4pPr>
-    <a:lvl5pPr marL="1828800" algn="l" defTabSz="914400" rtl="0" eaLnBrk="1" latinLnBrk="0" hangingPunct="1">
+    <a:lvl5pPr marL="1828800" algn="l" defTabSz="457200" rtl="0" eaLnBrk="1" latinLnBrk="0" hangingPunct="1">
       <a:defRPr sz="1800" kern="1200">
         <a:solidFill>
           <a:schemeClr val="tx1"/>
@@ -68,7 +71,7 @@
         <a:cs typeface="+mn-cs"/>
       </a:defRPr>
     </a:lvl5pPr>
-    <a:lvl6pPr marL="2286000" algn="l" defTabSz="914400" rtl="0" eaLnBrk="1" latinLnBrk="0" hangingPunct="1">
+    <a:lvl6pPr marL="2286000" algn="l" defTabSz="457200" rtl="0" eaLnBrk="1" latinLnBrk="0" hangingPunct="1">
       <a:defRPr sz="1800" kern="1200">
         <a:solidFill>
           <a:schemeClr val="tx1"/>
@@ -78,7 +81,7 @@
         <a:cs typeface="+mn-cs"/>
       </a:defRPr>
     </a:lvl6pPr>
-    <a:lvl7pPr marL="2743200" algn="l" defTabSz="914400" rtl="0" eaLnBrk="1" latinLnBrk="0" hangingPunct="1">
+    <a:lvl7pPr marL="2743200" algn="l" defTabSz="457200" rtl="0" eaLnBrk="1" latinLnBrk="0" hangingPunct="1">
       <a:defRPr sz="1800" kern="1200">
         <a:solidFill>
           <a:schemeClr val="tx1"/>
@@ -88,7 +91,7 @@
         <a:cs typeface="+mn-cs"/>
       </a:defRPr>
     </a:lvl7pPr>
-    <a:lvl8pPr marL="3200400" algn="l" defTabSz="914400" rtl="0" eaLnBrk="1" latinLnBrk="0" hangingPunct="1">
+    <a:lvl8pPr marL="3200400" algn="l" defTabSz="457200" rtl="0" eaLnBrk="1" latinLnBrk="0" hangingPunct="1">
       <a:defRPr sz="1800" kern="1200">
         <a:solidFill>
           <a:schemeClr val="tx1"/>
@@ -98,7 +101,7 @@
         <a:cs typeface="+mn-cs"/>
       </a:defRPr>
     </a:lvl8pPr>
-    <a:lvl9pPr marL="3657600" algn="l" defTabSz="914400" rtl="0" eaLnBrk="1" latinLnBrk="0" hangingPunct="1">
+    <a:lvl9pPr marL="3657600" algn="l" defTabSz="457200" rtl="0" eaLnBrk="1" latinLnBrk="0" hangingPunct="1">
       <a:defRPr sz="1800" kern="1200">
         <a:solidFill>
           <a:schemeClr val="tx1"/>
@@ -136,13 +139,7 @@
       </p:grpSpPr>
       <p:sp>
         <p:nvSpPr>
-          <p:cNvPr id="2" name="Title 1">
-            <a:extLst>
-              <a:ext uri="{FF2B5EF4-FFF2-40B4-BE49-F238E27FC236}">
-                <a16:creationId xmlns:a16="http://schemas.microsoft.com/office/drawing/2014/main" id="{27DA059E-BC02-48EA-BCDA-27208899D80F}"/>
-              </a:ext>
-            </a:extLst>
-          </p:cNvPr>
+          <p:cNvPr id="2" name="Title 1"/>
           <p:cNvSpPr>
             <a:spLocks noGrp="1"/>
           </p:cNvSpPr>
@@ -152,15 +149,17 @@
         </p:nvSpPr>
         <p:spPr>
           <a:xfrm>
-            <a:off x="1524000" y="1122363"/>
-            <a:ext cx="9144000" cy="2387600"/>
+            <a:off x="1370693" y="1769540"/>
+            <a:ext cx="9440034" cy="1828801"/>
           </a:xfrm>
         </p:spPr>
         <p:txBody>
-          <a:bodyPr anchor="b"/>
+          <a:bodyPr anchor="b">
+            <a:normAutofit/>
+          </a:bodyPr>
           <a:lstStyle>
             <a:lvl1pPr algn="ctr">
-              <a:defRPr sz="6000"/>
+              <a:defRPr sz="5400"/>
             </a:lvl1pPr>
           </a:lstStyle>
           <a:p>
@@ -168,18 +167,13 @@
               <a:rPr lang="en-US"/>
               <a:t>Click to edit Master title style</a:t>
             </a:r>
-          </a:p>
-        </p:txBody>
-      </p:sp>
-      <p:sp>
-        <p:nvSpPr>
-          <p:cNvPr id="3" name="Subtitle 2">
-            <a:extLst>
-              <a:ext uri="{FF2B5EF4-FFF2-40B4-BE49-F238E27FC236}">
-                <a16:creationId xmlns:a16="http://schemas.microsoft.com/office/drawing/2014/main" id="{955D17B1-2D6E-4C91-8BC5-190C22E737EC}"/>
-              </a:ext>
-            </a:extLst>
-          </p:cNvPr>
+            <a:endParaRPr lang="en-US" dirty="0"/>
+          </a:p>
+        </p:txBody>
+      </p:sp>
+      <p:sp>
+        <p:nvSpPr>
+          <p:cNvPr id="3" name="Subtitle 2"/>
           <p:cNvSpPr>
             <a:spLocks noGrp="1"/>
           </p:cNvSpPr>
@@ -189,48 +183,100 @@
         </p:nvSpPr>
         <p:spPr>
           <a:xfrm>
-            <a:off x="1524000" y="3602038"/>
-            <a:ext cx="9144000" cy="1655762"/>
+            <a:off x="1370693" y="3598339"/>
+            <a:ext cx="9440034" cy="1049867"/>
           </a:xfrm>
         </p:spPr>
         <p:txBody>
-          <a:bodyPr/>
+          <a:bodyPr anchor="t"/>
           <a:lstStyle>
             <a:lvl1pPr marL="0" indent="0" algn="ctr">
               <a:buNone/>
-              <a:defRPr sz="2400"/>
+              <a:defRPr>
+                <a:solidFill>
+                  <a:schemeClr val="tx1"/>
+                </a:solidFill>
+              </a:defRPr>
             </a:lvl1pPr>
             <a:lvl2pPr marL="457200" indent="0" algn="ctr">
               <a:buNone/>
-              <a:defRPr sz="2000"/>
+              <a:defRPr>
+                <a:solidFill>
+                  <a:schemeClr val="tx1">
+                    <a:tint val="75000"/>
+                  </a:schemeClr>
+                </a:solidFill>
+              </a:defRPr>
             </a:lvl2pPr>
             <a:lvl3pPr marL="914400" indent="0" algn="ctr">
               <a:buNone/>
-              <a:defRPr sz="1800"/>
+              <a:defRPr>
+                <a:solidFill>
+                  <a:schemeClr val="tx1">
+                    <a:tint val="75000"/>
+                  </a:schemeClr>
+                </a:solidFill>
+              </a:defRPr>
             </a:lvl3pPr>
             <a:lvl4pPr marL="1371600" indent="0" algn="ctr">
               <a:buNone/>
-              <a:defRPr sz="1600"/>
+              <a:defRPr>
+                <a:solidFill>
+                  <a:schemeClr val="tx1">
+                    <a:tint val="75000"/>
+                  </a:schemeClr>
+                </a:solidFill>
+              </a:defRPr>
             </a:lvl4pPr>
             <a:lvl5pPr marL="1828800" indent="0" algn="ctr">
               <a:buNone/>
-              <a:defRPr sz="1600"/>
+              <a:defRPr>
+                <a:solidFill>
+                  <a:schemeClr val="tx1">
+                    <a:tint val="75000"/>
+                  </a:schemeClr>
+                </a:solidFill>
+              </a:defRPr>
             </a:lvl5pPr>
             <a:lvl6pPr marL="2286000" indent="0" algn="ctr">
               <a:buNone/>
-              <a:defRPr sz="1600"/>
+              <a:defRPr>
+                <a:solidFill>
+                  <a:schemeClr val="tx1">
+                    <a:tint val="75000"/>
+                  </a:schemeClr>
+                </a:solidFill>
+              </a:defRPr>
             </a:lvl6pPr>
             <a:lvl7pPr marL="2743200" indent="0" algn="ctr">
               <a:buNone/>
-              <a:defRPr sz="1600"/>
+              <a:defRPr>
+                <a:solidFill>
+                  <a:schemeClr val="tx1">
+                    <a:tint val="75000"/>
+                  </a:schemeClr>
+                </a:solidFill>
+              </a:defRPr>
             </a:lvl7pPr>
             <a:lvl8pPr marL="3200400" indent="0" algn="ctr">
               <a:buNone/>
-              <a:defRPr sz="1600"/>
+              <a:defRPr>
+                <a:solidFill>
+                  <a:schemeClr val="tx1">
+                    <a:tint val="75000"/>
+                  </a:schemeClr>
+                </a:solidFill>
+              </a:defRPr>
             </a:lvl8pPr>
             <a:lvl9pPr marL="3657600" indent="0" algn="ctr">
               <a:buNone/>
-              <a:defRPr sz="1600"/>
+              <a:defRPr>
+                <a:solidFill>
+                  <a:schemeClr val="tx1">
+                    <a:tint val="75000"/>
+                  </a:schemeClr>
+                </a:solidFill>
+              </a:defRPr>
             </a:lvl9pPr>
           </a:lstStyle>
           <a:p>
@@ -238,18 +284,13 @@
               <a:rPr lang="en-US"/>
               <a:t>Click to edit Master subtitle style</a:t>
             </a:r>
-          </a:p>
-        </p:txBody>
-      </p:sp>
-      <p:sp>
-        <p:nvSpPr>
-          <p:cNvPr id="4" name="Date Placeholder 3">
-            <a:extLst>
-              <a:ext uri="{FF2B5EF4-FFF2-40B4-BE49-F238E27FC236}">
-                <a16:creationId xmlns:a16="http://schemas.microsoft.com/office/drawing/2014/main" id="{42382597-19F8-4350-908D-0DA86C40301A}"/>
-              </a:ext>
-            </a:extLst>
-          </p:cNvPr>
+            <a:endParaRPr lang="en-US" dirty="0"/>
+          </a:p>
+        </p:txBody>
+      </p:sp>
+      <p:sp>
+        <p:nvSpPr>
+          <p:cNvPr id="4" name="Date Placeholder 3"/>
           <p:cNvSpPr>
             <a:spLocks noGrp="1"/>
           </p:cNvSpPr>
@@ -264,7 +305,7 @@
           <a:p>
             <a:fld id="{6C105108-C41D-4392-B4A8-317EE9FA4421}" type="datetimeFigureOut">
               <a:rPr lang="en-US" smtClean="0"/>
-              <a:t>7/21/2019</a:t>
+              <a:t>7/23/2019</a:t>
             </a:fld>
             <a:endParaRPr lang="en-US"/>
           </a:p>
@@ -272,13 +313,7 @@
       </p:sp>
       <p:sp>
         <p:nvSpPr>
-          <p:cNvPr id="5" name="Footer Placeholder 4">
-            <a:extLst>
-              <a:ext uri="{FF2B5EF4-FFF2-40B4-BE49-F238E27FC236}">
-                <a16:creationId xmlns:a16="http://schemas.microsoft.com/office/drawing/2014/main" id="{EBAC868D-93A0-4CC3-A4D3-A74FD19EDCA6}"/>
-              </a:ext>
-            </a:extLst>
-          </p:cNvPr>
+          <p:cNvPr id="5" name="Footer Placeholder 4"/>
           <p:cNvSpPr>
             <a:spLocks noGrp="1"/>
           </p:cNvSpPr>
@@ -297,13 +332,7 @@
       </p:sp>
       <p:sp>
         <p:nvSpPr>
-          <p:cNvPr id="6" name="Slide Number Placeholder 5">
-            <a:extLst>
-              <a:ext uri="{FF2B5EF4-FFF2-40B4-BE49-F238E27FC236}">
-                <a16:creationId xmlns:a16="http://schemas.microsoft.com/office/drawing/2014/main" id="{8EC29A78-FD02-4B45-8CD8-88A210178F1A}"/>
-              </a:ext>
-            </a:extLst>
-          </p:cNvPr>
+          <p:cNvPr id="6" name="Slide Number Placeholder 5"/>
           <p:cNvSpPr>
             <a:spLocks noGrp="1"/>
           </p:cNvSpPr>
@@ -327,7 +356,310 @@
     </p:spTree>
     <p:extLst>
       <p:ext uri="{BB962C8B-B14F-4D97-AF65-F5344CB8AC3E}">
-        <p14:creationId xmlns:p14="http://schemas.microsoft.com/office/powerpoint/2010/main" val="2724138037"/>
+        <p14:creationId xmlns:p14="http://schemas.microsoft.com/office/powerpoint/2010/main" val="4160042547"/>
+      </p:ext>
+    </p:extLst>
+  </p:cSld>
+  <p:clrMapOvr>
+    <a:masterClrMapping/>
+  </p:clrMapOvr>
+  <p:extLst>
+    <p:ext uri="{DCECCB84-F9BA-43D5-87BE-67443E8EF086}">
+      <p15:sldGuideLst xmlns:p15="http://schemas.microsoft.com/office/powerpoint/2012/main"/>
+    </p:ext>
+  </p:extLst>
+</p:sldLayout>
+</file>
+
+<file path=ppt/slideLayouts/slideLayout10.xml><?xml version="1.0" encoding="utf-8"?>
+<p:sldLayout xmlns:a="http://schemas.openxmlformats.org/drawingml/2006/main" xmlns:r="http://schemas.openxmlformats.org/officeDocument/2006/relationships" xmlns:p="http://schemas.openxmlformats.org/presentationml/2006/main" preserve="1">
+  <p:cSld name="Panoramic Picture with Caption">
+    <p:spTree>
+      <p:nvGrpSpPr>
+        <p:cNvPr id="1" name=""/>
+        <p:cNvGrpSpPr/>
+        <p:nvPr/>
+      </p:nvGrpSpPr>
+      <p:grpSpPr>
+        <a:xfrm>
+          <a:off x="0" y="0"/>
+          <a:ext cx="0" cy="0"/>
+          <a:chOff x="0" y="0"/>
+          <a:chExt cx="0" cy="0"/>
+        </a:xfrm>
+      </p:grpSpPr>
+      <p:pic>
+        <p:nvPicPr>
+          <p:cNvPr id="16" name="Picture 15" descr="Slate-V2-HD-panoPhotoInset.png"/>
+          <p:cNvPicPr>
+            <a:picLocks noChangeAspect="1"/>
+          </p:cNvPicPr>
+          <p:nvPr/>
+        </p:nvPicPr>
+        <p:blipFill>
+          <a:blip r:embed="rId2">
+            <a:extLst>
+              <a:ext uri="{28A0092B-C50C-407E-A947-70E740481C1C}">
+                <a14:useLocalDpi xmlns:a14="http://schemas.microsoft.com/office/drawing/2010/main" val="0"/>
+              </a:ext>
+            </a:extLst>
+          </a:blip>
+          <a:stretch>
+            <a:fillRect/>
+          </a:stretch>
+        </p:blipFill>
+        <p:spPr>
+          <a:xfrm>
+            <a:off x="1013883" y="547807"/>
+            <a:ext cx="10141799" cy="3816806"/>
+          </a:xfrm>
+          <a:prstGeom prst="rect">
+            <a:avLst/>
+          </a:prstGeom>
+        </p:spPr>
+      </p:pic>
+      <p:sp>
+        <p:nvSpPr>
+          <p:cNvPr id="2" name="Title 1"/>
+          <p:cNvSpPr>
+            <a:spLocks noGrp="1"/>
+          </p:cNvSpPr>
+          <p:nvPr>
+            <p:ph type="title"/>
+          </p:nvPr>
+        </p:nvSpPr>
+        <p:spPr>
+          <a:xfrm>
+            <a:off x="913806" y="4565255"/>
+            <a:ext cx="10355326" cy="543472"/>
+          </a:xfrm>
+        </p:spPr>
+        <p:txBody>
+          <a:bodyPr anchor="b">
+            <a:normAutofit/>
+          </a:bodyPr>
+          <a:lstStyle>
+            <a:lvl1pPr algn="ctr">
+              <a:defRPr sz="2800"/>
+            </a:lvl1pPr>
+          </a:lstStyle>
+          <a:p>
+            <a:r>
+              <a:rPr lang="en-US"/>
+              <a:t>Click to edit Master title style</a:t>
+            </a:r>
+            <a:endParaRPr lang="en-US" dirty="0"/>
+          </a:p>
+        </p:txBody>
+      </p:sp>
+      <p:sp>
+        <p:nvSpPr>
+          <p:cNvPr id="3" name="Picture Placeholder 2"/>
+          <p:cNvSpPr>
+            <a:spLocks noGrp="1" noChangeAspect="1"/>
+          </p:cNvSpPr>
+          <p:nvPr>
+            <p:ph type="pic" idx="1"/>
+          </p:nvPr>
+        </p:nvSpPr>
+        <p:spPr>
+          <a:xfrm>
+            <a:off x="1169349" y="695009"/>
+            <a:ext cx="9845346" cy="3525671"/>
+          </a:xfrm>
+          <a:effectLst>
+            <a:outerShdw blurRad="38100" dist="25400" dir="4440000">
+              <a:srgbClr val="000000">
+                <a:alpha val="36000"/>
+              </a:srgbClr>
+            </a:outerShdw>
+          </a:effectLst>
+        </p:spPr>
+        <p:txBody>
+          <a:bodyPr anchor="t">
+            <a:normAutofit/>
+          </a:bodyPr>
+          <a:lstStyle>
+            <a:lvl1pPr marL="0" indent="0" algn="ctr">
+              <a:buNone/>
+              <a:defRPr sz="2000"/>
+            </a:lvl1pPr>
+            <a:lvl2pPr marL="457200" indent="0">
+              <a:buNone/>
+              <a:defRPr sz="2000"/>
+            </a:lvl2pPr>
+            <a:lvl3pPr marL="914400" indent="0">
+              <a:buNone/>
+              <a:defRPr sz="2000"/>
+            </a:lvl3pPr>
+            <a:lvl4pPr marL="1371600" indent="0">
+              <a:buNone/>
+              <a:defRPr sz="2000"/>
+            </a:lvl4pPr>
+            <a:lvl5pPr marL="1828800" indent="0">
+              <a:buNone/>
+              <a:defRPr sz="2000"/>
+            </a:lvl5pPr>
+            <a:lvl6pPr marL="2286000" indent="0">
+              <a:buNone/>
+              <a:defRPr sz="2000"/>
+            </a:lvl6pPr>
+            <a:lvl7pPr marL="2743200" indent="0">
+              <a:buNone/>
+              <a:defRPr sz="2000"/>
+            </a:lvl7pPr>
+            <a:lvl8pPr marL="3200400" indent="0">
+              <a:buNone/>
+              <a:defRPr sz="2000"/>
+            </a:lvl8pPr>
+            <a:lvl9pPr marL="3657600" indent="0">
+              <a:buNone/>
+              <a:defRPr sz="2000"/>
+            </a:lvl9pPr>
+          </a:lstStyle>
+          <a:p>
+            <a:r>
+              <a:rPr lang="en-US"/>
+              <a:t>Click icon to add picture</a:t>
+            </a:r>
+            <a:endParaRPr lang="en-US" dirty="0"/>
+          </a:p>
+        </p:txBody>
+      </p:sp>
+      <p:sp>
+        <p:nvSpPr>
+          <p:cNvPr id="4" name="Text Placeholder 3"/>
+          <p:cNvSpPr>
+            <a:spLocks noGrp="1"/>
+          </p:cNvSpPr>
+          <p:nvPr>
+            <p:ph type="body" sz="half" idx="2"/>
+          </p:nvPr>
+        </p:nvSpPr>
+        <p:spPr>
+          <a:xfrm>
+            <a:off x="913795" y="5108728"/>
+            <a:ext cx="10353762" cy="682472"/>
+          </a:xfrm>
+        </p:spPr>
+        <p:txBody>
+          <a:bodyPr anchor="t"/>
+          <a:lstStyle>
+            <a:lvl1pPr marL="0" indent="0" algn="ctr">
+              <a:buNone/>
+              <a:defRPr sz="1600"/>
+            </a:lvl1pPr>
+            <a:lvl2pPr marL="457200" indent="0">
+              <a:buNone/>
+              <a:defRPr sz="1400"/>
+            </a:lvl2pPr>
+            <a:lvl3pPr marL="914400" indent="0">
+              <a:buNone/>
+              <a:defRPr sz="1200"/>
+            </a:lvl3pPr>
+            <a:lvl4pPr marL="1371600" indent="0">
+              <a:buNone/>
+              <a:defRPr sz="1000"/>
+            </a:lvl4pPr>
+            <a:lvl5pPr marL="1828800" indent="0">
+              <a:buNone/>
+              <a:defRPr sz="1000"/>
+            </a:lvl5pPr>
+            <a:lvl6pPr marL="2286000" indent="0">
+              <a:buNone/>
+              <a:defRPr sz="1000"/>
+            </a:lvl6pPr>
+            <a:lvl7pPr marL="2743200" indent="0">
+              <a:buNone/>
+              <a:defRPr sz="1000"/>
+            </a:lvl7pPr>
+            <a:lvl8pPr marL="3200400" indent="0">
+              <a:buNone/>
+              <a:defRPr sz="1000"/>
+            </a:lvl8pPr>
+            <a:lvl9pPr marL="3657600" indent="0">
+              <a:buNone/>
+              <a:defRPr sz="1000"/>
+            </a:lvl9pPr>
+          </a:lstStyle>
+          <a:p>
+            <a:pPr lvl="0"/>
+            <a:r>
+              <a:rPr lang="en-US"/>
+              <a:t>Click to edit Master text styles</a:t>
+            </a:r>
+          </a:p>
+        </p:txBody>
+      </p:sp>
+      <p:sp>
+        <p:nvSpPr>
+          <p:cNvPr id="5" name="Date Placeholder 4"/>
+          <p:cNvSpPr>
+            <a:spLocks noGrp="1"/>
+          </p:cNvSpPr>
+          <p:nvPr>
+            <p:ph type="dt" sz="half" idx="10"/>
+          </p:nvPr>
+        </p:nvSpPr>
+        <p:spPr/>
+        <p:txBody>
+          <a:bodyPr/>
+          <a:lstStyle/>
+          <a:p>
+            <a:fld id="{6C105108-C41D-4392-B4A8-317EE9FA4421}" type="datetimeFigureOut">
+              <a:rPr lang="en-US" smtClean="0"/>
+              <a:t>7/23/2019</a:t>
+            </a:fld>
+            <a:endParaRPr lang="en-US"/>
+          </a:p>
+        </p:txBody>
+      </p:sp>
+      <p:sp>
+        <p:nvSpPr>
+          <p:cNvPr id="6" name="Footer Placeholder 5"/>
+          <p:cNvSpPr>
+            <a:spLocks noGrp="1"/>
+          </p:cNvSpPr>
+          <p:nvPr>
+            <p:ph type="ftr" sz="quarter" idx="11"/>
+          </p:nvPr>
+        </p:nvSpPr>
+        <p:spPr/>
+        <p:txBody>
+          <a:bodyPr/>
+          <a:lstStyle/>
+          <a:p>
+            <a:endParaRPr lang="en-US"/>
+          </a:p>
+        </p:txBody>
+      </p:sp>
+      <p:sp>
+        <p:nvSpPr>
+          <p:cNvPr id="7" name="Slide Number Placeholder 6"/>
+          <p:cNvSpPr>
+            <a:spLocks noGrp="1"/>
+          </p:cNvSpPr>
+          <p:nvPr>
+            <p:ph type="sldNum" sz="quarter" idx="12"/>
+          </p:nvPr>
+        </p:nvSpPr>
+        <p:spPr/>
+        <p:txBody>
+          <a:bodyPr/>
+          <a:lstStyle/>
+          <a:p>
+            <a:fld id="{4E31FB50-49B3-42A4-A492-837D74E16F63}" type="slidenum">
+              <a:rPr lang="en-US" smtClean="0"/>
+              <a:t>‹#›</a:t>
+            </a:fld>
+            <a:endParaRPr lang="en-US"/>
+          </a:p>
+        </p:txBody>
+      </p:sp>
+    </p:spTree>
+    <p:extLst>
+      <p:ext uri="{BB962C8B-B14F-4D97-AF65-F5344CB8AC3E}">
+        <p14:creationId xmlns:p14="http://schemas.microsoft.com/office/powerpoint/2010/main" val="477165745"/>
       </p:ext>
     </p:extLst>
   </p:cSld>
@@ -337,7 +669,2285 @@
 </p:sldLayout>
 </file>
 
-<file path=ppt/slideLayouts/slideLayout10.xml><?xml version="1.0" encoding="utf-8"?>
+<file path=ppt/slideLayouts/slideLayout11.xml><?xml version="1.0" encoding="utf-8"?>
+<p:sldLayout xmlns:a="http://schemas.openxmlformats.org/drawingml/2006/main" xmlns:r="http://schemas.openxmlformats.org/officeDocument/2006/relationships" xmlns:p="http://schemas.openxmlformats.org/presentationml/2006/main" preserve="1">
+  <p:cSld name="Title and Caption">
+    <p:spTree>
+      <p:nvGrpSpPr>
+        <p:cNvPr id="1" name=""/>
+        <p:cNvGrpSpPr/>
+        <p:nvPr/>
+      </p:nvGrpSpPr>
+      <p:grpSpPr>
+        <a:xfrm>
+          <a:off x="0" y="0"/>
+          <a:ext cx="0" cy="0"/>
+          <a:chOff x="0" y="0"/>
+          <a:chExt cx="0" cy="0"/>
+        </a:xfrm>
+      </p:grpSpPr>
+      <p:sp>
+        <p:nvSpPr>
+          <p:cNvPr id="2" name="Title 1"/>
+          <p:cNvSpPr>
+            <a:spLocks noGrp="1"/>
+          </p:cNvSpPr>
+          <p:nvPr>
+            <p:ph type="title"/>
+          </p:nvPr>
+        </p:nvSpPr>
+        <p:spPr>
+          <a:xfrm>
+            <a:off x="913795" y="608437"/>
+            <a:ext cx="10353762" cy="3534344"/>
+          </a:xfrm>
+        </p:spPr>
+        <p:txBody>
+          <a:bodyPr anchor="ctr"/>
+          <a:lstStyle>
+            <a:lvl1pPr>
+              <a:defRPr sz="3200"/>
+            </a:lvl1pPr>
+          </a:lstStyle>
+          <a:p>
+            <a:r>
+              <a:rPr lang="en-US"/>
+              <a:t>Click to edit Master title style</a:t>
+            </a:r>
+            <a:endParaRPr lang="en-US" dirty="0"/>
+          </a:p>
+        </p:txBody>
+      </p:sp>
+      <p:sp>
+        <p:nvSpPr>
+          <p:cNvPr id="4" name="Text Placeholder 3"/>
+          <p:cNvSpPr>
+            <a:spLocks noGrp="1"/>
+          </p:cNvSpPr>
+          <p:nvPr>
+            <p:ph type="body" sz="half" idx="2"/>
+          </p:nvPr>
+        </p:nvSpPr>
+        <p:spPr>
+          <a:xfrm>
+            <a:off x="913794" y="4295180"/>
+            <a:ext cx="10353763" cy="1501826"/>
+          </a:xfrm>
+        </p:spPr>
+        <p:txBody>
+          <a:bodyPr anchor="ctr"/>
+          <a:lstStyle>
+            <a:lvl1pPr marL="0" indent="0" algn="ctr">
+              <a:buNone/>
+              <a:defRPr sz="1600"/>
+            </a:lvl1pPr>
+            <a:lvl2pPr marL="457200" indent="0">
+              <a:buNone/>
+              <a:defRPr sz="1400"/>
+            </a:lvl2pPr>
+            <a:lvl3pPr marL="914400" indent="0">
+              <a:buNone/>
+              <a:defRPr sz="1200"/>
+            </a:lvl3pPr>
+            <a:lvl4pPr marL="1371600" indent="0">
+              <a:buNone/>
+              <a:defRPr sz="1000"/>
+            </a:lvl4pPr>
+            <a:lvl5pPr marL="1828800" indent="0">
+              <a:buNone/>
+              <a:defRPr sz="1000"/>
+            </a:lvl5pPr>
+            <a:lvl6pPr marL="2286000" indent="0">
+              <a:buNone/>
+              <a:defRPr sz="1000"/>
+            </a:lvl6pPr>
+            <a:lvl7pPr marL="2743200" indent="0">
+              <a:buNone/>
+              <a:defRPr sz="1000"/>
+            </a:lvl7pPr>
+            <a:lvl8pPr marL="3200400" indent="0">
+              <a:buNone/>
+              <a:defRPr sz="1000"/>
+            </a:lvl8pPr>
+            <a:lvl9pPr marL="3657600" indent="0">
+              <a:buNone/>
+              <a:defRPr sz="1000"/>
+            </a:lvl9pPr>
+          </a:lstStyle>
+          <a:p>
+            <a:pPr lvl="0"/>
+            <a:r>
+              <a:rPr lang="en-US"/>
+              <a:t>Click to edit Master text styles</a:t>
+            </a:r>
+          </a:p>
+        </p:txBody>
+      </p:sp>
+      <p:sp>
+        <p:nvSpPr>
+          <p:cNvPr id="5" name="Date Placeholder 4"/>
+          <p:cNvSpPr>
+            <a:spLocks noGrp="1"/>
+          </p:cNvSpPr>
+          <p:nvPr>
+            <p:ph type="dt" sz="half" idx="10"/>
+          </p:nvPr>
+        </p:nvSpPr>
+        <p:spPr/>
+        <p:txBody>
+          <a:bodyPr/>
+          <a:lstStyle/>
+          <a:p>
+            <a:fld id="{6C105108-C41D-4392-B4A8-317EE9FA4421}" type="datetimeFigureOut">
+              <a:rPr lang="en-US" smtClean="0"/>
+              <a:t>7/23/2019</a:t>
+            </a:fld>
+            <a:endParaRPr lang="en-US"/>
+          </a:p>
+        </p:txBody>
+      </p:sp>
+      <p:sp>
+        <p:nvSpPr>
+          <p:cNvPr id="6" name="Footer Placeholder 5"/>
+          <p:cNvSpPr>
+            <a:spLocks noGrp="1"/>
+          </p:cNvSpPr>
+          <p:nvPr>
+            <p:ph type="ftr" sz="quarter" idx="11"/>
+          </p:nvPr>
+        </p:nvSpPr>
+        <p:spPr/>
+        <p:txBody>
+          <a:bodyPr/>
+          <a:lstStyle/>
+          <a:p>
+            <a:endParaRPr lang="en-US"/>
+          </a:p>
+        </p:txBody>
+      </p:sp>
+      <p:sp>
+        <p:nvSpPr>
+          <p:cNvPr id="7" name="Slide Number Placeholder 6"/>
+          <p:cNvSpPr>
+            <a:spLocks noGrp="1"/>
+          </p:cNvSpPr>
+          <p:nvPr>
+            <p:ph type="sldNum" sz="quarter" idx="12"/>
+          </p:nvPr>
+        </p:nvSpPr>
+        <p:spPr/>
+        <p:txBody>
+          <a:bodyPr/>
+          <a:lstStyle/>
+          <a:p>
+            <a:fld id="{4E31FB50-49B3-42A4-A492-837D74E16F63}" type="slidenum">
+              <a:rPr lang="en-US" smtClean="0"/>
+              <a:t>‹#›</a:t>
+            </a:fld>
+            <a:endParaRPr lang="en-US"/>
+          </a:p>
+        </p:txBody>
+      </p:sp>
+    </p:spTree>
+    <p:extLst>
+      <p:ext uri="{BB962C8B-B14F-4D97-AF65-F5344CB8AC3E}">
+        <p14:creationId xmlns:p14="http://schemas.microsoft.com/office/powerpoint/2010/main" val="3174814126"/>
+      </p:ext>
+    </p:extLst>
+  </p:cSld>
+  <p:clrMapOvr>
+    <a:masterClrMapping/>
+  </p:clrMapOvr>
+</p:sldLayout>
+</file>
+
+<file path=ppt/slideLayouts/slideLayout12.xml><?xml version="1.0" encoding="utf-8"?>
+<p:sldLayout xmlns:a="http://schemas.openxmlformats.org/drawingml/2006/main" xmlns:r="http://schemas.openxmlformats.org/officeDocument/2006/relationships" xmlns:p="http://schemas.openxmlformats.org/presentationml/2006/main" preserve="1">
+  <p:cSld name="Quote with Caption">
+    <p:spTree>
+      <p:nvGrpSpPr>
+        <p:cNvPr id="1" name=""/>
+        <p:cNvGrpSpPr/>
+        <p:nvPr/>
+      </p:nvGrpSpPr>
+      <p:grpSpPr>
+        <a:xfrm>
+          <a:off x="0" y="0"/>
+          <a:ext cx="0" cy="0"/>
+          <a:chOff x="0" y="0"/>
+          <a:chExt cx="0" cy="0"/>
+        </a:xfrm>
+      </p:grpSpPr>
+      <p:sp>
+        <p:nvSpPr>
+          <p:cNvPr id="2" name="Title 1"/>
+          <p:cNvSpPr>
+            <a:spLocks noGrp="1"/>
+          </p:cNvSpPr>
+          <p:nvPr>
+            <p:ph type="title"/>
+          </p:nvPr>
+        </p:nvSpPr>
+        <p:spPr>
+          <a:xfrm>
+            <a:off x="1446212" y="609600"/>
+            <a:ext cx="9302752" cy="2992904"/>
+          </a:xfrm>
+        </p:spPr>
+        <p:txBody>
+          <a:bodyPr anchor="ctr"/>
+          <a:lstStyle>
+            <a:lvl1pPr>
+              <a:defRPr sz="3200"/>
+            </a:lvl1pPr>
+          </a:lstStyle>
+          <a:p>
+            <a:r>
+              <a:rPr lang="en-US"/>
+              <a:t>Click to edit Master title style</a:t>
+            </a:r>
+            <a:endParaRPr lang="en-US" dirty="0"/>
+          </a:p>
+        </p:txBody>
+      </p:sp>
+      <p:sp>
+        <p:nvSpPr>
+          <p:cNvPr id="12" name="Text Placeholder 3"/>
+          <p:cNvSpPr>
+            <a:spLocks noGrp="1"/>
+          </p:cNvSpPr>
+          <p:nvPr>
+            <p:ph type="body" sz="half" idx="13"/>
+          </p:nvPr>
+        </p:nvSpPr>
+        <p:spPr>
+          <a:xfrm>
+            <a:off x="1720644" y="3610032"/>
+            <a:ext cx="8752299" cy="532749"/>
+          </a:xfrm>
+        </p:spPr>
+        <p:txBody>
+          <a:bodyPr anchor="t">
+            <a:normAutofit/>
+          </a:bodyPr>
+          <a:lstStyle>
+            <a:lvl1pPr marL="0" indent="0" algn="r">
+              <a:buNone/>
+              <a:defRPr sz="1400"/>
+            </a:lvl1pPr>
+            <a:lvl2pPr marL="457200" indent="0">
+              <a:buNone/>
+              <a:defRPr sz="1400"/>
+            </a:lvl2pPr>
+            <a:lvl3pPr marL="914400" indent="0">
+              <a:buNone/>
+              <a:defRPr sz="1200"/>
+            </a:lvl3pPr>
+            <a:lvl4pPr marL="1371600" indent="0">
+              <a:buNone/>
+              <a:defRPr sz="1000"/>
+            </a:lvl4pPr>
+            <a:lvl5pPr marL="1828800" indent="0">
+              <a:buNone/>
+              <a:defRPr sz="1000"/>
+            </a:lvl5pPr>
+            <a:lvl6pPr marL="2286000" indent="0">
+              <a:buNone/>
+              <a:defRPr sz="1000"/>
+            </a:lvl6pPr>
+            <a:lvl7pPr marL="2743200" indent="0">
+              <a:buNone/>
+              <a:defRPr sz="1000"/>
+            </a:lvl7pPr>
+            <a:lvl8pPr marL="3200400" indent="0">
+              <a:buNone/>
+              <a:defRPr sz="1000"/>
+            </a:lvl8pPr>
+            <a:lvl9pPr marL="3657600" indent="0">
+              <a:buNone/>
+              <a:defRPr sz="1000"/>
+            </a:lvl9pPr>
+          </a:lstStyle>
+          <a:p>
+            <a:pPr lvl="0"/>
+            <a:r>
+              <a:rPr lang="en-US"/>
+              <a:t>Click to edit Master text styles</a:t>
+            </a:r>
+          </a:p>
+        </p:txBody>
+      </p:sp>
+      <p:sp>
+        <p:nvSpPr>
+          <p:cNvPr id="4" name="Text Placeholder 3"/>
+          <p:cNvSpPr>
+            <a:spLocks noGrp="1"/>
+          </p:cNvSpPr>
+          <p:nvPr>
+            <p:ph type="body" sz="half" idx="2"/>
+          </p:nvPr>
+        </p:nvSpPr>
+        <p:spPr>
+          <a:xfrm>
+            <a:off x="913794" y="4304353"/>
+            <a:ext cx="10353763" cy="1489496"/>
+          </a:xfrm>
+        </p:spPr>
+        <p:txBody>
+          <a:bodyPr anchor="ctr">
+            <a:normAutofit/>
+          </a:bodyPr>
+          <a:lstStyle>
+            <a:lvl1pPr marL="0" indent="0" algn="ctr">
+              <a:buNone/>
+              <a:defRPr sz="1600"/>
+            </a:lvl1pPr>
+            <a:lvl2pPr marL="457200" indent="0">
+              <a:buNone/>
+              <a:defRPr sz="1400"/>
+            </a:lvl2pPr>
+            <a:lvl3pPr marL="914400" indent="0">
+              <a:buNone/>
+              <a:defRPr sz="1200"/>
+            </a:lvl3pPr>
+            <a:lvl4pPr marL="1371600" indent="0">
+              <a:buNone/>
+              <a:defRPr sz="1000"/>
+            </a:lvl4pPr>
+            <a:lvl5pPr marL="1828800" indent="0">
+              <a:buNone/>
+              <a:defRPr sz="1000"/>
+            </a:lvl5pPr>
+            <a:lvl6pPr marL="2286000" indent="0">
+              <a:buNone/>
+              <a:defRPr sz="1000"/>
+            </a:lvl6pPr>
+            <a:lvl7pPr marL="2743200" indent="0">
+              <a:buNone/>
+              <a:defRPr sz="1000"/>
+            </a:lvl7pPr>
+            <a:lvl8pPr marL="3200400" indent="0">
+              <a:buNone/>
+              <a:defRPr sz="1000"/>
+            </a:lvl8pPr>
+            <a:lvl9pPr marL="3657600" indent="0">
+              <a:buNone/>
+              <a:defRPr sz="1000"/>
+            </a:lvl9pPr>
+          </a:lstStyle>
+          <a:p>
+            <a:pPr lvl="0"/>
+            <a:r>
+              <a:rPr lang="en-US"/>
+              <a:t>Click to edit Master text styles</a:t>
+            </a:r>
+          </a:p>
+        </p:txBody>
+      </p:sp>
+      <p:sp>
+        <p:nvSpPr>
+          <p:cNvPr id="5" name="Date Placeholder 4"/>
+          <p:cNvSpPr>
+            <a:spLocks noGrp="1"/>
+          </p:cNvSpPr>
+          <p:nvPr>
+            <p:ph type="dt" sz="half" idx="10"/>
+          </p:nvPr>
+        </p:nvSpPr>
+        <p:spPr/>
+        <p:txBody>
+          <a:bodyPr/>
+          <a:lstStyle/>
+          <a:p>
+            <a:fld id="{6C105108-C41D-4392-B4A8-317EE9FA4421}" type="datetimeFigureOut">
+              <a:rPr lang="en-US" smtClean="0"/>
+              <a:t>7/23/2019</a:t>
+            </a:fld>
+            <a:endParaRPr lang="en-US"/>
+          </a:p>
+        </p:txBody>
+      </p:sp>
+      <p:sp>
+        <p:nvSpPr>
+          <p:cNvPr id="6" name="Footer Placeholder 5"/>
+          <p:cNvSpPr>
+            <a:spLocks noGrp="1"/>
+          </p:cNvSpPr>
+          <p:nvPr>
+            <p:ph type="ftr" sz="quarter" idx="11"/>
+          </p:nvPr>
+        </p:nvSpPr>
+        <p:spPr/>
+        <p:txBody>
+          <a:bodyPr/>
+          <a:lstStyle/>
+          <a:p>
+            <a:endParaRPr lang="en-US"/>
+          </a:p>
+        </p:txBody>
+      </p:sp>
+      <p:sp>
+        <p:nvSpPr>
+          <p:cNvPr id="7" name="Slide Number Placeholder 6"/>
+          <p:cNvSpPr>
+            <a:spLocks noGrp="1"/>
+          </p:cNvSpPr>
+          <p:nvPr>
+            <p:ph type="sldNum" sz="quarter" idx="12"/>
+          </p:nvPr>
+        </p:nvSpPr>
+        <p:spPr/>
+        <p:txBody>
+          <a:bodyPr/>
+          <a:lstStyle/>
+          <a:p>
+            <a:fld id="{4E31FB50-49B3-42A4-A492-837D74E16F63}" type="slidenum">
+              <a:rPr lang="en-US" smtClean="0"/>
+              <a:t>‹#›</a:t>
+            </a:fld>
+            <a:endParaRPr lang="en-US"/>
+          </a:p>
+        </p:txBody>
+      </p:sp>
+      <p:sp>
+        <p:nvSpPr>
+          <p:cNvPr id="11" name="TextBox 10"/>
+          <p:cNvSpPr txBox="1"/>
+          <p:nvPr/>
+        </p:nvSpPr>
+        <p:spPr>
+          <a:xfrm>
+            <a:off x="990600" y="884796"/>
+            <a:ext cx="609600" cy="584776"/>
+          </a:xfrm>
+          <a:prstGeom prst="rect">
+            <a:avLst/>
+          </a:prstGeom>
+        </p:spPr>
+        <p:txBody>
+          <a:bodyPr vert="horz" lIns="91440" tIns="45720" rIns="91440" bIns="45720" rtlCol="0" anchor="ctr">
+            <a:noAutofit/>
+          </a:bodyPr>
+          <a:lstStyle>
+            <a:lvl1pPr>
+              <a:spcBef>
+                <a:spcPct val="0"/>
+              </a:spcBef>
+              <a:buNone/>
+              <a:defRPr sz="3200" b="0" cap="all">
+                <a:ln w="3175" cmpd="sng">
+                  <a:noFill/>
+                </a:ln>
+                <a:effectLst>
+                  <a:glow rad="38100">
+                    <a:schemeClr val="bg1">
+                      <a:lumMod val="65000"/>
+                      <a:lumOff val="35000"/>
+                      <a:alpha val="40000"/>
+                    </a:schemeClr>
+                  </a:glow>
+                  <a:outerShdw blurRad="28575" dist="38100" dir="14040000" algn="tl" rotWithShape="0">
+                    <a:srgbClr val="000000">
+                      <a:alpha val="25000"/>
+                    </a:srgbClr>
+                  </a:outerShdw>
+                </a:effectLst>
+              </a:defRPr>
+            </a:lvl1pPr>
+            <a:lvl2pPr>
+              <a:defRPr>
+                <a:solidFill>
+                  <a:schemeClr val="tx2"/>
+                </a:solidFill>
+              </a:defRPr>
+            </a:lvl2pPr>
+            <a:lvl3pPr>
+              <a:defRPr>
+                <a:solidFill>
+                  <a:schemeClr val="tx2"/>
+                </a:solidFill>
+              </a:defRPr>
+            </a:lvl3pPr>
+            <a:lvl4pPr>
+              <a:defRPr>
+                <a:solidFill>
+                  <a:schemeClr val="tx2"/>
+                </a:solidFill>
+              </a:defRPr>
+            </a:lvl4pPr>
+            <a:lvl5pPr>
+              <a:defRPr>
+                <a:solidFill>
+                  <a:schemeClr val="tx2"/>
+                </a:solidFill>
+              </a:defRPr>
+            </a:lvl5pPr>
+            <a:lvl6pPr>
+              <a:defRPr>
+                <a:solidFill>
+                  <a:schemeClr val="tx2"/>
+                </a:solidFill>
+              </a:defRPr>
+            </a:lvl6pPr>
+            <a:lvl7pPr>
+              <a:defRPr>
+                <a:solidFill>
+                  <a:schemeClr val="tx2"/>
+                </a:solidFill>
+              </a:defRPr>
+            </a:lvl7pPr>
+            <a:lvl8pPr>
+              <a:defRPr>
+                <a:solidFill>
+                  <a:schemeClr val="tx2"/>
+                </a:solidFill>
+              </a:defRPr>
+            </a:lvl8pPr>
+            <a:lvl9pPr>
+              <a:defRPr>
+                <a:solidFill>
+                  <a:schemeClr val="tx2"/>
+                </a:solidFill>
+              </a:defRPr>
+            </a:lvl9pPr>
+          </a:lstStyle>
+          <a:p>
+            <a:pPr lvl="0"/>
+            <a:r>
+              <a:rPr lang="en-US" sz="8000" dirty="0">
+                <a:solidFill>
+                  <a:schemeClr val="tx1"/>
+                </a:solidFill>
+                <a:effectLst/>
+              </a:rPr>
+              <a:t>“</a:t>
+            </a:r>
+          </a:p>
+        </p:txBody>
+      </p:sp>
+      <p:sp>
+        <p:nvSpPr>
+          <p:cNvPr id="13" name="TextBox 12"/>
+          <p:cNvSpPr txBox="1"/>
+          <p:nvPr/>
+        </p:nvSpPr>
+        <p:spPr>
+          <a:xfrm>
+            <a:off x="10504716" y="2928258"/>
+            <a:ext cx="609600" cy="584776"/>
+          </a:xfrm>
+          <a:prstGeom prst="rect">
+            <a:avLst/>
+          </a:prstGeom>
+        </p:spPr>
+        <p:txBody>
+          <a:bodyPr vert="horz" lIns="91440" tIns="45720" rIns="91440" bIns="45720" rtlCol="0" anchor="ctr">
+            <a:noAutofit/>
+          </a:bodyPr>
+          <a:lstStyle>
+            <a:lvl1pPr>
+              <a:spcBef>
+                <a:spcPct val="0"/>
+              </a:spcBef>
+              <a:buNone/>
+              <a:defRPr sz="3200" b="0" cap="all">
+                <a:ln w="3175" cmpd="sng">
+                  <a:noFill/>
+                </a:ln>
+                <a:effectLst>
+                  <a:glow rad="38100">
+                    <a:schemeClr val="bg1">
+                      <a:lumMod val="65000"/>
+                      <a:lumOff val="35000"/>
+                      <a:alpha val="40000"/>
+                    </a:schemeClr>
+                  </a:glow>
+                  <a:outerShdw blurRad="28575" dist="38100" dir="14040000" algn="tl" rotWithShape="0">
+                    <a:srgbClr val="000000">
+                      <a:alpha val="25000"/>
+                    </a:srgbClr>
+                  </a:outerShdw>
+                </a:effectLst>
+              </a:defRPr>
+            </a:lvl1pPr>
+            <a:lvl2pPr>
+              <a:defRPr>
+                <a:solidFill>
+                  <a:schemeClr val="tx2"/>
+                </a:solidFill>
+              </a:defRPr>
+            </a:lvl2pPr>
+            <a:lvl3pPr>
+              <a:defRPr>
+                <a:solidFill>
+                  <a:schemeClr val="tx2"/>
+                </a:solidFill>
+              </a:defRPr>
+            </a:lvl3pPr>
+            <a:lvl4pPr>
+              <a:defRPr>
+                <a:solidFill>
+                  <a:schemeClr val="tx2"/>
+                </a:solidFill>
+              </a:defRPr>
+            </a:lvl4pPr>
+            <a:lvl5pPr>
+              <a:defRPr>
+                <a:solidFill>
+                  <a:schemeClr val="tx2"/>
+                </a:solidFill>
+              </a:defRPr>
+            </a:lvl5pPr>
+            <a:lvl6pPr>
+              <a:defRPr>
+                <a:solidFill>
+                  <a:schemeClr val="tx2"/>
+                </a:solidFill>
+              </a:defRPr>
+            </a:lvl6pPr>
+            <a:lvl7pPr>
+              <a:defRPr>
+                <a:solidFill>
+                  <a:schemeClr val="tx2"/>
+                </a:solidFill>
+              </a:defRPr>
+            </a:lvl7pPr>
+            <a:lvl8pPr>
+              <a:defRPr>
+                <a:solidFill>
+                  <a:schemeClr val="tx2"/>
+                </a:solidFill>
+              </a:defRPr>
+            </a:lvl8pPr>
+            <a:lvl9pPr>
+              <a:defRPr>
+                <a:solidFill>
+                  <a:schemeClr val="tx2"/>
+                </a:solidFill>
+              </a:defRPr>
+            </a:lvl9pPr>
+          </a:lstStyle>
+          <a:p>
+            <a:pPr lvl="0" algn="r"/>
+            <a:r>
+              <a:rPr lang="en-US" sz="8000" dirty="0">
+                <a:solidFill>
+                  <a:schemeClr val="tx1"/>
+                </a:solidFill>
+                <a:effectLst/>
+              </a:rPr>
+              <a:t>”</a:t>
+            </a:r>
+          </a:p>
+        </p:txBody>
+      </p:sp>
+    </p:spTree>
+    <p:extLst>
+      <p:ext uri="{BB962C8B-B14F-4D97-AF65-F5344CB8AC3E}">
+        <p14:creationId xmlns:p14="http://schemas.microsoft.com/office/powerpoint/2010/main" val="2477720472"/>
+      </p:ext>
+    </p:extLst>
+  </p:cSld>
+  <p:clrMapOvr>
+    <a:masterClrMapping/>
+  </p:clrMapOvr>
+</p:sldLayout>
+</file>
+
+<file path=ppt/slideLayouts/slideLayout13.xml><?xml version="1.0" encoding="utf-8"?>
+<p:sldLayout xmlns:a="http://schemas.openxmlformats.org/drawingml/2006/main" xmlns:r="http://schemas.openxmlformats.org/officeDocument/2006/relationships" xmlns:p="http://schemas.openxmlformats.org/presentationml/2006/main" preserve="1">
+  <p:cSld name="Name Card">
+    <p:spTree>
+      <p:nvGrpSpPr>
+        <p:cNvPr id="1" name=""/>
+        <p:cNvGrpSpPr/>
+        <p:nvPr/>
+      </p:nvGrpSpPr>
+      <p:grpSpPr>
+        <a:xfrm>
+          <a:off x="0" y="0"/>
+          <a:ext cx="0" cy="0"/>
+          <a:chOff x="0" y="0"/>
+          <a:chExt cx="0" cy="0"/>
+        </a:xfrm>
+      </p:grpSpPr>
+      <p:sp>
+        <p:nvSpPr>
+          <p:cNvPr id="2" name="Title 1"/>
+          <p:cNvSpPr>
+            <a:spLocks noGrp="1"/>
+          </p:cNvSpPr>
+          <p:nvPr>
+            <p:ph type="title"/>
+          </p:nvPr>
+        </p:nvSpPr>
+        <p:spPr>
+          <a:xfrm>
+            <a:off x="913794" y="2126942"/>
+            <a:ext cx="10353763" cy="2511835"/>
+          </a:xfrm>
+        </p:spPr>
+        <p:txBody>
+          <a:bodyPr anchor="b"/>
+          <a:lstStyle>
+            <a:lvl1pPr>
+              <a:defRPr sz="3200"/>
+            </a:lvl1pPr>
+          </a:lstStyle>
+          <a:p>
+            <a:r>
+              <a:rPr lang="en-US"/>
+              <a:t>Click to edit Master title style</a:t>
+            </a:r>
+            <a:endParaRPr lang="en-US" dirty="0"/>
+          </a:p>
+        </p:txBody>
+      </p:sp>
+      <p:sp>
+        <p:nvSpPr>
+          <p:cNvPr id="4" name="Text Placeholder 3"/>
+          <p:cNvSpPr>
+            <a:spLocks noGrp="1"/>
+          </p:cNvSpPr>
+          <p:nvPr>
+            <p:ph type="body" sz="half" idx="2"/>
+          </p:nvPr>
+        </p:nvSpPr>
+        <p:spPr>
+          <a:xfrm>
+            <a:off x="913784" y="4650556"/>
+            <a:ext cx="10352199" cy="1140644"/>
+          </a:xfrm>
+        </p:spPr>
+        <p:txBody>
+          <a:bodyPr anchor="t"/>
+          <a:lstStyle>
+            <a:lvl1pPr marL="0" indent="0" algn="ctr">
+              <a:buNone/>
+              <a:defRPr sz="1600"/>
+            </a:lvl1pPr>
+            <a:lvl2pPr marL="457200" indent="0">
+              <a:buNone/>
+              <a:defRPr sz="1400"/>
+            </a:lvl2pPr>
+            <a:lvl3pPr marL="914400" indent="0">
+              <a:buNone/>
+              <a:defRPr sz="1200"/>
+            </a:lvl3pPr>
+            <a:lvl4pPr marL="1371600" indent="0">
+              <a:buNone/>
+              <a:defRPr sz="1000"/>
+            </a:lvl4pPr>
+            <a:lvl5pPr marL="1828800" indent="0">
+              <a:buNone/>
+              <a:defRPr sz="1000"/>
+            </a:lvl5pPr>
+            <a:lvl6pPr marL="2286000" indent="0">
+              <a:buNone/>
+              <a:defRPr sz="1000"/>
+            </a:lvl6pPr>
+            <a:lvl7pPr marL="2743200" indent="0">
+              <a:buNone/>
+              <a:defRPr sz="1000"/>
+            </a:lvl7pPr>
+            <a:lvl8pPr marL="3200400" indent="0">
+              <a:buNone/>
+              <a:defRPr sz="1000"/>
+            </a:lvl8pPr>
+            <a:lvl9pPr marL="3657600" indent="0">
+              <a:buNone/>
+              <a:defRPr sz="1000"/>
+            </a:lvl9pPr>
+          </a:lstStyle>
+          <a:p>
+            <a:pPr lvl="0"/>
+            <a:r>
+              <a:rPr lang="en-US"/>
+              <a:t>Click to edit Master text styles</a:t>
+            </a:r>
+          </a:p>
+        </p:txBody>
+      </p:sp>
+      <p:sp>
+        <p:nvSpPr>
+          <p:cNvPr id="5" name="Date Placeholder 4"/>
+          <p:cNvSpPr>
+            <a:spLocks noGrp="1"/>
+          </p:cNvSpPr>
+          <p:nvPr>
+            <p:ph type="dt" sz="half" idx="10"/>
+          </p:nvPr>
+        </p:nvSpPr>
+        <p:spPr/>
+        <p:txBody>
+          <a:bodyPr/>
+          <a:lstStyle/>
+          <a:p>
+            <a:fld id="{6C105108-C41D-4392-B4A8-317EE9FA4421}" type="datetimeFigureOut">
+              <a:rPr lang="en-US" smtClean="0"/>
+              <a:t>7/23/2019</a:t>
+            </a:fld>
+            <a:endParaRPr lang="en-US"/>
+          </a:p>
+        </p:txBody>
+      </p:sp>
+      <p:sp>
+        <p:nvSpPr>
+          <p:cNvPr id="6" name="Footer Placeholder 5"/>
+          <p:cNvSpPr>
+            <a:spLocks noGrp="1"/>
+          </p:cNvSpPr>
+          <p:nvPr>
+            <p:ph type="ftr" sz="quarter" idx="11"/>
+          </p:nvPr>
+        </p:nvSpPr>
+        <p:spPr/>
+        <p:txBody>
+          <a:bodyPr/>
+          <a:lstStyle/>
+          <a:p>
+            <a:endParaRPr lang="en-US"/>
+          </a:p>
+        </p:txBody>
+      </p:sp>
+      <p:sp>
+        <p:nvSpPr>
+          <p:cNvPr id="7" name="Slide Number Placeholder 6"/>
+          <p:cNvSpPr>
+            <a:spLocks noGrp="1"/>
+          </p:cNvSpPr>
+          <p:nvPr>
+            <p:ph type="sldNum" sz="quarter" idx="12"/>
+          </p:nvPr>
+        </p:nvSpPr>
+        <p:spPr/>
+        <p:txBody>
+          <a:bodyPr/>
+          <a:lstStyle/>
+          <a:p>
+            <a:fld id="{4E31FB50-49B3-42A4-A492-837D74E16F63}" type="slidenum">
+              <a:rPr lang="en-US" smtClean="0"/>
+              <a:t>‹#›</a:t>
+            </a:fld>
+            <a:endParaRPr lang="en-US"/>
+          </a:p>
+        </p:txBody>
+      </p:sp>
+    </p:spTree>
+    <p:extLst>
+      <p:ext uri="{BB962C8B-B14F-4D97-AF65-F5344CB8AC3E}">
+        <p14:creationId xmlns:p14="http://schemas.microsoft.com/office/powerpoint/2010/main" val="156856581"/>
+      </p:ext>
+    </p:extLst>
+  </p:cSld>
+  <p:clrMapOvr>
+    <a:masterClrMapping/>
+  </p:clrMapOvr>
+</p:sldLayout>
+</file>
+
+<file path=ppt/slideLayouts/slideLayout14.xml><?xml version="1.0" encoding="utf-8"?>
+<p:sldLayout xmlns:a="http://schemas.openxmlformats.org/drawingml/2006/main" xmlns:r="http://schemas.openxmlformats.org/officeDocument/2006/relationships" xmlns:p="http://schemas.openxmlformats.org/presentationml/2006/main" preserve="1">
+  <p:cSld name="3 Column">
+    <p:spTree>
+      <p:nvGrpSpPr>
+        <p:cNvPr id="1" name=""/>
+        <p:cNvGrpSpPr/>
+        <p:nvPr/>
+      </p:nvGrpSpPr>
+      <p:grpSpPr>
+        <a:xfrm>
+          <a:off x="0" y="0"/>
+          <a:ext cx="0" cy="0"/>
+          <a:chOff x="0" y="0"/>
+          <a:chExt cx="0" cy="0"/>
+        </a:xfrm>
+      </p:grpSpPr>
+      <p:sp>
+        <p:nvSpPr>
+          <p:cNvPr id="15" name="Title 1"/>
+          <p:cNvSpPr>
+            <a:spLocks noGrp="1"/>
+          </p:cNvSpPr>
+          <p:nvPr>
+            <p:ph type="title"/>
+          </p:nvPr>
+        </p:nvSpPr>
+        <p:spPr>
+          <a:xfrm>
+            <a:off x="913795" y="609600"/>
+            <a:ext cx="10353762" cy="970450"/>
+          </a:xfrm>
+        </p:spPr>
+        <p:txBody>
+          <a:bodyPr/>
+          <a:lstStyle/>
+          <a:p>
+            <a:r>
+              <a:rPr lang="en-US"/>
+              <a:t>Click to edit Master title style</a:t>
+            </a:r>
+            <a:endParaRPr lang="en-US" dirty="0"/>
+          </a:p>
+        </p:txBody>
+      </p:sp>
+      <p:sp>
+        <p:nvSpPr>
+          <p:cNvPr id="7" name="Text Placeholder 2"/>
+          <p:cNvSpPr>
+            <a:spLocks noGrp="1"/>
+          </p:cNvSpPr>
+          <p:nvPr>
+            <p:ph type="body" idx="1"/>
+          </p:nvPr>
+        </p:nvSpPr>
+        <p:spPr>
+          <a:xfrm>
+            <a:off x="913795" y="1885950"/>
+            <a:ext cx="3300984" cy="576262"/>
+          </a:xfrm>
+        </p:spPr>
+        <p:txBody>
+          <a:bodyPr anchor="b">
+            <a:noAutofit/>
+          </a:bodyPr>
+          <a:lstStyle>
+            <a:lvl1pPr marL="0" indent="0" algn="ctr">
+              <a:buNone/>
+              <a:defRPr sz="2400" b="0">
+                <a:solidFill>
+                  <a:schemeClr val="tx1"/>
+                </a:solidFill>
+              </a:defRPr>
+            </a:lvl1pPr>
+            <a:lvl2pPr marL="457200" indent="0">
+              <a:buNone/>
+              <a:defRPr sz="2000" b="1"/>
+            </a:lvl2pPr>
+            <a:lvl3pPr marL="914400" indent="0">
+              <a:buNone/>
+              <a:defRPr sz="1800" b="1"/>
+            </a:lvl3pPr>
+            <a:lvl4pPr marL="1371600" indent="0">
+              <a:buNone/>
+              <a:defRPr sz="1600" b="1"/>
+            </a:lvl4pPr>
+            <a:lvl5pPr marL="1828800" indent="0">
+              <a:buNone/>
+              <a:defRPr sz="1600" b="1"/>
+            </a:lvl5pPr>
+            <a:lvl6pPr marL="2286000" indent="0">
+              <a:buNone/>
+              <a:defRPr sz="1600" b="1"/>
+            </a:lvl6pPr>
+            <a:lvl7pPr marL="2743200" indent="0">
+              <a:buNone/>
+              <a:defRPr sz="1600" b="1"/>
+            </a:lvl7pPr>
+            <a:lvl8pPr marL="3200400" indent="0">
+              <a:buNone/>
+              <a:defRPr sz="1600" b="1"/>
+            </a:lvl8pPr>
+            <a:lvl9pPr marL="3657600" indent="0">
+              <a:buNone/>
+              <a:defRPr sz="1600" b="1"/>
+            </a:lvl9pPr>
+          </a:lstStyle>
+          <a:p>
+            <a:pPr lvl="0"/>
+            <a:r>
+              <a:rPr lang="en-US"/>
+              <a:t>Click to edit Master text styles</a:t>
+            </a:r>
+          </a:p>
+        </p:txBody>
+      </p:sp>
+      <p:sp>
+        <p:nvSpPr>
+          <p:cNvPr id="8" name="Text Placeholder 3"/>
+          <p:cNvSpPr>
+            <a:spLocks noGrp="1"/>
+          </p:cNvSpPr>
+          <p:nvPr>
+            <p:ph type="body" sz="half" idx="15"/>
+          </p:nvPr>
+        </p:nvSpPr>
+        <p:spPr>
+          <a:xfrm>
+            <a:off x="913795" y="2571750"/>
+            <a:ext cx="3300984" cy="3219450"/>
+          </a:xfrm>
+        </p:spPr>
+        <p:txBody>
+          <a:bodyPr anchor="t">
+            <a:normAutofit/>
+          </a:bodyPr>
+          <a:lstStyle>
+            <a:lvl1pPr marL="0" indent="0" algn="ctr">
+              <a:buNone/>
+              <a:defRPr sz="1400"/>
+            </a:lvl1pPr>
+            <a:lvl2pPr marL="457200" indent="0">
+              <a:buNone/>
+              <a:defRPr sz="1200"/>
+            </a:lvl2pPr>
+            <a:lvl3pPr marL="914400" indent="0">
+              <a:buNone/>
+              <a:defRPr sz="1000"/>
+            </a:lvl3pPr>
+            <a:lvl4pPr marL="1371600" indent="0">
+              <a:buNone/>
+              <a:defRPr sz="900"/>
+            </a:lvl4pPr>
+            <a:lvl5pPr marL="1828800" indent="0">
+              <a:buNone/>
+              <a:defRPr sz="900"/>
+            </a:lvl5pPr>
+            <a:lvl6pPr marL="2286000" indent="0">
+              <a:buNone/>
+              <a:defRPr sz="900"/>
+            </a:lvl6pPr>
+            <a:lvl7pPr marL="2743200" indent="0">
+              <a:buNone/>
+              <a:defRPr sz="900"/>
+            </a:lvl7pPr>
+            <a:lvl8pPr marL="3200400" indent="0">
+              <a:buNone/>
+              <a:defRPr sz="900"/>
+            </a:lvl8pPr>
+            <a:lvl9pPr marL="3657600" indent="0">
+              <a:buNone/>
+              <a:defRPr sz="900"/>
+            </a:lvl9pPr>
+          </a:lstStyle>
+          <a:p>
+            <a:pPr lvl="0"/>
+            <a:r>
+              <a:rPr lang="en-US"/>
+              <a:t>Click to edit Master text styles</a:t>
+            </a:r>
+          </a:p>
+        </p:txBody>
+      </p:sp>
+      <p:sp>
+        <p:nvSpPr>
+          <p:cNvPr id="9" name="Text Placeholder 4"/>
+          <p:cNvSpPr>
+            <a:spLocks noGrp="1"/>
+          </p:cNvSpPr>
+          <p:nvPr>
+            <p:ph type="body" sz="quarter" idx="3"/>
+          </p:nvPr>
+        </p:nvSpPr>
+        <p:spPr>
+          <a:xfrm>
+            <a:off x="4446711" y="1885950"/>
+            <a:ext cx="3300984" cy="576262"/>
+          </a:xfrm>
+        </p:spPr>
+        <p:txBody>
+          <a:bodyPr anchor="b">
+            <a:noAutofit/>
+          </a:bodyPr>
+          <a:lstStyle>
+            <a:lvl1pPr marL="0" indent="0" algn="ctr">
+              <a:buNone/>
+              <a:defRPr sz="2400" b="0">
+                <a:solidFill>
+                  <a:schemeClr val="tx1"/>
+                </a:solidFill>
+              </a:defRPr>
+            </a:lvl1pPr>
+            <a:lvl2pPr marL="457200" indent="0">
+              <a:buNone/>
+              <a:defRPr sz="2000" b="1"/>
+            </a:lvl2pPr>
+            <a:lvl3pPr marL="914400" indent="0">
+              <a:buNone/>
+              <a:defRPr sz="1800" b="1"/>
+            </a:lvl3pPr>
+            <a:lvl4pPr marL="1371600" indent="0">
+              <a:buNone/>
+              <a:defRPr sz="1600" b="1"/>
+            </a:lvl4pPr>
+            <a:lvl5pPr marL="1828800" indent="0">
+              <a:buNone/>
+              <a:defRPr sz="1600" b="1"/>
+            </a:lvl5pPr>
+            <a:lvl6pPr marL="2286000" indent="0">
+              <a:buNone/>
+              <a:defRPr sz="1600" b="1"/>
+            </a:lvl6pPr>
+            <a:lvl7pPr marL="2743200" indent="0">
+              <a:buNone/>
+              <a:defRPr sz="1600" b="1"/>
+            </a:lvl7pPr>
+            <a:lvl8pPr marL="3200400" indent="0">
+              <a:buNone/>
+              <a:defRPr sz="1600" b="1"/>
+            </a:lvl8pPr>
+            <a:lvl9pPr marL="3657600" indent="0">
+              <a:buNone/>
+              <a:defRPr sz="1600" b="1"/>
+            </a:lvl9pPr>
+          </a:lstStyle>
+          <a:p>
+            <a:pPr lvl="0"/>
+            <a:r>
+              <a:rPr lang="en-US"/>
+              <a:t>Click to edit Master text styles</a:t>
+            </a:r>
+          </a:p>
+        </p:txBody>
+      </p:sp>
+      <p:sp>
+        <p:nvSpPr>
+          <p:cNvPr id="10" name="Text Placeholder 3"/>
+          <p:cNvSpPr>
+            <a:spLocks noGrp="1"/>
+          </p:cNvSpPr>
+          <p:nvPr>
+            <p:ph type="body" sz="half" idx="16"/>
+          </p:nvPr>
+        </p:nvSpPr>
+        <p:spPr>
+          <a:xfrm>
+            <a:off x="4441435" y="2571750"/>
+            <a:ext cx="3300984" cy="3219450"/>
+          </a:xfrm>
+        </p:spPr>
+        <p:txBody>
+          <a:bodyPr anchor="t">
+            <a:normAutofit/>
+          </a:bodyPr>
+          <a:lstStyle>
+            <a:lvl1pPr marL="0" indent="0" algn="ctr">
+              <a:buNone/>
+              <a:defRPr sz="1400"/>
+            </a:lvl1pPr>
+            <a:lvl2pPr marL="457200" indent="0">
+              <a:buNone/>
+              <a:defRPr sz="1200"/>
+            </a:lvl2pPr>
+            <a:lvl3pPr marL="914400" indent="0">
+              <a:buNone/>
+              <a:defRPr sz="1000"/>
+            </a:lvl3pPr>
+            <a:lvl4pPr marL="1371600" indent="0">
+              <a:buNone/>
+              <a:defRPr sz="900"/>
+            </a:lvl4pPr>
+            <a:lvl5pPr marL="1828800" indent="0">
+              <a:buNone/>
+              <a:defRPr sz="900"/>
+            </a:lvl5pPr>
+            <a:lvl6pPr marL="2286000" indent="0">
+              <a:buNone/>
+              <a:defRPr sz="900"/>
+            </a:lvl6pPr>
+            <a:lvl7pPr marL="2743200" indent="0">
+              <a:buNone/>
+              <a:defRPr sz="900"/>
+            </a:lvl7pPr>
+            <a:lvl8pPr marL="3200400" indent="0">
+              <a:buNone/>
+              <a:defRPr sz="900"/>
+            </a:lvl8pPr>
+            <a:lvl9pPr marL="3657600" indent="0">
+              <a:buNone/>
+              <a:defRPr sz="900"/>
+            </a:lvl9pPr>
+          </a:lstStyle>
+          <a:p>
+            <a:pPr lvl="0"/>
+            <a:r>
+              <a:rPr lang="en-US"/>
+              <a:t>Click to edit Master text styles</a:t>
+            </a:r>
+          </a:p>
+        </p:txBody>
+      </p:sp>
+      <p:sp>
+        <p:nvSpPr>
+          <p:cNvPr id="11" name="Text Placeholder 4"/>
+          <p:cNvSpPr>
+            <a:spLocks noGrp="1"/>
+          </p:cNvSpPr>
+          <p:nvPr>
+            <p:ph type="body" sz="quarter" idx="13"/>
+          </p:nvPr>
+        </p:nvSpPr>
+        <p:spPr>
+          <a:xfrm>
+            <a:off x="7966572" y="1885950"/>
+            <a:ext cx="3300984" cy="576262"/>
+          </a:xfrm>
+        </p:spPr>
+        <p:txBody>
+          <a:bodyPr anchor="b">
+            <a:noAutofit/>
+          </a:bodyPr>
+          <a:lstStyle>
+            <a:lvl1pPr marL="0" indent="0" algn="ctr">
+              <a:buNone/>
+              <a:defRPr sz="2400" b="0">
+                <a:solidFill>
+                  <a:schemeClr val="tx1"/>
+                </a:solidFill>
+              </a:defRPr>
+            </a:lvl1pPr>
+            <a:lvl2pPr marL="457200" indent="0">
+              <a:buNone/>
+              <a:defRPr sz="2000" b="1"/>
+            </a:lvl2pPr>
+            <a:lvl3pPr marL="914400" indent="0">
+              <a:buNone/>
+              <a:defRPr sz="1800" b="1"/>
+            </a:lvl3pPr>
+            <a:lvl4pPr marL="1371600" indent="0">
+              <a:buNone/>
+              <a:defRPr sz="1600" b="1"/>
+            </a:lvl4pPr>
+            <a:lvl5pPr marL="1828800" indent="0">
+              <a:buNone/>
+              <a:defRPr sz="1600" b="1"/>
+            </a:lvl5pPr>
+            <a:lvl6pPr marL="2286000" indent="0">
+              <a:buNone/>
+              <a:defRPr sz="1600" b="1"/>
+            </a:lvl6pPr>
+            <a:lvl7pPr marL="2743200" indent="0">
+              <a:buNone/>
+              <a:defRPr sz="1600" b="1"/>
+            </a:lvl7pPr>
+            <a:lvl8pPr marL="3200400" indent="0">
+              <a:buNone/>
+              <a:defRPr sz="1600" b="1"/>
+            </a:lvl8pPr>
+            <a:lvl9pPr marL="3657600" indent="0">
+              <a:buNone/>
+              <a:defRPr sz="1600" b="1"/>
+            </a:lvl9pPr>
+          </a:lstStyle>
+          <a:p>
+            <a:pPr lvl="0"/>
+            <a:r>
+              <a:rPr lang="en-US"/>
+              <a:t>Click to edit Master text styles</a:t>
+            </a:r>
+          </a:p>
+        </p:txBody>
+      </p:sp>
+      <p:sp>
+        <p:nvSpPr>
+          <p:cNvPr id="12" name="Text Placeholder 3"/>
+          <p:cNvSpPr>
+            <a:spLocks noGrp="1"/>
+          </p:cNvSpPr>
+          <p:nvPr>
+            <p:ph type="body" sz="half" idx="17"/>
+          </p:nvPr>
+        </p:nvSpPr>
+        <p:spPr>
+          <a:xfrm>
+            <a:off x="7966572" y="2571750"/>
+            <a:ext cx="3300984" cy="3219450"/>
+          </a:xfrm>
+        </p:spPr>
+        <p:txBody>
+          <a:bodyPr anchor="t">
+            <a:normAutofit/>
+          </a:bodyPr>
+          <a:lstStyle>
+            <a:lvl1pPr marL="0" indent="0" algn="ctr">
+              <a:buNone/>
+              <a:defRPr sz="1400"/>
+            </a:lvl1pPr>
+            <a:lvl2pPr marL="457200" indent="0">
+              <a:buNone/>
+              <a:defRPr sz="1200"/>
+            </a:lvl2pPr>
+            <a:lvl3pPr marL="914400" indent="0">
+              <a:buNone/>
+              <a:defRPr sz="1000"/>
+            </a:lvl3pPr>
+            <a:lvl4pPr marL="1371600" indent="0">
+              <a:buNone/>
+              <a:defRPr sz="900"/>
+            </a:lvl4pPr>
+            <a:lvl5pPr marL="1828800" indent="0">
+              <a:buNone/>
+              <a:defRPr sz="900"/>
+            </a:lvl5pPr>
+            <a:lvl6pPr marL="2286000" indent="0">
+              <a:buNone/>
+              <a:defRPr sz="900"/>
+            </a:lvl6pPr>
+            <a:lvl7pPr marL="2743200" indent="0">
+              <a:buNone/>
+              <a:defRPr sz="900"/>
+            </a:lvl7pPr>
+            <a:lvl8pPr marL="3200400" indent="0">
+              <a:buNone/>
+              <a:defRPr sz="900"/>
+            </a:lvl8pPr>
+            <a:lvl9pPr marL="3657600" indent="0">
+              <a:buNone/>
+              <a:defRPr sz="900"/>
+            </a:lvl9pPr>
+          </a:lstStyle>
+          <a:p>
+            <a:pPr lvl="0"/>
+            <a:r>
+              <a:rPr lang="en-US"/>
+              <a:t>Click to edit Master text styles</a:t>
+            </a:r>
+          </a:p>
+        </p:txBody>
+      </p:sp>
+      <p:sp>
+        <p:nvSpPr>
+          <p:cNvPr id="3" name="Date Placeholder 2"/>
+          <p:cNvSpPr>
+            <a:spLocks noGrp="1"/>
+          </p:cNvSpPr>
+          <p:nvPr>
+            <p:ph type="dt" sz="half" idx="10"/>
+          </p:nvPr>
+        </p:nvSpPr>
+        <p:spPr/>
+        <p:txBody>
+          <a:bodyPr/>
+          <a:lstStyle/>
+          <a:p>
+            <a:fld id="{6C105108-C41D-4392-B4A8-317EE9FA4421}" type="datetimeFigureOut">
+              <a:rPr lang="en-US" smtClean="0"/>
+              <a:t>7/23/2019</a:t>
+            </a:fld>
+            <a:endParaRPr lang="en-US"/>
+          </a:p>
+        </p:txBody>
+      </p:sp>
+      <p:sp>
+        <p:nvSpPr>
+          <p:cNvPr id="4" name="Footer Placeholder 3"/>
+          <p:cNvSpPr>
+            <a:spLocks noGrp="1"/>
+          </p:cNvSpPr>
+          <p:nvPr>
+            <p:ph type="ftr" sz="quarter" idx="11"/>
+          </p:nvPr>
+        </p:nvSpPr>
+        <p:spPr/>
+        <p:txBody>
+          <a:bodyPr/>
+          <a:lstStyle/>
+          <a:p>
+            <a:endParaRPr lang="en-US"/>
+          </a:p>
+        </p:txBody>
+      </p:sp>
+      <p:sp>
+        <p:nvSpPr>
+          <p:cNvPr id="5" name="Slide Number Placeholder 4"/>
+          <p:cNvSpPr>
+            <a:spLocks noGrp="1"/>
+          </p:cNvSpPr>
+          <p:nvPr>
+            <p:ph type="sldNum" sz="quarter" idx="12"/>
+          </p:nvPr>
+        </p:nvSpPr>
+        <p:spPr/>
+        <p:txBody>
+          <a:bodyPr/>
+          <a:lstStyle/>
+          <a:p>
+            <a:fld id="{4E31FB50-49B3-42A4-A492-837D74E16F63}" type="slidenum">
+              <a:rPr lang="en-US" smtClean="0"/>
+              <a:t>‹#›</a:t>
+            </a:fld>
+            <a:endParaRPr lang="en-US"/>
+          </a:p>
+        </p:txBody>
+      </p:sp>
+    </p:spTree>
+    <p:extLst>
+      <p:ext uri="{BB962C8B-B14F-4D97-AF65-F5344CB8AC3E}">
+        <p14:creationId xmlns:p14="http://schemas.microsoft.com/office/powerpoint/2010/main" val="541806539"/>
+      </p:ext>
+    </p:extLst>
+  </p:cSld>
+  <p:clrMapOvr>
+    <a:masterClrMapping/>
+  </p:clrMapOvr>
+</p:sldLayout>
+</file>
+
+<file path=ppt/slideLayouts/slideLayout15.xml><?xml version="1.0" encoding="utf-8"?>
+<p:sldLayout xmlns:a="http://schemas.openxmlformats.org/drawingml/2006/main" xmlns:r="http://schemas.openxmlformats.org/officeDocument/2006/relationships" xmlns:p="http://schemas.openxmlformats.org/presentationml/2006/main" preserve="1">
+  <p:cSld name="3 Picture Column">
+    <p:spTree>
+      <p:nvGrpSpPr>
+        <p:cNvPr id="1" name=""/>
+        <p:cNvGrpSpPr/>
+        <p:nvPr/>
+      </p:nvGrpSpPr>
+      <p:grpSpPr>
+        <a:xfrm>
+          <a:off x="0" y="0"/>
+          <a:ext cx="0" cy="0"/>
+          <a:chOff x="0" y="0"/>
+          <a:chExt cx="0" cy="0"/>
+        </a:xfrm>
+      </p:grpSpPr>
+      <p:pic>
+        <p:nvPicPr>
+          <p:cNvPr id="2" name="Picture 1" descr="Slate-V2-HD-3colPhotoInset.png"/>
+          <p:cNvPicPr>
+            <a:picLocks noChangeAspect="1"/>
+          </p:cNvPicPr>
+          <p:nvPr/>
+        </p:nvPicPr>
+        <p:blipFill>
+          <a:blip r:embed="rId2">
+            <a:extLst>
+              <a:ext uri="{28A0092B-C50C-407E-A947-70E740481C1C}">
+                <a14:useLocalDpi xmlns:a14="http://schemas.microsoft.com/office/drawing/2010/main" val="0"/>
+              </a:ext>
+            </a:extLst>
+          </a:blip>
+          <a:stretch>
+            <a:fillRect/>
+          </a:stretch>
+        </p:blipFill>
+        <p:spPr>
+          <a:xfrm>
+            <a:off x="897962" y="1818214"/>
+            <a:ext cx="3339972" cy="1847851"/>
+          </a:xfrm>
+          <a:prstGeom prst="rect">
+            <a:avLst/>
+          </a:prstGeom>
+        </p:spPr>
+      </p:pic>
+      <p:pic>
+        <p:nvPicPr>
+          <p:cNvPr id="36" name="Picture 35" descr="Slate-V2-HD-3colPhotoInset.png"/>
+          <p:cNvPicPr>
+            <a:picLocks noChangeAspect="1"/>
+          </p:cNvPicPr>
+          <p:nvPr/>
+        </p:nvPicPr>
+        <p:blipFill>
+          <a:blip r:embed="rId2">
+            <a:extLst>
+              <a:ext uri="{28A0092B-C50C-407E-A947-70E740481C1C}">
+                <a14:useLocalDpi xmlns:a14="http://schemas.microsoft.com/office/drawing/2010/main" val="0"/>
+              </a:ext>
+            </a:extLst>
+          </a:blip>
+          <a:stretch>
+            <a:fillRect/>
+          </a:stretch>
+        </p:blipFill>
+        <p:spPr>
+          <a:xfrm>
+            <a:off x="4403800" y="1818214"/>
+            <a:ext cx="3339972" cy="1847851"/>
+          </a:xfrm>
+          <a:prstGeom prst="rect">
+            <a:avLst/>
+          </a:prstGeom>
+        </p:spPr>
+      </p:pic>
+      <p:pic>
+        <p:nvPicPr>
+          <p:cNvPr id="37" name="Picture 36" descr="Slate-V2-HD-3colPhotoInset.png"/>
+          <p:cNvPicPr>
+            <a:picLocks noChangeAspect="1"/>
+          </p:cNvPicPr>
+          <p:nvPr/>
+        </p:nvPicPr>
+        <p:blipFill>
+          <a:blip r:embed="rId2">
+            <a:extLst>
+              <a:ext uri="{28A0092B-C50C-407E-A947-70E740481C1C}">
+                <a14:useLocalDpi xmlns:a14="http://schemas.microsoft.com/office/drawing/2010/main" val="0"/>
+              </a:ext>
+            </a:extLst>
+          </a:blip>
+          <a:stretch>
+            <a:fillRect/>
+          </a:stretch>
+        </p:blipFill>
+        <p:spPr>
+          <a:xfrm>
+            <a:off x="7936051" y="1818214"/>
+            <a:ext cx="3339972" cy="1847851"/>
+          </a:xfrm>
+          <a:prstGeom prst="rect">
+            <a:avLst/>
+          </a:prstGeom>
+        </p:spPr>
+      </p:pic>
+      <p:sp>
+        <p:nvSpPr>
+          <p:cNvPr id="30" name="Title 1"/>
+          <p:cNvSpPr>
+            <a:spLocks noGrp="1"/>
+          </p:cNvSpPr>
+          <p:nvPr>
+            <p:ph type="title"/>
+          </p:nvPr>
+        </p:nvSpPr>
+        <p:spPr>
+          <a:xfrm>
+            <a:off x="913794" y="609600"/>
+            <a:ext cx="10353763" cy="970450"/>
+          </a:xfrm>
+        </p:spPr>
+        <p:txBody>
+          <a:bodyPr/>
+          <a:lstStyle/>
+          <a:p>
+            <a:r>
+              <a:rPr lang="en-US"/>
+              <a:t>Click to edit Master title style</a:t>
+            </a:r>
+            <a:endParaRPr lang="en-US" dirty="0"/>
+          </a:p>
+        </p:txBody>
+      </p:sp>
+      <p:sp>
+        <p:nvSpPr>
+          <p:cNvPr id="19" name="Text Placeholder 2"/>
+          <p:cNvSpPr>
+            <a:spLocks noGrp="1"/>
+          </p:cNvSpPr>
+          <p:nvPr>
+            <p:ph type="body" idx="1"/>
+          </p:nvPr>
+        </p:nvSpPr>
+        <p:spPr>
+          <a:xfrm>
+            <a:off x="913795" y="3904106"/>
+            <a:ext cx="3300984" cy="576262"/>
+          </a:xfrm>
+        </p:spPr>
+        <p:txBody>
+          <a:bodyPr anchor="b">
+            <a:noAutofit/>
+          </a:bodyPr>
+          <a:lstStyle>
+            <a:lvl1pPr marL="0" indent="0" algn="ctr">
+              <a:buNone/>
+              <a:defRPr sz="2000" b="0">
+                <a:solidFill>
+                  <a:schemeClr val="tx1"/>
+                </a:solidFill>
+              </a:defRPr>
+            </a:lvl1pPr>
+            <a:lvl2pPr marL="457200" indent="0">
+              <a:buNone/>
+              <a:defRPr sz="2000" b="1"/>
+            </a:lvl2pPr>
+            <a:lvl3pPr marL="914400" indent="0">
+              <a:buNone/>
+              <a:defRPr sz="1800" b="1"/>
+            </a:lvl3pPr>
+            <a:lvl4pPr marL="1371600" indent="0">
+              <a:buNone/>
+              <a:defRPr sz="1600" b="1"/>
+            </a:lvl4pPr>
+            <a:lvl5pPr marL="1828800" indent="0">
+              <a:buNone/>
+              <a:defRPr sz="1600" b="1"/>
+            </a:lvl5pPr>
+            <a:lvl6pPr marL="2286000" indent="0">
+              <a:buNone/>
+              <a:defRPr sz="1600" b="1"/>
+            </a:lvl6pPr>
+            <a:lvl7pPr marL="2743200" indent="0">
+              <a:buNone/>
+              <a:defRPr sz="1600" b="1"/>
+            </a:lvl7pPr>
+            <a:lvl8pPr marL="3200400" indent="0">
+              <a:buNone/>
+              <a:defRPr sz="1600" b="1"/>
+            </a:lvl8pPr>
+            <a:lvl9pPr marL="3657600" indent="0">
+              <a:buNone/>
+              <a:defRPr sz="1600" b="1"/>
+            </a:lvl9pPr>
+          </a:lstStyle>
+          <a:p>
+            <a:pPr lvl="0"/>
+            <a:r>
+              <a:rPr lang="en-US"/>
+              <a:t>Click to edit Master text styles</a:t>
+            </a:r>
+          </a:p>
+        </p:txBody>
+      </p:sp>
+      <p:sp>
+        <p:nvSpPr>
+          <p:cNvPr id="20" name="Picture Placeholder 2"/>
+          <p:cNvSpPr>
+            <a:spLocks noGrp="1" noChangeAspect="1"/>
+          </p:cNvSpPr>
+          <p:nvPr>
+            <p:ph type="pic" idx="15"/>
+          </p:nvPr>
+        </p:nvSpPr>
+        <p:spPr>
+          <a:xfrm>
+            <a:off x="1018102" y="1938918"/>
+            <a:ext cx="3092368" cy="1602954"/>
+          </a:xfrm>
+          <a:prstGeom prst="roundRect">
+            <a:avLst>
+              <a:gd name="adj" fmla="val 1858"/>
+            </a:avLst>
+          </a:prstGeom>
+          <a:effectLst>
+            <a:outerShdw blurRad="38100" dist="25400" dir="4440000">
+              <a:srgbClr val="000000">
+                <a:alpha val="36000"/>
+              </a:srgbClr>
+            </a:outerShdw>
+          </a:effectLst>
+        </p:spPr>
+        <p:txBody>
+          <a:bodyPr anchor="t">
+            <a:normAutofit/>
+          </a:bodyPr>
+          <a:lstStyle>
+            <a:lvl1pPr marL="0" indent="0" algn="ctr">
+              <a:buNone/>
+              <a:defRPr sz="1600"/>
+            </a:lvl1pPr>
+            <a:lvl2pPr marL="457200" indent="0">
+              <a:buNone/>
+              <a:defRPr sz="1600"/>
+            </a:lvl2pPr>
+            <a:lvl3pPr marL="914400" indent="0">
+              <a:buNone/>
+              <a:defRPr sz="1600"/>
+            </a:lvl3pPr>
+            <a:lvl4pPr marL="1371600" indent="0">
+              <a:buNone/>
+              <a:defRPr sz="1600"/>
+            </a:lvl4pPr>
+            <a:lvl5pPr marL="1828800" indent="0">
+              <a:buNone/>
+              <a:defRPr sz="1600"/>
+            </a:lvl5pPr>
+            <a:lvl6pPr marL="2286000" indent="0">
+              <a:buNone/>
+              <a:defRPr sz="1600"/>
+            </a:lvl6pPr>
+            <a:lvl7pPr marL="2743200" indent="0">
+              <a:buNone/>
+              <a:defRPr sz="1600"/>
+            </a:lvl7pPr>
+            <a:lvl8pPr marL="3200400" indent="0">
+              <a:buNone/>
+              <a:defRPr sz="1600"/>
+            </a:lvl8pPr>
+            <a:lvl9pPr marL="3657600" indent="0">
+              <a:buNone/>
+              <a:defRPr sz="1600"/>
+            </a:lvl9pPr>
+          </a:lstStyle>
+          <a:p>
+            <a:r>
+              <a:rPr lang="en-US"/>
+              <a:t>Click icon to add picture</a:t>
+            </a:r>
+            <a:endParaRPr lang="en-US" dirty="0"/>
+          </a:p>
+        </p:txBody>
+      </p:sp>
+      <p:sp>
+        <p:nvSpPr>
+          <p:cNvPr id="21" name="Text Placeholder 3"/>
+          <p:cNvSpPr>
+            <a:spLocks noGrp="1"/>
+          </p:cNvSpPr>
+          <p:nvPr>
+            <p:ph type="body" sz="half" idx="18"/>
+          </p:nvPr>
+        </p:nvSpPr>
+        <p:spPr>
+          <a:xfrm>
+            <a:off x="913795" y="4480368"/>
+            <a:ext cx="3300984" cy="1310833"/>
+          </a:xfrm>
+        </p:spPr>
+        <p:txBody>
+          <a:bodyPr anchor="t">
+            <a:normAutofit/>
+          </a:bodyPr>
+          <a:lstStyle>
+            <a:lvl1pPr marL="0" indent="0" algn="ctr">
+              <a:buNone/>
+              <a:defRPr sz="1400"/>
+            </a:lvl1pPr>
+            <a:lvl2pPr marL="457200" indent="0">
+              <a:buNone/>
+              <a:defRPr sz="1200"/>
+            </a:lvl2pPr>
+            <a:lvl3pPr marL="914400" indent="0">
+              <a:buNone/>
+              <a:defRPr sz="1000"/>
+            </a:lvl3pPr>
+            <a:lvl4pPr marL="1371600" indent="0">
+              <a:buNone/>
+              <a:defRPr sz="900"/>
+            </a:lvl4pPr>
+            <a:lvl5pPr marL="1828800" indent="0">
+              <a:buNone/>
+              <a:defRPr sz="900"/>
+            </a:lvl5pPr>
+            <a:lvl6pPr marL="2286000" indent="0">
+              <a:buNone/>
+              <a:defRPr sz="900"/>
+            </a:lvl6pPr>
+            <a:lvl7pPr marL="2743200" indent="0">
+              <a:buNone/>
+              <a:defRPr sz="900"/>
+            </a:lvl7pPr>
+            <a:lvl8pPr marL="3200400" indent="0">
+              <a:buNone/>
+              <a:defRPr sz="900"/>
+            </a:lvl8pPr>
+            <a:lvl9pPr marL="3657600" indent="0">
+              <a:buNone/>
+              <a:defRPr sz="900"/>
+            </a:lvl9pPr>
+          </a:lstStyle>
+          <a:p>
+            <a:pPr lvl="0"/>
+            <a:r>
+              <a:rPr lang="en-US"/>
+              <a:t>Click to edit Master text styles</a:t>
+            </a:r>
+          </a:p>
+        </p:txBody>
+      </p:sp>
+      <p:sp>
+        <p:nvSpPr>
+          <p:cNvPr id="22" name="Text Placeholder 4"/>
+          <p:cNvSpPr>
+            <a:spLocks noGrp="1"/>
+          </p:cNvSpPr>
+          <p:nvPr>
+            <p:ph type="body" sz="quarter" idx="3"/>
+          </p:nvPr>
+        </p:nvSpPr>
+        <p:spPr>
+          <a:xfrm>
+            <a:off x="4442788" y="3904106"/>
+            <a:ext cx="3300984" cy="576262"/>
+          </a:xfrm>
+        </p:spPr>
+        <p:txBody>
+          <a:bodyPr anchor="b">
+            <a:noAutofit/>
+          </a:bodyPr>
+          <a:lstStyle>
+            <a:lvl1pPr marL="0" indent="0" algn="ctr">
+              <a:buNone/>
+              <a:defRPr sz="2000" b="0">
+                <a:solidFill>
+                  <a:schemeClr val="tx1"/>
+                </a:solidFill>
+              </a:defRPr>
+            </a:lvl1pPr>
+            <a:lvl2pPr marL="457200" indent="0">
+              <a:buNone/>
+              <a:defRPr sz="2000" b="1"/>
+            </a:lvl2pPr>
+            <a:lvl3pPr marL="914400" indent="0">
+              <a:buNone/>
+              <a:defRPr sz="1800" b="1"/>
+            </a:lvl3pPr>
+            <a:lvl4pPr marL="1371600" indent="0">
+              <a:buNone/>
+              <a:defRPr sz="1600" b="1"/>
+            </a:lvl4pPr>
+            <a:lvl5pPr marL="1828800" indent="0">
+              <a:buNone/>
+              <a:defRPr sz="1600" b="1"/>
+            </a:lvl5pPr>
+            <a:lvl6pPr marL="2286000" indent="0">
+              <a:buNone/>
+              <a:defRPr sz="1600" b="1"/>
+            </a:lvl6pPr>
+            <a:lvl7pPr marL="2743200" indent="0">
+              <a:buNone/>
+              <a:defRPr sz="1600" b="1"/>
+            </a:lvl7pPr>
+            <a:lvl8pPr marL="3200400" indent="0">
+              <a:buNone/>
+              <a:defRPr sz="1600" b="1"/>
+            </a:lvl8pPr>
+            <a:lvl9pPr marL="3657600" indent="0">
+              <a:buNone/>
+              <a:defRPr sz="1600" b="1"/>
+            </a:lvl9pPr>
+          </a:lstStyle>
+          <a:p>
+            <a:pPr lvl="0"/>
+            <a:r>
+              <a:rPr lang="en-US"/>
+              <a:t>Click to edit Master text styles</a:t>
+            </a:r>
+          </a:p>
+        </p:txBody>
+      </p:sp>
+      <p:sp>
+        <p:nvSpPr>
+          <p:cNvPr id="23" name="Picture Placeholder 2"/>
+          <p:cNvSpPr>
+            <a:spLocks noGrp="1" noChangeAspect="1"/>
+          </p:cNvSpPr>
+          <p:nvPr>
+            <p:ph type="pic" idx="21"/>
+          </p:nvPr>
+        </p:nvSpPr>
+        <p:spPr>
+          <a:xfrm>
+            <a:off x="4545743" y="1939094"/>
+            <a:ext cx="3092368" cy="1608164"/>
+          </a:xfrm>
+          <a:prstGeom prst="roundRect">
+            <a:avLst>
+              <a:gd name="adj" fmla="val 1858"/>
+            </a:avLst>
+          </a:prstGeom>
+          <a:effectLst>
+            <a:outerShdw blurRad="38100" dist="25400" dir="4440000">
+              <a:srgbClr val="000000">
+                <a:alpha val="36000"/>
+              </a:srgbClr>
+            </a:outerShdw>
+          </a:effectLst>
+        </p:spPr>
+        <p:txBody>
+          <a:bodyPr anchor="t">
+            <a:normAutofit/>
+          </a:bodyPr>
+          <a:lstStyle>
+            <a:lvl1pPr marL="0" indent="0" algn="ctr">
+              <a:buNone/>
+              <a:defRPr sz="1600"/>
+            </a:lvl1pPr>
+            <a:lvl2pPr marL="457200" indent="0">
+              <a:buNone/>
+              <a:defRPr sz="1600"/>
+            </a:lvl2pPr>
+            <a:lvl3pPr marL="914400" indent="0">
+              <a:buNone/>
+              <a:defRPr sz="1600"/>
+            </a:lvl3pPr>
+            <a:lvl4pPr marL="1371600" indent="0">
+              <a:buNone/>
+              <a:defRPr sz="1600"/>
+            </a:lvl4pPr>
+            <a:lvl5pPr marL="1828800" indent="0">
+              <a:buNone/>
+              <a:defRPr sz="1600"/>
+            </a:lvl5pPr>
+            <a:lvl6pPr marL="2286000" indent="0">
+              <a:buNone/>
+              <a:defRPr sz="1600"/>
+            </a:lvl6pPr>
+            <a:lvl7pPr marL="2743200" indent="0">
+              <a:buNone/>
+              <a:defRPr sz="1600"/>
+            </a:lvl7pPr>
+            <a:lvl8pPr marL="3200400" indent="0">
+              <a:buNone/>
+              <a:defRPr sz="1600"/>
+            </a:lvl8pPr>
+            <a:lvl9pPr marL="3657600" indent="0">
+              <a:buNone/>
+              <a:defRPr sz="1600"/>
+            </a:lvl9pPr>
+          </a:lstStyle>
+          <a:p>
+            <a:r>
+              <a:rPr lang="en-US"/>
+              <a:t>Click icon to add picture</a:t>
+            </a:r>
+            <a:endParaRPr lang="en-US" dirty="0"/>
+          </a:p>
+        </p:txBody>
+      </p:sp>
+      <p:sp>
+        <p:nvSpPr>
+          <p:cNvPr id="24" name="Text Placeholder 3"/>
+          <p:cNvSpPr>
+            <a:spLocks noGrp="1"/>
+          </p:cNvSpPr>
+          <p:nvPr>
+            <p:ph type="body" sz="half" idx="19"/>
+          </p:nvPr>
+        </p:nvSpPr>
+        <p:spPr>
+          <a:xfrm>
+            <a:off x="4441435" y="4480367"/>
+            <a:ext cx="3300984" cy="1310833"/>
+          </a:xfrm>
+        </p:spPr>
+        <p:txBody>
+          <a:bodyPr anchor="t">
+            <a:normAutofit/>
+          </a:bodyPr>
+          <a:lstStyle>
+            <a:lvl1pPr marL="0" indent="0" algn="ctr">
+              <a:buNone/>
+              <a:defRPr sz="1400"/>
+            </a:lvl1pPr>
+            <a:lvl2pPr marL="457200" indent="0">
+              <a:buNone/>
+              <a:defRPr sz="1200"/>
+            </a:lvl2pPr>
+            <a:lvl3pPr marL="914400" indent="0">
+              <a:buNone/>
+              <a:defRPr sz="1000"/>
+            </a:lvl3pPr>
+            <a:lvl4pPr marL="1371600" indent="0">
+              <a:buNone/>
+              <a:defRPr sz="900"/>
+            </a:lvl4pPr>
+            <a:lvl5pPr marL="1828800" indent="0">
+              <a:buNone/>
+              <a:defRPr sz="900"/>
+            </a:lvl5pPr>
+            <a:lvl6pPr marL="2286000" indent="0">
+              <a:buNone/>
+              <a:defRPr sz="900"/>
+            </a:lvl6pPr>
+            <a:lvl7pPr marL="2743200" indent="0">
+              <a:buNone/>
+              <a:defRPr sz="900"/>
+            </a:lvl7pPr>
+            <a:lvl8pPr marL="3200400" indent="0">
+              <a:buNone/>
+              <a:defRPr sz="900"/>
+            </a:lvl8pPr>
+            <a:lvl9pPr marL="3657600" indent="0">
+              <a:buNone/>
+              <a:defRPr sz="900"/>
+            </a:lvl9pPr>
+          </a:lstStyle>
+          <a:p>
+            <a:pPr lvl="0"/>
+            <a:r>
+              <a:rPr lang="en-US"/>
+              <a:t>Click to edit Master text styles</a:t>
+            </a:r>
+          </a:p>
+        </p:txBody>
+      </p:sp>
+      <p:sp>
+        <p:nvSpPr>
+          <p:cNvPr id="25" name="Text Placeholder 4"/>
+          <p:cNvSpPr>
+            <a:spLocks noGrp="1"/>
+          </p:cNvSpPr>
+          <p:nvPr>
+            <p:ph type="body" sz="quarter" idx="13"/>
+          </p:nvPr>
+        </p:nvSpPr>
+        <p:spPr>
+          <a:xfrm>
+            <a:off x="7966697" y="3904106"/>
+            <a:ext cx="3300984" cy="576262"/>
+          </a:xfrm>
+        </p:spPr>
+        <p:txBody>
+          <a:bodyPr anchor="b">
+            <a:noAutofit/>
+          </a:bodyPr>
+          <a:lstStyle>
+            <a:lvl1pPr marL="0" indent="0" algn="ctr">
+              <a:buNone/>
+              <a:defRPr sz="2000" b="0">
+                <a:solidFill>
+                  <a:schemeClr val="tx1"/>
+                </a:solidFill>
+              </a:defRPr>
+            </a:lvl1pPr>
+            <a:lvl2pPr marL="457200" indent="0">
+              <a:buNone/>
+              <a:defRPr sz="2000" b="1"/>
+            </a:lvl2pPr>
+            <a:lvl3pPr marL="914400" indent="0">
+              <a:buNone/>
+              <a:defRPr sz="1800" b="1"/>
+            </a:lvl3pPr>
+            <a:lvl4pPr marL="1371600" indent="0">
+              <a:buNone/>
+              <a:defRPr sz="1600" b="1"/>
+            </a:lvl4pPr>
+            <a:lvl5pPr marL="1828800" indent="0">
+              <a:buNone/>
+              <a:defRPr sz="1600" b="1"/>
+            </a:lvl5pPr>
+            <a:lvl6pPr marL="2286000" indent="0">
+              <a:buNone/>
+              <a:defRPr sz="1600" b="1"/>
+            </a:lvl6pPr>
+            <a:lvl7pPr marL="2743200" indent="0">
+              <a:buNone/>
+              <a:defRPr sz="1600" b="1"/>
+            </a:lvl7pPr>
+            <a:lvl8pPr marL="3200400" indent="0">
+              <a:buNone/>
+              <a:defRPr sz="1600" b="1"/>
+            </a:lvl8pPr>
+            <a:lvl9pPr marL="3657600" indent="0">
+              <a:buNone/>
+              <a:defRPr sz="1600" b="1"/>
+            </a:lvl9pPr>
+          </a:lstStyle>
+          <a:p>
+            <a:pPr lvl="0"/>
+            <a:r>
+              <a:rPr lang="en-US"/>
+              <a:t>Click to edit Master text styles</a:t>
+            </a:r>
+          </a:p>
+        </p:txBody>
+      </p:sp>
+      <p:sp>
+        <p:nvSpPr>
+          <p:cNvPr id="26" name="Picture Placeholder 2"/>
+          <p:cNvSpPr>
+            <a:spLocks noGrp="1" noChangeAspect="1"/>
+          </p:cNvSpPr>
+          <p:nvPr>
+            <p:ph type="pic" idx="22"/>
+          </p:nvPr>
+        </p:nvSpPr>
+        <p:spPr>
+          <a:xfrm>
+            <a:off x="8075698" y="1934432"/>
+            <a:ext cx="3092368" cy="1607294"/>
+          </a:xfrm>
+          <a:prstGeom prst="roundRect">
+            <a:avLst>
+              <a:gd name="adj" fmla="val 1858"/>
+            </a:avLst>
+          </a:prstGeom>
+          <a:effectLst>
+            <a:outerShdw blurRad="38100" dist="25400" dir="4440000">
+              <a:srgbClr val="000000">
+                <a:alpha val="36000"/>
+              </a:srgbClr>
+            </a:outerShdw>
+          </a:effectLst>
+        </p:spPr>
+        <p:txBody>
+          <a:bodyPr anchor="t">
+            <a:normAutofit/>
+          </a:bodyPr>
+          <a:lstStyle>
+            <a:lvl1pPr marL="0" indent="0" algn="ctr">
+              <a:buNone/>
+              <a:defRPr sz="1600"/>
+            </a:lvl1pPr>
+            <a:lvl2pPr marL="457200" indent="0">
+              <a:buNone/>
+              <a:defRPr sz="1600"/>
+            </a:lvl2pPr>
+            <a:lvl3pPr marL="914400" indent="0">
+              <a:buNone/>
+              <a:defRPr sz="1600"/>
+            </a:lvl3pPr>
+            <a:lvl4pPr marL="1371600" indent="0">
+              <a:buNone/>
+              <a:defRPr sz="1600"/>
+            </a:lvl4pPr>
+            <a:lvl5pPr marL="1828800" indent="0">
+              <a:buNone/>
+              <a:defRPr sz="1600"/>
+            </a:lvl5pPr>
+            <a:lvl6pPr marL="2286000" indent="0">
+              <a:buNone/>
+              <a:defRPr sz="1600"/>
+            </a:lvl6pPr>
+            <a:lvl7pPr marL="2743200" indent="0">
+              <a:buNone/>
+              <a:defRPr sz="1600"/>
+            </a:lvl7pPr>
+            <a:lvl8pPr marL="3200400" indent="0">
+              <a:buNone/>
+              <a:defRPr sz="1600"/>
+            </a:lvl8pPr>
+            <a:lvl9pPr marL="3657600" indent="0">
+              <a:buNone/>
+              <a:defRPr sz="1600"/>
+            </a:lvl9pPr>
+          </a:lstStyle>
+          <a:p>
+            <a:r>
+              <a:rPr lang="en-US"/>
+              <a:t>Click icon to add picture</a:t>
+            </a:r>
+            <a:endParaRPr lang="en-US" dirty="0"/>
+          </a:p>
+        </p:txBody>
+      </p:sp>
+      <p:sp>
+        <p:nvSpPr>
+          <p:cNvPr id="27" name="Text Placeholder 3"/>
+          <p:cNvSpPr>
+            <a:spLocks noGrp="1"/>
+          </p:cNvSpPr>
+          <p:nvPr>
+            <p:ph type="body" sz="half" idx="20"/>
+          </p:nvPr>
+        </p:nvSpPr>
+        <p:spPr>
+          <a:xfrm>
+            <a:off x="7966572" y="4480365"/>
+            <a:ext cx="3300984" cy="1310835"/>
+          </a:xfrm>
+        </p:spPr>
+        <p:txBody>
+          <a:bodyPr anchor="t">
+            <a:normAutofit/>
+          </a:bodyPr>
+          <a:lstStyle>
+            <a:lvl1pPr marL="0" indent="0" algn="ctr">
+              <a:buNone/>
+              <a:defRPr sz="1400"/>
+            </a:lvl1pPr>
+            <a:lvl2pPr marL="457200" indent="0">
+              <a:buNone/>
+              <a:defRPr sz="1200"/>
+            </a:lvl2pPr>
+            <a:lvl3pPr marL="914400" indent="0">
+              <a:buNone/>
+              <a:defRPr sz="1000"/>
+            </a:lvl3pPr>
+            <a:lvl4pPr marL="1371600" indent="0">
+              <a:buNone/>
+              <a:defRPr sz="900"/>
+            </a:lvl4pPr>
+            <a:lvl5pPr marL="1828800" indent="0">
+              <a:buNone/>
+              <a:defRPr sz="900"/>
+            </a:lvl5pPr>
+            <a:lvl6pPr marL="2286000" indent="0">
+              <a:buNone/>
+              <a:defRPr sz="900"/>
+            </a:lvl6pPr>
+            <a:lvl7pPr marL="2743200" indent="0">
+              <a:buNone/>
+              <a:defRPr sz="900"/>
+            </a:lvl7pPr>
+            <a:lvl8pPr marL="3200400" indent="0">
+              <a:buNone/>
+              <a:defRPr sz="900"/>
+            </a:lvl8pPr>
+            <a:lvl9pPr marL="3657600" indent="0">
+              <a:buNone/>
+              <a:defRPr sz="900"/>
+            </a:lvl9pPr>
+          </a:lstStyle>
+          <a:p>
+            <a:pPr lvl="0"/>
+            <a:r>
+              <a:rPr lang="en-US"/>
+              <a:t>Click to edit Master text styles</a:t>
+            </a:r>
+          </a:p>
+        </p:txBody>
+      </p:sp>
+      <p:sp>
+        <p:nvSpPr>
+          <p:cNvPr id="3" name="Date Placeholder 2"/>
+          <p:cNvSpPr>
+            <a:spLocks noGrp="1"/>
+          </p:cNvSpPr>
+          <p:nvPr>
+            <p:ph type="dt" sz="half" idx="10"/>
+          </p:nvPr>
+        </p:nvSpPr>
+        <p:spPr/>
+        <p:txBody>
+          <a:bodyPr/>
+          <a:lstStyle/>
+          <a:p>
+            <a:fld id="{6C105108-C41D-4392-B4A8-317EE9FA4421}" type="datetimeFigureOut">
+              <a:rPr lang="en-US" smtClean="0"/>
+              <a:t>7/23/2019</a:t>
+            </a:fld>
+            <a:endParaRPr lang="en-US"/>
+          </a:p>
+        </p:txBody>
+      </p:sp>
+      <p:sp>
+        <p:nvSpPr>
+          <p:cNvPr id="4" name="Footer Placeholder 3"/>
+          <p:cNvSpPr>
+            <a:spLocks noGrp="1"/>
+          </p:cNvSpPr>
+          <p:nvPr>
+            <p:ph type="ftr" sz="quarter" idx="11"/>
+          </p:nvPr>
+        </p:nvSpPr>
+        <p:spPr/>
+        <p:txBody>
+          <a:bodyPr/>
+          <a:lstStyle/>
+          <a:p>
+            <a:endParaRPr lang="en-US"/>
+          </a:p>
+        </p:txBody>
+      </p:sp>
+      <p:sp>
+        <p:nvSpPr>
+          <p:cNvPr id="5" name="Slide Number Placeholder 4"/>
+          <p:cNvSpPr>
+            <a:spLocks noGrp="1"/>
+          </p:cNvSpPr>
+          <p:nvPr>
+            <p:ph type="sldNum" sz="quarter" idx="12"/>
+          </p:nvPr>
+        </p:nvSpPr>
+        <p:spPr/>
+        <p:txBody>
+          <a:bodyPr/>
+          <a:lstStyle/>
+          <a:p>
+            <a:fld id="{4E31FB50-49B3-42A4-A492-837D74E16F63}" type="slidenum">
+              <a:rPr lang="en-US" smtClean="0"/>
+              <a:t>‹#›</a:t>
+            </a:fld>
+            <a:endParaRPr lang="en-US"/>
+          </a:p>
+        </p:txBody>
+      </p:sp>
+    </p:spTree>
+    <p:extLst>
+      <p:ext uri="{BB962C8B-B14F-4D97-AF65-F5344CB8AC3E}">
+        <p14:creationId xmlns:p14="http://schemas.microsoft.com/office/powerpoint/2010/main" val="2004656397"/>
+      </p:ext>
+    </p:extLst>
+  </p:cSld>
+  <p:clrMapOvr>
+    <a:masterClrMapping/>
+  </p:clrMapOvr>
+</p:sldLayout>
+</file>
+
+<file path=ppt/slideLayouts/slideLayout16.xml><?xml version="1.0" encoding="utf-8"?>
 <p:sldLayout xmlns:a="http://schemas.openxmlformats.org/drawingml/2006/main" xmlns:r="http://schemas.openxmlformats.org/officeDocument/2006/relationships" xmlns:p="http://schemas.openxmlformats.org/presentationml/2006/main" type="vertTx" preserve="1">
   <p:cSld name="Title and Vertical Text">
     <p:spTree>
@@ -356,13 +2966,7 @@
       </p:grpSpPr>
       <p:sp>
         <p:nvSpPr>
-          <p:cNvPr id="2" name="Title 1">
-            <a:extLst>
-              <a:ext uri="{FF2B5EF4-FFF2-40B4-BE49-F238E27FC236}">
-                <a16:creationId xmlns:a16="http://schemas.microsoft.com/office/drawing/2014/main" id="{EFC1F5BC-C421-4B76-9D84-51235AF1618F}"/>
-              </a:ext>
-            </a:extLst>
-          </p:cNvPr>
+          <p:cNvPr id="2" name="Title 1"/>
           <p:cNvSpPr>
             <a:spLocks noGrp="1"/>
           </p:cNvSpPr>
@@ -379,18 +2983,13 @@
               <a:rPr lang="en-US"/>
               <a:t>Click to edit Master title style</a:t>
             </a:r>
-          </a:p>
-        </p:txBody>
-      </p:sp>
-      <p:sp>
-        <p:nvSpPr>
-          <p:cNvPr id="3" name="Vertical Text Placeholder 2">
-            <a:extLst>
-              <a:ext uri="{FF2B5EF4-FFF2-40B4-BE49-F238E27FC236}">
-                <a16:creationId xmlns:a16="http://schemas.microsoft.com/office/drawing/2014/main" id="{68FF0AA3-0545-4840-8B3D-E77F2858AD06}"/>
-              </a:ext>
-            </a:extLst>
-          </p:cNvPr>
+            <a:endParaRPr lang="en-US" dirty="0"/>
+          </a:p>
+        </p:txBody>
+      </p:sp>
+      <p:sp>
+        <p:nvSpPr>
+          <p:cNvPr id="3" name="Vertical Text Placeholder 2"/>
           <p:cNvSpPr>
             <a:spLocks noGrp="1"/>
           </p:cNvSpPr>
@@ -400,7 +2999,7 @@
         </p:nvSpPr>
         <p:spPr/>
         <p:txBody>
-          <a:bodyPr vert="eaVert"/>
+          <a:bodyPr vert="eaVert" anchor="t"/>
           <a:lstStyle/>
           <a:p>
             <a:pPr lvl="0"/>
@@ -436,18 +3035,13 @@
               <a:rPr lang="en-US"/>
               <a:t>Fifth level</a:t>
             </a:r>
-          </a:p>
-        </p:txBody>
-      </p:sp>
-      <p:sp>
-        <p:nvSpPr>
-          <p:cNvPr id="4" name="Date Placeholder 3">
-            <a:extLst>
-              <a:ext uri="{FF2B5EF4-FFF2-40B4-BE49-F238E27FC236}">
-                <a16:creationId xmlns:a16="http://schemas.microsoft.com/office/drawing/2014/main" id="{8CC1D456-4C2F-4C2C-9455-6CBD5FAAC4D0}"/>
-              </a:ext>
-            </a:extLst>
-          </p:cNvPr>
+            <a:endParaRPr lang="en-US" dirty="0"/>
+          </a:p>
+        </p:txBody>
+      </p:sp>
+      <p:sp>
+        <p:nvSpPr>
+          <p:cNvPr id="4" name="Date Placeholder 3"/>
           <p:cNvSpPr>
             <a:spLocks noGrp="1"/>
           </p:cNvSpPr>
@@ -462,7 +3056,7 @@
           <a:p>
             <a:fld id="{6C105108-C41D-4392-B4A8-317EE9FA4421}" type="datetimeFigureOut">
               <a:rPr lang="en-US" smtClean="0"/>
-              <a:t>7/21/2019</a:t>
+              <a:t>7/23/2019</a:t>
             </a:fld>
             <a:endParaRPr lang="en-US"/>
           </a:p>
@@ -470,13 +3064,7 @@
       </p:sp>
       <p:sp>
         <p:nvSpPr>
-          <p:cNvPr id="5" name="Footer Placeholder 4">
-            <a:extLst>
-              <a:ext uri="{FF2B5EF4-FFF2-40B4-BE49-F238E27FC236}">
-                <a16:creationId xmlns:a16="http://schemas.microsoft.com/office/drawing/2014/main" id="{3FA19977-0D6E-4D07-822F-72ABA8B75354}"/>
-              </a:ext>
-            </a:extLst>
-          </p:cNvPr>
+          <p:cNvPr id="5" name="Footer Placeholder 4"/>
           <p:cNvSpPr>
             <a:spLocks noGrp="1"/>
           </p:cNvSpPr>
@@ -495,13 +3083,7 @@
       </p:sp>
       <p:sp>
         <p:nvSpPr>
-          <p:cNvPr id="6" name="Slide Number Placeholder 5">
-            <a:extLst>
-              <a:ext uri="{FF2B5EF4-FFF2-40B4-BE49-F238E27FC236}">
-                <a16:creationId xmlns:a16="http://schemas.microsoft.com/office/drawing/2014/main" id="{7A805D44-D687-45B0-9E98-4DA2AE0E96E6}"/>
-              </a:ext>
-            </a:extLst>
-          </p:cNvPr>
+          <p:cNvPr id="6" name="Slide Number Placeholder 5"/>
           <p:cNvSpPr>
             <a:spLocks noGrp="1"/>
           </p:cNvSpPr>
@@ -525,7 +3107,7 @@
     </p:spTree>
     <p:extLst>
       <p:ext uri="{BB962C8B-B14F-4D97-AF65-F5344CB8AC3E}">
-        <p14:creationId xmlns:p14="http://schemas.microsoft.com/office/powerpoint/2010/main" val="2380667387"/>
+        <p14:creationId xmlns:p14="http://schemas.microsoft.com/office/powerpoint/2010/main" val="1977839271"/>
       </p:ext>
     </p:extLst>
   </p:cSld>
@@ -535,7 +3117,7 @@
 </p:sldLayout>
 </file>
 
-<file path=ppt/slideLayouts/slideLayout11.xml><?xml version="1.0" encoding="utf-8"?>
+<file path=ppt/slideLayouts/slideLayout17.xml><?xml version="1.0" encoding="utf-8"?>
 <p:sldLayout xmlns:a="http://schemas.openxmlformats.org/drawingml/2006/main" xmlns:r="http://schemas.openxmlformats.org/officeDocument/2006/relationships" xmlns:p="http://schemas.openxmlformats.org/presentationml/2006/main" type="vertTitleAndTx" preserve="1">
   <p:cSld name="Vertical Title and Text">
     <p:spTree>
@@ -554,13 +3136,7 @@
       </p:grpSpPr>
       <p:sp>
         <p:nvSpPr>
-          <p:cNvPr id="2" name="Vertical Title 1">
-            <a:extLst>
-              <a:ext uri="{FF2B5EF4-FFF2-40B4-BE49-F238E27FC236}">
-                <a16:creationId xmlns:a16="http://schemas.microsoft.com/office/drawing/2014/main" id="{1387D9CF-BD68-40E3-A392-72430A235EAD}"/>
-              </a:ext>
-            </a:extLst>
-          </p:cNvPr>
+          <p:cNvPr id="2" name="Vertical Title 1"/>
           <p:cNvSpPr>
             <a:spLocks noGrp="1"/>
           </p:cNvSpPr>
@@ -570,30 +3146,29 @@
         </p:nvSpPr>
         <p:spPr>
           <a:xfrm>
-            <a:off x="8724900" y="365125"/>
-            <a:ext cx="2628900" cy="5811838"/>
+            <a:off x="8983068" y="609599"/>
+            <a:ext cx="2284487" cy="5181601"/>
           </a:xfrm>
         </p:spPr>
         <p:txBody>
           <a:bodyPr vert="eaVert"/>
-          <a:lstStyle/>
+          <a:lstStyle>
+            <a:lvl1pPr algn="l">
+              <a:defRPr/>
+            </a:lvl1pPr>
+          </a:lstStyle>
           <a:p>
             <a:r>
               <a:rPr lang="en-US"/>
               <a:t>Click to edit Master title style</a:t>
             </a:r>
-          </a:p>
-        </p:txBody>
-      </p:sp>
-      <p:sp>
-        <p:nvSpPr>
-          <p:cNvPr id="3" name="Vertical Text Placeholder 2">
-            <a:extLst>
-              <a:ext uri="{FF2B5EF4-FFF2-40B4-BE49-F238E27FC236}">
-                <a16:creationId xmlns:a16="http://schemas.microsoft.com/office/drawing/2014/main" id="{D92300FE-3B2E-4817-AC29-ABB1074C1344}"/>
-              </a:ext>
-            </a:extLst>
-          </p:cNvPr>
+            <a:endParaRPr lang="en-US" dirty="0"/>
+          </a:p>
+        </p:txBody>
+      </p:sp>
+      <p:sp>
+        <p:nvSpPr>
+          <p:cNvPr id="3" name="Vertical Text Placeholder 2"/>
           <p:cNvSpPr>
             <a:spLocks noGrp="1"/>
           </p:cNvSpPr>
@@ -603,12 +3178,12 @@
         </p:nvSpPr>
         <p:spPr>
           <a:xfrm>
-            <a:off x="838200" y="365125"/>
-            <a:ext cx="7734300" cy="5811838"/>
+            <a:off x="913796" y="609599"/>
+            <a:ext cx="7916872" cy="5181601"/>
           </a:xfrm>
         </p:spPr>
         <p:txBody>
-          <a:bodyPr vert="eaVert"/>
+          <a:bodyPr vert="eaVert" anchor="t"/>
           <a:lstStyle/>
           <a:p>
             <a:pPr lvl="0"/>
@@ -644,18 +3219,13 @@
               <a:rPr lang="en-US"/>
               <a:t>Fifth level</a:t>
             </a:r>
-          </a:p>
-        </p:txBody>
-      </p:sp>
-      <p:sp>
-        <p:nvSpPr>
-          <p:cNvPr id="4" name="Date Placeholder 3">
-            <a:extLst>
-              <a:ext uri="{FF2B5EF4-FFF2-40B4-BE49-F238E27FC236}">
-                <a16:creationId xmlns:a16="http://schemas.microsoft.com/office/drawing/2014/main" id="{2ADB841C-9333-4CE1-BA23-A84DEC4B9AEB}"/>
-              </a:ext>
-            </a:extLst>
-          </p:cNvPr>
+            <a:endParaRPr lang="en-US" dirty="0"/>
+          </a:p>
+        </p:txBody>
+      </p:sp>
+      <p:sp>
+        <p:nvSpPr>
+          <p:cNvPr id="4" name="Date Placeholder 3"/>
           <p:cNvSpPr>
             <a:spLocks noGrp="1"/>
           </p:cNvSpPr>
@@ -670,7 +3240,7 @@
           <a:p>
             <a:fld id="{6C105108-C41D-4392-B4A8-317EE9FA4421}" type="datetimeFigureOut">
               <a:rPr lang="en-US" smtClean="0"/>
-              <a:t>7/21/2019</a:t>
+              <a:t>7/23/2019</a:t>
             </a:fld>
             <a:endParaRPr lang="en-US"/>
           </a:p>
@@ -678,13 +3248,7 @@
       </p:sp>
       <p:sp>
         <p:nvSpPr>
-          <p:cNvPr id="5" name="Footer Placeholder 4">
-            <a:extLst>
-              <a:ext uri="{FF2B5EF4-FFF2-40B4-BE49-F238E27FC236}">
-                <a16:creationId xmlns:a16="http://schemas.microsoft.com/office/drawing/2014/main" id="{F939B470-63F7-4AC4-A9A7-DFA97FBF4FDE}"/>
-              </a:ext>
-            </a:extLst>
-          </p:cNvPr>
+          <p:cNvPr id="5" name="Footer Placeholder 4"/>
           <p:cNvSpPr>
             <a:spLocks noGrp="1"/>
           </p:cNvSpPr>
@@ -703,13 +3267,7 @@
       </p:sp>
       <p:sp>
         <p:nvSpPr>
-          <p:cNvPr id="6" name="Slide Number Placeholder 5">
-            <a:extLst>
-              <a:ext uri="{FF2B5EF4-FFF2-40B4-BE49-F238E27FC236}">
-                <a16:creationId xmlns:a16="http://schemas.microsoft.com/office/drawing/2014/main" id="{8F4AC97C-4C30-4D62-99B1-EE84561ADA53}"/>
-              </a:ext>
-            </a:extLst>
-          </p:cNvPr>
+          <p:cNvPr id="6" name="Slide Number Placeholder 5"/>
           <p:cNvSpPr>
             <a:spLocks noGrp="1"/>
           </p:cNvSpPr>
@@ -733,13 +3291,18 @@
     </p:spTree>
     <p:extLst>
       <p:ext uri="{BB962C8B-B14F-4D97-AF65-F5344CB8AC3E}">
-        <p14:creationId xmlns:p14="http://schemas.microsoft.com/office/powerpoint/2010/main" val="3969097965"/>
+        <p14:creationId xmlns:p14="http://schemas.microsoft.com/office/powerpoint/2010/main" val="1625053643"/>
       </p:ext>
     </p:extLst>
   </p:cSld>
   <p:clrMapOvr>
     <a:masterClrMapping/>
   </p:clrMapOvr>
+  <p:extLst>
+    <p:ext uri="{DCECCB84-F9BA-43D5-87BE-67443E8EF086}">
+      <p15:sldGuideLst xmlns:p15="http://schemas.microsoft.com/office/powerpoint/2012/main"/>
+    </p:ext>
+  </p:extLst>
 </p:sldLayout>
 </file>
 
@@ -762,13 +3325,7 @@
       </p:grpSpPr>
       <p:sp>
         <p:nvSpPr>
-          <p:cNvPr id="2" name="Title 1">
-            <a:extLst>
-              <a:ext uri="{FF2B5EF4-FFF2-40B4-BE49-F238E27FC236}">
-                <a16:creationId xmlns:a16="http://schemas.microsoft.com/office/drawing/2014/main" id="{75772DA5-2263-49B5-A7A1-031131709D89}"/>
-              </a:ext>
-            </a:extLst>
-          </p:cNvPr>
+          <p:cNvPr id="2" name="Title 1"/>
           <p:cNvSpPr>
             <a:spLocks noGrp="1"/>
           </p:cNvSpPr>
@@ -785,18 +3342,13 @@
               <a:rPr lang="en-US"/>
               <a:t>Click to edit Master title style</a:t>
             </a:r>
-          </a:p>
-        </p:txBody>
-      </p:sp>
-      <p:sp>
-        <p:nvSpPr>
-          <p:cNvPr id="3" name="Content Placeholder 2">
-            <a:extLst>
-              <a:ext uri="{FF2B5EF4-FFF2-40B4-BE49-F238E27FC236}">
-                <a16:creationId xmlns:a16="http://schemas.microsoft.com/office/drawing/2014/main" id="{AB368232-8FA1-44B6-8EAA-121D30FAEF58}"/>
-              </a:ext>
-            </a:extLst>
-          </p:cNvPr>
+            <a:endParaRPr lang="en-US" dirty="0"/>
+          </a:p>
+        </p:txBody>
+      </p:sp>
+      <p:sp>
+        <p:nvSpPr>
+          <p:cNvPr id="3" name="Content Placeholder 2"/>
           <p:cNvSpPr>
             <a:spLocks noGrp="1"/>
           </p:cNvSpPr>
@@ -842,18 +3394,13 @@
               <a:rPr lang="en-US"/>
               <a:t>Fifth level</a:t>
             </a:r>
-          </a:p>
-        </p:txBody>
-      </p:sp>
-      <p:sp>
-        <p:nvSpPr>
-          <p:cNvPr id="4" name="Date Placeholder 3">
-            <a:extLst>
-              <a:ext uri="{FF2B5EF4-FFF2-40B4-BE49-F238E27FC236}">
-                <a16:creationId xmlns:a16="http://schemas.microsoft.com/office/drawing/2014/main" id="{9732D6BE-7E12-49B9-8954-2D816EEC4B3E}"/>
-              </a:ext>
-            </a:extLst>
-          </p:cNvPr>
+            <a:endParaRPr lang="en-US" dirty="0"/>
+          </a:p>
+        </p:txBody>
+      </p:sp>
+      <p:sp>
+        <p:nvSpPr>
+          <p:cNvPr id="4" name="Date Placeholder 3"/>
           <p:cNvSpPr>
             <a:spLocks noGrp="1"/>
           </p:cNvSpPr>
@@ -868,7 +3415,7 @@
           <a:p>
             <a:fld id="{6C105108-C41D-4392-B4A8-317EE9FA4421}" type="datetimeFigureOut">
               <a:rPr lang="en-US" smtClean="0"/>
-              <a:t>7/21/2019</a:t>
+              <a:t>7/23/2019</a:t>
             </a:fld>
             <a:endParaRPr lang="en-US"/>
           </a:p>
@@ -876,13 +3423,7 @@
       </p:sp>
       <p:sp>
         <p:nvSpPr>
-          <p:cNvPr id="5" name="Footer Placeholder 4">
-            <a:extLst>
-              <a:ext uri="{FF2B5EF4-FFF2-40B4-BE49-F238E27FC236}">
-                <a16:creationId xmlns:a16="http://schemas.microsoft.com/office/drawing/2014/main" id="{7E82AB1F-AE8E-4DC6-B9DE-78E390A12632}"/>
-              </a:ext>
-            </a:extLst>
-          </p:cNvPr>
+          <p:cNvPr id="5" name="Footer Placeholder 4"/>
           <p:cNvSpPr>
             <a:spLocks noGrp="1"/>
           </p:cNvSpPr>
@@ -901,13 +3442,7 @@
       </p:sp>
       <p:sp>
         <p:nvSpPr>
-          <p:cNvPr id="6" name="Slide Number Placeholder 5">
-            <a:extLst>
-              <a:ext uri="{FF2B5EF4-FFF2-40B4-BE49-F238E27FC236}">
-                <a16:creationId xmlns:a16="http://schemas.microsoft.com/office/drawing/2014/main" id="{C8027E11-E25B-4EE3-A3F2-D5C534123E5C}"/>
-              </a:ext>
-            </a:extLst>
-          </p:cNvPr>
+          <p:cNvPr id="6" name="Slide Number Placeholder 5"/>
           <p:cNvSpPr>
             <a:spLocks noGrp="1"/>
           </p:cNvSpPr>
@@ -931,7 +3466,7 @@
     </p:spTree>
     <p:extLst>
       <p:ext uri="{BB962C8B-B14F-4D97-AF65-F5344CB8AC3E}">
-        <p14:creationId xmlns:p14="http://schemas.microsoft.com/office/powerpoint/2010/main" val="2298332114"/>
+        <p14:creationId xmlns:p14="http://schemas.microsoft.com/office/powerpoint/2010/main" val="3681707249"/>
       </p:ext>
     </p:extLst>
   </p:cSld>
@@ -960,13 +3495,7 @@
       </p:grpSpPr>
       <p:sp>
         <p:nvSpPr>
-          <p:cNvPr id="2" name="Title 1">
-            <a:extLst>
-              <a:ext uri="{FF2B5EF4-FFF2-40B4-BE49-F238E27FC236}">
-                <a16:creationId xmlns:a16="http://schemas.microsoft.com/office/drawing/2014/main" id="{A7299B1B-9DB2-4B32-9165-47BB8DEC7E99}"/>
-              </a:ext>
-            </a:extLst>
-          </p:cNvPr>
+          <p:cNvPr id="2" name="Title 1"/>
           <p:cNvSpPr>
             <a:spLocks noGrp="1"/>
           </p:cNvSpPr>
@@ -976,15 +3505,15 @@
         </p:nvSpPr>
         <p:spPr>
           <a:xfrm>
-            <a:off x="831850" y="1709738"/>
-            <a:ext cx="10515600" cy="2852737"/>
+            <a:off x="1295401" y="1761067"/>
+            <a:ext cx="9590550" cy="1828813"/>
           </a:xfrm>
         </p:spPr>
         <p:txBody>
           <a:bodyPr anchor="b"/>
           <a:lstStyle>
-            <a:lvl1pPr>
-              <a:defRPr sz="6000"/>
+            <a:lvl1pPr algn="ctr">
+              <a:defRPr sz="4000" b="0" cap="none"/>
             </a:lvl1pPr>
           </a:lstStyle>
           <a:p>
@@ -992,18 +3521,13 @@
               <a:rPr lang="en-US"/>
               <a:t>Click to edit Master title style</a:t>
             </a:r>
-          </a:p>
-        </p:txBody>
-      </p:sp>
-      <p:sp>
-        <p:nvSpPr>
-          <p:cNvPr id="3" name="Text Placeholder 2">
-            <a:extLst>
-              <a:ext uri="{FF2B5EF4-FFF2-40B4-BE49-F238E27FC236}">
-                <a16:creationId xmlns:a16="http://schemas.microsoft.com/office/drawing/2014/main" id="{17C5EA37-28D8-41A0-897C-07A12206753F}"/>
-              </a:ext>
-            </a:extLst>
-          </p:cNvPr>
+            <a:endParaRPr lang="en-US" dirty="0"/>
+          </a:p>
+        </p:txBody>
+      </p:sp>
+      <p:sp>
+        <p:nvSpPr>
+          <p:cNvPr id="3" name="Text Placeholder 2"/>
           <p:cNvSpPr>
             <a:spLocks noGrp="1"/>
           </p:cNvSpPr>
@@ -1013,26 +3537,24 @@
         </p:nvSpPr>
         <p:spPr>
           <a:xfrm>
-            <a:off x="831850" y="4589463"/>
-            <a:ext cx="10515600" cy="1500187"/>
+            <a:off x="1295401" y="3589879"/>
+            <a:ext cx="9590550" cy="1507054"/>
           </a:xfrm>
         </p:spPr>
         <p:txBody>
-          <a:bodyPr/>
+          <a:bodyPr anchor="t"/>
           <a:lstStyle>
-            <a:lvl1pPr marL="0" indent="0">
-              <a:buNone/>
-              <a:defRPr sz="2400">
+            <a:lvl1pPr marL="0" indent="0" algn="ctr">
+              <a:buNone/>
+              <a:defRPr sz="2000">
                 <a:solidFill>
-                  <a:schemeClr val="tx1">
-                    <a:tint val="75000"/>
-                  </a:schemeClr>
+                  <a:schemeClr val="tx1"/>
                 </a:solidFill>
               </a:defRPr>
             </a:lvl1pPr>
             <a:lvl2pPr marL="457200" indent="0">
               <a:buNone/>
-              <a:defRPr sz="2000">
+              <a:defRPr sz="1800">
                 <a:solidFill>
                   <a:schemeClr val="tx1">
                     <a:tint val="75000"/>
@@ -1042,7 +3564,7 @@
             </a:lvl2pPr>
             <a:lvl3pPr marL="914400" indent="0">
               <a:buNone/>
-              <a:defRPr sz="1800">
+              <a:defRPr sz="1600">
                 <a:solidFill>
                   <a:schemeClr val="tx1">
                     <a:tint val="75000"/>
@@ -1052,7 +3574,7 @@
             </a:lvl3pPr>
             <a:lvl4pPr marL="1371600" indent="0">
               <a:buNone/>
-              <a:defRPr sz="1600">
+              <a:defRPr sz="1400">
                 <a:solidFill>
                   <a:schemeClr val="tx1">
                     <a:tint val="75000"/>
@@ -1062,7 +3584,7 @@
             </a:lvl4pPr>
             <a:lvl5pPr marL="1828800" indent="0">
               <a:buNone/>
-              <a:defRPr sz="1600">
+              <a:defRPr sz="1400">
                 <a:solidFill>
                   <a:schemeClr val="tx1">
                     <a:tint val="75000"/>
@@ -1072,7 +3594,7 @@
             </a:lvl5pPr>
             <a:lvl6pPr marL="2286000" indent="0">
               <a:buNone/>
-              <a:defRPr sz="1600">
+              <a:defRPr sz="1400">
                 <a:solidFill>
                   <a:schemeClr val="tx1">
                     <a:tint val="75000"/>
@@ -1082,7 +3604,7 @@
             </a:lvl6pPr>
             <a:lvl7pPr marL="2743200" indent="0">
               <a:buNone/>
-              <a:defRPr sz="1600">
+              <a:defRPr sz="1400">
                 <a:solidFill>
                   <a:schemeClr val="tx1">
                     <a:tint val="75000"/>
@@ -1092,7 +3614,7 @@
             </a:lvl7pPr>
             <a:lvl8pPr marL="3200400" indent="0">
               <a:buNone/>
-              <a:defRPr sz="1600">
+              <a:defRPr sz="1400">
                 <a:solidFill>
                   <a:schemeClr val="tx1">
                     <a:tint val="75000"/>
@@ -1102,7 +3624,7 @@
             </a:lvl8pPr>
             <a:lvl9pPr marL="3657600" indent="0">
               <a:buNone/>
-              <a:defRPr sz="1600">
+              <a:defRPr sz="1400">
                 <a:solidFill>
                   <a:schemeClr val="tx1">
                     <a:tint val="75000"/>
@@ -1122,13 +3644,7 @@
       </p:sp>
       <p:sp>
         <p:nvSpPr>
-          <p:cNvPr id="4" name="Date Placeholder 3">
-            <a:extLst>
-              <a:ext uri="{FF2B5EF4-FFF2-40B4-BE49-F238E27FC236}">
-                <a16:creationId xmlns:a16="http://schemas.microsoft.com/office/drawing/2014/main" id="{5B5C7428-25B6-4B97-950A-F0E63AF61698}"/>
-              </a:ext>
-            </a:extLst>
-          </p:cNvPr>
+          <p:cNvPr id="4" name="Date Placeholder 3"/>
           <p:cNvSpPr>
             <a:spLocks noGrp="1"/>
           </p:cNvSpPr>
@@ -1143,7 +3659,7 @@
           <a:p>
             <a:fld id="{6C105108-C41D-4392-B4A8-317EE9FA4421}" type="datetimeFigureOut">
               <a:rPr lang="en-US" smtClean="0"/>
-              <a:t>7/21/2019</a:t>
+              <a:t>7/23/2019</a:t>
             </a:fld>
             <a:endParaRPr lang="en-US"/>
           </a:p>
@@ -1151,13 +3667,7 @@
       </p:sp>
       <p:sp>
         <p:nvSpPr>
-          <p:cNvPr id="5" name="Footer Placeholder 4">
-            <a:extLst>
-              <a:ext uri="{FF2B5EF4-FFF2-40B4-BE49-F238E27FC236}">
-                <a16:creationId xmlns:a16="http://schemas.microsoft.com/office/drawing/2014/main" id="{F702C1DF-8B27-472F-B9CF-C5843D54A884}"/>
-              </a:ext>
-            </a:extLst>
-          </p:cNvPr>
+          <p:cNvPr id="5" name="Footer Placeholder 4"/>
           <p:cNvSpPr>
             <a:spLocks noGrp="1"/>
           </p:cNvSpPr>
@@ -1176,13 +3686,7 @@
       </p:sp>
       <p:sp>
         <p:nvSpPr>
-          <p:cNvPr id="6" name="Slide Number Placeholder 5">
-            <a:extLst>
-              <a:ext uri="{FF2B5EF4-FFF2-40B4-BE49-F238E27FC236}">
-                <a16:creationId xmlns:a16="http://schemas.microsoft.com/office/drawing/2014/main" id="{D2B501DD-6944-4979-AD5C-635392F5D65D}"/>
-              </a:ext>
-            </a:extLst>
-          </p:cNvPr>
+          <p:cNvPr id="6" name="Slide Number Placeholder 5"/>
           <p:cNvSpPr>
             <a:spLocks noGrp="1"/>
           </p:cNvSpPr>
@@ -1206,13 +3710,18 @@
     </p:spTree>
     <p:extLst>
       <p:ext uri="{BB962C8B-B14F-4D97-AF65-F5344CB8AC3E}">
-        <p14:creationId xmlns:p14="http://schemas.microsoft.com/office/powerpoint/2010/main" val="1250630065"/>
+        <p14:creationId xmlns:p14="http://schemas.microsoft.com/office/powerpoint/2010/main" val="3933993476"/>
       </p:ext>
     </p:extLst>
   </p:cSld>
   <p:clrMapOvr>
     <a:masterClrMapping/>
   </p:clrMapOvr>
+  <p:extLst>
+    <p:ext uri="{DCECCB84-F9BA-43D5-87BE-67443E8EF086}">
+      <p15:sldGuideLst xmlns:p15="http://schemas.microsoft.com/office/powerpoint/2012/main"/>
+    </p:ext>
+  </p:extLst>
 </p:sldLayout>
 </file>
 
@@ -1235,13 +3744,7 @@
       </p:grpSpPr>
       <p:sp>
         <p:nvSpPr>
-          <p:cNvPr id="2" name="Title 1">
-            <a:extLst>
-              <a:ext uri="{FF2B5EF4-FFF2-40B4-BE49-F238E27FC236}">
-                <a16:creationId xmlns:a16="http://schemas.microsoft.com/office/drawing/2014/main" id="{0AE17747-E5E2-4E2F-96F2-1FBD078B1B2B}"/>
-              </a:ext>
-            </a:extLst>
-          </p:cNvPr>
+          <p:cNvPr id="2" name="Title 1"/>
           <p:cNvSpPr>
             <a:spLocks noGrp="1"/>
           </p:cNvSpPr>
@@ -1258,18 +3761,13 @@
               <a:rPr lang="en-US"/>
               <a:t>Click to edit Master title style</a:t>
             </a:r>
-          </a:p>
-        </p:txBody>
-      </p:sp>
-      <p:sp>
-        <p:nvSpPr>
-          <p:cNvPr id="3" name="Content Placeholder 2">
-            <a:extLst>
-              <a:ext uri="{FF2B5EF4-FFF2-40B4-BE49-F238E27FC236}">
-                <a16:creationId xmlns:a16="http://schemas.microsoft.com/office/drawing/2014/main" id="{99982A12-05D1-43D3-ADEC-B3AD077B5B24}"/>
-              </a:ext>
-            </a:extLst>
-          </p:cNvPr>
+            <a:endParaRPr lang="en-US" dirty="0"/>
+          </a:p>
+        </p:txBody>
+      </p:sp>
+      <p:sp>
+        <p:nvSpPr>
+          <p:cNvPr id="3" name="Content Placeholder 2"/>
           <p:cNvSpPr>
             <a:spLocks noGrp="1"/>
           </p:cNvSpPr>
@@ -1279,12 +3777,14 @@
         </p:nvSpPr>
         <p:spPr>
           <a:xfrm>
-            <a:off x="838200" y="1825625"/>
-            <a:ext cx="5181600" cy="4351338"/>
+            <a:off x="913795" y="1732449"/>
+            <a:ext cx="5060497" cy="4058750"/>
           </a:xfrm>
         </p:spPr>
         <p:txBody>
-          <a:bodyPr/>
+          <a:bodyPr anchor="t">
+            <a:normAutofit/>
+          </a:bodyPr>
           <a:lstStyle/>
           <a:p>
             <a:pPr lvl="0"/>
@@ -1320,18 +3820,13 @@
               <a:rPr lang="en-US"/>
               <a:t>Fifth level</a:t>
             </a:r>
-          </a:p>
-        </p:txBody>
-      </p:sp>
-      <p:sp>
-        <p:nvSpPr>
-          <p:cNvPr id="4" name="Content Placeholder 3">
-            <a:extLst>
-              <a:ext uri="{FF2B5EF4-FFF2-40B4-BE49-F238E27FC236}">
-                <a16:creationId xmlns:a16="http://schemas.microsoft.com/office/drawing/2014/main" id="{71D803F3-AC21-4C89-A59E-21F2780F44EA}"/>
-              </a:ext>
-            </a:extLst>
-          </p:cNvPr>
+            <a:endParaRPr lang="en-US" dirty="0"/>
+          </a:p>
+        </p:txBody>
+      </p:sp>
+      <p:sp>
+        <p:nvSpPr>
+          <p:cNvPr id="4" name="Content Placeholder 3"/>
           <p:cNvSpPr>
             <a:spLocks noGrp="1"/>
           </p:cNvSpPr>
@@ -1341,12 +3836,14 @@
         </p:nvSpPr>
         <p:spPr>
           <a:xfrm>
-            <a:off x="6172200" y="1825625"/>
-            <a:ext cx="5181600" cy="4351338"/>
+            <a:off x="6202892" y="1732449"/>
+            <a:ext cx="5064665" cy="4058751"/>
           </a:xfrm>
         </p:spPr>
         <p:txBody>
-          <a:bodyPr/>
+          <a:bodyPr anchor="t">
+            <a:normAutofit/>
+          </a:bodyPr>
           <a:lstStyle/>
           <a:p>
             <a:pPr lvl="0"/>
@@ -1382,18 +3879,13 @@
               <a:rPr lang="en-US"/>
               <a:t>Fifth level</a:t>
             </a:r>
-          </a:p>
-        </p:txBody>
-      </p:sp>
-      <p:sp>
-        <p:nvSpPr>
-          <p:cNvPr id="5" name="Date Placeholder 4">
-            <a:extLst>
-              <a:ext uri="{FF2B5EF4-FFF2-40B4-BE49-F238E27FC236}">
-                <a16:creationId xmlns:a16="http://schemas.microsoft.com/office/drawing/2014/main" id="{AA0847EF-8A6B-47D8-8450-BE1273A03E92}"/>
-              </a:ext>
-            </a:extLst>
-          </p:cNvPr>
+            <a:endParaRPr lang="en-US" dirty="0"/>
+          </a:p>
+        </p:txBody>
+      </p:sp>
+      <p:sp>
+        <p:nvSpPr>
+          <p:cNvPr id="5" name="Date Placeholder 4"/>
           <p:cNvSpPr>
             <a:spLocks noGrp="1"/>
           </p:cNvSpPr>
@@ -1408,7 +3900,7 @@
           <a:p>
             <a:fld id="{6C105108-C41D-4392-B4A8-317EE9FA4421}" type="datetimeFigureOut">
               <a:rPr lang="en-US" smtClean="0"/>
-              <a:t>7/21/2019</a:t>
+              <a:t>7/23/2019</a:t>
             </a:fld>
             <a:endParaRPr lang="en-US"/>
           </a:p>
@@ -1416,13 +3908,7 @@
       </p:sp>
       <p:sp>
         <p:nvSpPr>
-          <p:cNvPr id="6" name="Footer Placeholder 5">
-            <a:extLst>
-              <a:ext uri="{FF2B5EF4-FFF2-40B4-BE49-F238E27FC236}">
-                <a16:creationId xmlns:a16="http://schemas.microsoft.com/office/drawing/2014/main" id="{14DCEA19-BA97-4462-A013-B83E6C3125C0}"/>
-              </a:ext>
-            </a:extLst>
-          </p:cNvPr>
+          <p:cNvPr id="6" name="Footer Placeholder 5"/>
           <p:cNvSpPr>
             <a:spLocks noGrp="1"/>
           </p:cNvSpPr>
@@ -1441,13 +3927,7 @@
       </p:sp>
       <p:sp>
         <p:nvSpPr>
-          <p:cNvPr id="7" name="Slide Number Placeholder 6">
-            <a:extLst>
-              <a:ext uri="{FF2B5EF4-FFF2-40B4-BE49-F238E27FC236}">
-                <a16:creationId xmlns:a16="http://schemas.microsoft.com/office/drawing/2014/main" id="{6CFEF56E-7A7B-499F-AE3C-17F527986E34}"/>
-              </a:ext>
-            </a:extLst>
-          </p:cNvPr>
+          <p:cNvPr id="7" name="Slide Number Placeholder 6"/>
           <p:cNvSpPr>
             <a:spLocks noGrp="1"/>
           </p:cNvSpPr>
@@ -1471,7 +3951,7 @@
     </p:spTree>
     <p:extLst>
       <p:ext uri="{BB962C8B-B14F-4D97-AF65-F5344CB8AC3E}">
-        <p14:creationId xmlns:p14="http://schemas.microsoft.com/office/powerpoint/2010/main" val="2599598852"/>
+        <p14:creationId xmlns:p14="http://schemas.microsoft.com/office/powerpoint/2010/main" val="98226532"/>
       </p:ext>
     </p:extLst>
   </p:cSld>
@@ -1498,67 +3978,117 @@
           <a:chExt cx="0" cy="0"/>
         </a:xfrm>
       </p:grpSpPr>
-      <p:sp>
-        <p:nvSpPr>
-          <p:cNvPr id="2" name="Title 1">
+      <p:pic>
+        <p:nvPicPr>
+          <p:cNvPr id="20" name="Picture 19" descr="Slate-V2-HD-compPhotoInset.png"/>
+          <p:cNvPicPr>
+            <a:picLocks noChangeAspect="1"/>
+          </p:cNvPicPr>
+          <p:nvPr/>
+        </p:nvPicPr>
+        <p:blipFill>
+          <a:blip r:embed="rId2">
             <a:extLst>
-              <a:ext uri="{FF2B5EF4-FFF2-40B4-BE49-F238E27FC236}">
-                <a16:creationId xmlns:a16="http://schemas.microsoft.com/office/drawing/2014/main" id="{766B7E91-A395-49E6-8B41-E6961A2A2DB2}"/>
+              <a:ext uri="{28A0092B-C50C-407E-A947-70E740481C1C}">
+                <a14:useLocalDpi xmlns:a14="http://schemas.microsoft.com/office/drawing/2010/main" val="0"/>
               </a:ext>
             </a:extLst>
-          </p:cNvPr>
-          <p:cNvSpPr>
-            <a:spLocks noGrp="1"/>
-          </p:cNvSpPr>
-          <p:nvPr>
-            <p:ph type="title"/>
-          </p:nvPr>
-        </p:nvSpPr>
+          </a:blip>
+          <a:stretch>
+            <a:fillRect/>
+          </a:stretch>
+        </p:blipFill>
         <p:spPr>
           <a:xfrm>
-            <a:off x="839788" y="365125"/>
-            <a:ext cx="10515600" cy="1325563"/>
+            <a:off x="913795" y="1734506"/>
+            <a:ext cx="5089072" cy="4148769"/>
+          </a:xfrm>
+          <a:prstGeom prst="rect">
+            <a:avLst/>
+          </a:prstGeom>
+        </p:spPr>
+      </p:pic>
+      <p:pic>
+        <p:nvPicPr>
+          <p:cNvPr id="21" name="Picture 20" descr="Slate-V2-HD-compPhotoInset.png"/>
+          <p:cNvPicPr>
+            <a:picLocks noChangeAspect="1"/>
+          </p:cNvPicPr>
+          <p:nvPr/>
+        </p:nvPicPr>
+        <p:blipFill>
+          <a:blip r:embed="rId2">
+            <a:extLst>
+              <a:ext uri="{28A0092B-C50C-407E-A947-70E740481C1C}">
+                <a14:useLocalDpi xmlns:a14="http://schemas.microsoft.com/office/drawing/2010/main" val="0"/>
+              </a:ext>
+            </a:extLst>
+          </a:blip>
+          <a:stretch>
+            <a:fillRect/>
+          </a:stretch>
+        </p:blipFill>
+        <p:spPr>
+          <a:xfrm>
+            <a:off x="6178485" y="1734506"/>
+            <a:ext cx="5089072" cy="4148769"/>
+          </a:xfrm>
+          <a:prstGeom prst="rect">
+            <a:avLst/>
+          </a:prstGeom>
+        </p:spPr>
+      </p:pic>
+      <p:sp>
+        <p:nvSpPr>
+          <p:cNvPr id="2" name="Title 1"/>
+          <p:cNvSpPr>
+            <a:spLocks noGrp="1"/>
+          </p:cNvSpPr>
+          <p:nvPr>
+            <p:ph type="title"/>
+          </p:nvPr>
+        </p:nvSpPr>
+        <p:spPr/>
+        <p:txBody>
+          <a:bodyPr/>
+          <a:lstStyle>
+            <a:lvl1pPr>
+              <a:defRPr/>
+            </a:lvl1pPr>
+          </a:lstStyle>
+          <a:p>
+            <a:r>
+              <a:rPr lang="en-US"/>
+              <a:t>Click to edit Master title style</a:t>
+            </a:r>
+            <a:endParaRPr lang="en-US" dirty="0"/>
+          </a:p>
+        </p:txBody>
+      </p:sp>
+      <p:sp>
+        <p:nvSpPr>
+          <p:cNvPr id="3" name="Text Placeholder 2"/>
+          <p:cNvSpPr>
+            <a:spLocks noGrp="1"/>
+          </p:cNvSpPr>
+          <p:nvPr>
+            <p:ph type="body" idx="1"/>
+          </p:nvPr>
+        </p:nvSpPr>
+        <p:spPr>
+          <a:xfrm>
+            <a:off x="1005872" y="1835254"/>
+            <a:ext cx="4876344" cy="544884"/>
           </a:xfrm>
         </p:spPr>
         <p:txBody>
-          <a:bodyPr/>
-          <a:lstStyle/>
-          <a:p>
-            <a:r>
-              <a:rPr lang="en-US"/>
-              <a:t>Click to edit Master title style</a:t>
-            </a:r>
-          </a:p>
-        </p:txBody>
-      </p:sp>
-      <p:sp>
-        <p:nvSpPr>
-          <p:cNvPr id="3" name="Text Placeholder 2">
-            <a:extLst>
-              <a:ext uri="{FF2B5EF4-FFF2-40B4-BE49-F238E27FC236}">
-                <a16:creationId xmlns:a16="http://schemas.microsoft.com/office/drawing/2014/main" id="{03C179C8-AD32-477A-A4FA-D482B90E9B4F}"/>
-              </a:ext>
-            </a:extLst>
-          </p:cNvPr>
-          <p:cNvSpPr>
-            <a:spLocks noGrp="1"/>
-          </p:cNvSpPr>
-          <p:nvPr>
-            <p:ph type="body" idx="1"/>
-          </p:nvPr>
-        </p:nvSpPr>
-        <p:spPr>
-          <a:xfrm>
-            <a:off x="839788" y="1681163"/>
-            <a:ext cx="5157787" cy="823912"/>
-          </a:xfrm>
-        </p:spPr>
-        <p:txBody>
-          <a:bodyPr anchor="b"/>
+          <a:bodyPr anchor="b">
+            <a:noAutofit/>
+          </a:bodyPr>
           <a:lstStyle>
-            <a:lvl1pPr marL="0" indent="0">
-              <a:buNone/>
-              <a:defRPr sz="2400" b="1"/>
+            <a:lvl1pPr marL="0" indent="0" algn="ctr">
+              <a:buNone/>
+              <a:defRPr sz="2400" b="0"/>
             </a:lvl1pPr>
             <a:lvl2pPr marL="457200" indent="0">
               <a:buNone/>
@@ -1604,13 +4134,7 @@
       </p:sp>
       <p:sp>
         <p:nvSpPr>
-          <p:cNvPr id="4" name="Content Placeholder 3">
-            <a:extLst>
-              <a:ext uri="{FF2B5EF4-FFF2-40B4-BE49-F238E27FC236}">
-                <a16:creationId xmlns:a16="http://schemas.microsoft.com/office/drawing/2014/main" id="{7390902E-9B6F-45C2-8919-1398C1EA2F48}"/>
-              </a:ext>
-            </a:extLst>
-          </p:cNvPr>
+          <p:cNvPr id="4" name="Content Placeholder 3"/>
           <p:cNvSpPr>
             <a:spLocks noGrp="1"/>
           </p:cNvSpPr>
@@ -1620,13 +4144,31 @@
         </p:nvSpPr>
         <p:spPr>
           <a:xfrm>
-            <a:off x="839788" y="2505075"/>
-            <a:ext cx="5157787" cy="3684588"/>
+            <a:off x="1005872" y="2380137"/>
+            <a:ext cx="4876344" cy="3411063"/>
           </a:xfrm>
         </p:spPr>
         <p:txBody>
-          <a:bodyPr/>
-          <a:lstStyle/>
+          <a:bodyPr anchor="t">
+            <a:normAutofit/>
+          </a:bodyPr>
+          <a:lstStyle>
+            <a:lvl1pPr>
+              <a:defRPr sz="1800"/>
+            </a:lvl1pPr>
+            <a:lvl2pPr>
+              <a:defRPr sz="1600"/>
+            </a:lvl2pPr>
+            <a:lvl3pPr>
+              <a:defRPr sz="1400"/>
+            </a:lvl3pPr>
+            <a:lvl4pPr>
+              <a:defRPr sz="1200"/>
+            </a:lvl4pPr>
+            <a:lvl5pPr>
+              <a:defRPr sz="1200"/>
+            </a:lvl5pPr>
+          </a:lstStyle>
           <a:p>
             <a:pPr lvl="0"/>
             <a:r>
@@ -1661,18 +4203,13 @@
               <a:rPr lang="en-US"/>
               <a:t>Fifth level</a:t>
             </a:r>
-          </a:p>
-        </p:txBody>
-      </p:sp>
-      <p:sp>
-        <p:nvSpPr>
-          <p:cNvPr id="5" name="Text Placeholder 4">
-            <a:extLst>
-              <a:ext uri="{FF2B5EF4-FFF2-40B4-BE49-F238E27FC236}">
-                <a16:creationId xmlns:a16="http://schemas.microsoft.com/office/drawing/2014/main" id="{47E06444-DB00-46C2-AAB6-4D804EEB1A05}"/>
-              </a:ext>
-            </a:extLst>
-          </p:cNvPr>
+            <a:endParaRPr lang="en-US" dirty="0"/>
+          </a:p>
+        </p:txBody>
+      </p:sp>
+      <p:sp>
+        <p:nvSpPr>
+          <p:cNvPr id="5" name="Text Placeholder 4"/>
           <p:cNvSpPr>
             <a:spLocks noGrp="1"/>
           </p:cNvSpPr>
@@ -1682,16 +4219,18 @@
         </p:nvSpPr>
         <p:spPr>
           <a:xfrm>
-            <a:off x="6172200" y="1681163"/>
-            <a:ext cx="5183188" cy="823912"/>
+            <a:off x="6294967" y="1835254"/>
+            <a:ext cx="4895330" cy="544883"/>
           </a:xfrm>
         </p:spPr>
         <p:txBody>
-          <a:bodyPr anchor="b"/>
+          <a:bodyPr anchor="b">
+            <a:noAutofit/>
+          </a:bodyPr>
           <a:lstStyle>
-            <a:lvl1pPr marL="0" indent="0">
-              <a:buNone/>
-              <a:defRPr sz="2400" b="1"/>
+            <a:lvl1pPr marL="0" indent="0" algn="ctr">
+              <a:buNone/>
+              <a:defRPr sz="2400" b="0"/>
             </a:lvl1pPr>
             <a:lvl2pPr marL="457200" indent="0">
               <a:buNone/>
@@ -1737,13 +4276,7 @@
       </p:sp>
       <p:sp>
         <p:nvSpPr>
-          <p:cNvPr id="6" name="Content Placeholder 5">
-            <a:extLst>
-              <a:ext uri="{FF2B5EF4-FFF2-40B4-BE49-F238E27FC236}">
-                <a16:creationId xmlns:a16="http://schemas.microsoft.com/office/drawing/2014/main" id="{55260A00-1968-422F-91D4-09B3662D5F5E}"/>
-              </a:ext>
-            </a:extLst>
-          </p:cNvPr>
+          <p:cNvPr id="6" name="Content Placeholder 5"/>
           <p:cNvSpPr>
             <a:spLocks noGrp="1"/>
           </p:cNvSpPr>
@@ -1753,13 +4286,31 @@
         </p:nvSpPr>
         <p:spPr>
           <a:xfrm>
-            <a:off x="6172200" y="2505075"/>
-            <a:ext cx="5183188" cy="3684588"/>
+            <a:off x="6294967" y="2380137"/>
+            <a:ext cx="4895330" cy="3411063"/>
           </a:xfrm>
         </p:spPr>
         <p:txBody>
-          <a:bodyPr/>
-          <a:lstStyle/>
+          <a:bodyPr anchor="t">
+            <a:normAutofit/>
+          </a:bodyPr>
+          <a:lstStyle>
+            <a:lvl1pPr>
+              <a:defRPr sz="1800"/>
+            </a:lvl1pPr>
+            <a:lvl2pPr>
+              <a:defRPr sz="1600"/>
+            </a:lvl2pPr>
+            <a:lvl3pPr>
+              <a:defRPr sz="1400"/>
+            </a:lvl3pPr>
+            <a:lvl4pPr>
+              <a:defRPr sz="1200"/>
+            </a:lvl4pPr>
+            <a:lvl5pPr>
+              <a:defRPr sz="1200"/>
+            </a:lvl5pPr>
+          </a:lstStyle>
           <a:p>
             <a:pPr lvl="0"/>
             <a:r>
@@ -1794,18 +4345,13 @@
               <a:rPr lang="en-US"/>
               <a:t>Fifth level</a:t>
             </a:r>
-          </a:p>
-        </p:txBody>
-      </p:sp>
-      <p:sp>
-        <p:nvSpPr>
-          <p:cNvPr id="7" name="Date Placeholder 6">
-            <a:extLst>
-              <a:ext uri="{FF2B5EF4-FFF2-40B4-BE49-F238E27FC236}">
-                <a16:creationId xmlns:a16="http://schemas.microsoft.com/office/drawing/2014/main" id="{44B35DFF-CD6C-403E-9632-4CF7C1D4310C}"/>
-              </a:ext>
-            </a:extLst>
-          </p:cNvPr>
+            <a:endParaRPr lang="en-US" dirty="0"/>
+          </a:p>
+        </p:txBody>
+      </p:sp>
+      <p:sp>
+        <p:nvSpPr>
+          <p:cNvPr id="7" name="Date Placeholder 6"/>
           <p:cNvSpPr>
             <a:spLocks noGrp="1"/>
           </p:cNvSpPr>
@@ -1820,7 +4366,7 @@
           <a:p>
             <a:fld id="{6C105108-C41D-4392-B4A8-317EE9FA4421}" type="datetimeFigureOut">
               <a:rPr lang="en-US" smtClean="0"/>
-              <a:t>7/21/2019</a:t>
+              <a:t>7/23/2019</a:t>
             </a:fld>
             <a:endParaRPr lang="en-US"/>
           </a:p>
@@ -1828,13 +4374,7 @@
       </p:sp>
       <p:sp>
         <p:nvSpPr>
-          <p:cNvPr id="8" name="Footer Placeholder 7">
-            <a:extLst>
-              <a:ext uri="{FF2B5EF4-FFF2-40B4-BE49-F238E27FC236}">
-                <a16:creationId xmlns:a16="http://schemas.microsoft.com/office/drawing/2014/main" id="{AA4EAEB7-7C38-4B6D-AA20-C64F4DB34AA8}"/>
-              </a:ext>
-            </a:extLst>
-          </p:cNvPr>
+          <p:cNvPr id="8" name="Footer Placeholder 7"/>
           <p:cNvSpPr>
             <a:spLocks noGrp="1"/>
           </p:cNvSpPr>
@@ -1853,13 +4393,7 @@
       </p:sp>
       <p:sp>
         <p:nvSpPr>
-          <p:cNvPr id="9" name="Slide Number Placeholder 8">
-            <a:extLst>
-              <a:ext uri="{FF2B5EF4-FFF2-40B4-BE49-F238E27FC236}">
-                <a16:creationId xmlns:a16="http://schemas.microsoft.com/office/drawing/2014/main" id="{72F2E0A0-EF6B-47E6-B65B-A28813217015}"/>
-              </a:ext>
-            </a:extLst>
-          </p:cNvPr>
+          <p:cNvPr id="9" name="Slide Number Placeholder 8"/>
           <p:cNvSpPr>
             <a:spLocks noGrp="1"/>
           </p:cNvSpPr>
@@ -1883,7 +4417,7 @@
     </p:spTree>
     <p:extLst>
       <p:ext uri="{BB962C8B-B14F-4D97-AF65-F5344CB8AC3E}">
-        <p14:creationId xmlns:p14="http://schemas.microsoft.com/office/powerpoint/2010/main" val="3115163998"/>
+        <p14:creationId xmlns:p14="http://schemas.microsoft.com/office/powerpoint/2010/main" val="2355158429"/>
       </p:ext>
     </p:extLst>
   </p:cSld>
@@ -1912,13 +4446,7 @@
       </p:grpSpPr>
       <p:sp>
         <p:nvSpPr>
-          <p:cNvPr id="2" name="Title 1">
-            <a:extLst>
-              <a:ext uri="{FF2B5EF4-FFF2-40B4-BE49-F238E27FC236}">
-                <a16:creationId xmlns:a16="http://schemas.microsoft.com/office/drawing/2014/main" id="{1EC3C1EB-C509-42B9-9BC8-89D1D277B893}"/>
-              </a:ext>
-            </a:extLst>
-          </p:cNvPr>
+          <p:cNvPr id="2" name="Title 1"/>
           <p:cNvSpPr>
             <a:spLocks noGrp="1"/>
           </p:cNvSpPr>
@@ -1935,18 +4463,13 @@
               <a:rPr lang="en-US"/>
               <a:t>Click to edit Master title style</a:t>
             </a:r>
-          </a:p>
-        </p:txBody>
-      </p:sp>
-      <p:sp>
-        <p:nvSpPr>
-          <p:cNvPr id="3" name="Date Placeholder 2">
-            <a:extLst>
-              <a:ext uri="{FF2B5EF4-FFF2-40B4-BE49-F238E27FC236}">
-                <a16:creationId xmlns:a16="http://schemas.microsoft.com/office/drawing/2014/main" id="{BD44DEC0-7A1F-4DD3-BC9F-280BCEA68585}"/>
-              </a:ext>
-            </a:extLst>
-          </p:cNvPr>
+            <a:endParaRPr lang="en-US" dirty="0"/>
+          </a:p>
+        </p:txBody>
+      </p:sp>
+      <p:sp>
+        <p:nvSpPr>
+          <p:cNvPr id="3" name="Date Placeholder 2"/>
           <p:cNvSpPr>
             <a:spLocks noGrp="1"/>
           </p:cNvSpPr>
@@ -1961,7 +4484,7 @@
           <a:p>
             <a:fld id="{6C105108-C41D-4392-B4A8-317EE9FA4421}" type="datetimeFigureOut">
               <a:rPr lang="en-US" smtClean="0"/>
-              <a:t>7/21/2019</a:t>
+              <a:t>7/23/2019</a:t>
             </a:fld>
             <a:endParaRPr lang="en-US"/>
           </a:p>
@@ -1969,13 +4492,7 @@
       </p:sp>
       <p:sp>
         <p:nvSpPr>
-          <p:cNvPr id="4" name="Footer Placeholder 3">
-            <a:extLst>
-              <a:ext uri="{FF2B5EF4-FFF2-40B4-BE49-F238E27FC236}">
-                <a16:creationId xmlns:a16="http://schemas.microsoft.com/office/drawing/2014/main" id="{381B9B8C-E427-4C8E-8A45-910CB68206C2}"/>
-              </a:ext>
-            </a:extLst>
-          </p:cNvPr>
+          <p:cNvPr id="4" name="Footer Placeholder 3"/>
           <p:cNvSpPr>
             <a:spLocks noGrp="1"/>
           </p:cNvSpPr>
@@ -1994,13 +4511,7 @@
       </p:sp>
       <p:sp>
         <p:nvSpPr>
-          <p:cNvPr id="5" name="Slide Number Placeholder 4">
-            <a:extLst>
-              <a:ext uri="{FF2B5EF4-FFF2-40B4-BE49-F238E27FC236}">
-                <a16:creationId xmlns:a16="http://schemas.microsoft.com/office/drawing/2014/main" id="{EE4342E1-6E2D-4129-80DA-79D016A4D529}"/>
-              </a:ext>
-            </a:extLst>
-          </p:cNvPr>
+          <p:cNvPr id="5" name="Slide Number Placeholder 4"/>
           <p:cNvSpPr>
             <a:spLocks noGrp="1"/>
           </p:cNvSpPr>
@@ -2024,7 +4535,7 @@
     </p:spTree>
     <p:extLst>
       <p:ext uri="{BB962C8B-B14F-4D97-AF65-F5344CB8AC3E}">
-        <p14:creationId xmlns:p14="http://schemas.microsoft.com/office/powerpoint/2010/main" val="1916880683"/>
+        <p14:creationId xmlns:p14="http://schemas.microsoft.com/office/powerpoint/2010/main" val="4216435132"/>
       </p:ext>
     </p:extLst>
   </p:cSld>
@@ -2053,13 +4564,7 @@
       </p:grpSpPr>
       <p:sp>
         <p:nvSpPr>
-          <p:cNvPr id="2" name="Date Placeholder 1">
-            <a:extLst>
-              <a:ext uri="{FF2B5EF4-FFF2-40B4-BE49-F238E27FC236}">
-                <a16:creationId xmlns:a16="http://schemas.microsoft.com/office/drawing/2014/main" id="{5ECA95B5-1DED-4041-AD3D-DD31C4F00C36}"/>
-              </a:ext>
-            </a:extLst>
-          </p:cNvPr>
+          <p:cNvPr id="2" name="Date Placeholder 1"/>
           <p:cNvSpPr>
             <a:spLocks noGrp="1"/>
           </p:cNvSpPr>
@@ -2074,7 +4579,7 @@
           <a:p>
             <a:fld id="{6C105108-C41D-4392-B4A8-317EE9FA4421}" type="datetimeFigureOut">
               <a:rPr lang="en-US" smtClean="0"/>
-              <a:t>7/21/2019</a:t>
+              <a:t>7/23/2019</a:t>
             </a:fld>
             <a:endParaRPr lang="en-US"/>
           </a:p>
@@ -2082,13 +4587,7 @@
       </p:sp>
       <p:sp>
         <p:nvSpPr>
-          <p:cNvPr id="3" name="Footer Placeholder 2">
-            <a:extLst>
-              <a:ext uri="{FF2B5EF4-FFF2-40B4-BE49-F238E27FC236}">
-                <a16:creationId xmlns:a16="http://schemas.microsoft.com/office/drawing/2014/main" id="{5575E06A-B70B-4550-B5C3-A7BF9328F9D5}"/>
-              </a:ext>
-            </a:extLst>
-          </p:cNvPr>
+          <p:cNvPr id="3" name="Footer Placeholder 2"/>
           <p:cNvSpPr>
             <a:spLocks noGrp="1"/>
           </p:cNvSpPr>
@@ -2107,13 +4606,7 @@
       </p:sp>
       <p:sp>
         <p:nvSpPr>
-          <p:cNvPr id="4" name="Slide Number Placeholder 3">
-            <a:extLst>
-              <a:ext uri="{FF2B5EF4-FFF2-40B4-BE49-F238E27FC236}">
-                <a16:creationId xmlns:a16="http://schemas.microsoft.com/office/drawing/2014/main" id="{7EF83AF6-35B9-42B5-9E6D-F62B81FE9352}"/>
-              </a:ext>
-            </a:extLst>
-          </p:cNvPr>
+          <p:cNvPr id="4" name="Slide Number Placeholder 3"/>
           <p:cNvSpPr>
             <a:spLocks noGrp="1"/>
           </p:cNvSpPr>
@@ -2137,13 +4630,18 @@
     </p:spTree>
     <p:extLst>
       <p:ext uri="{BB962C8B-B14F-4D97-AF65-F5344CB8AC3E}">
-        <p14:creationId xmlns:p14="http://schemas.microsoft.com/office/powerpoint/2010/main" val="4204123649"/>
+        <p14:creationId xmlns:p14="http://schemas.microsoft.com/office/powerpoint/2010/main" val="2807803380"/>
       </p:ext>
     </p:extLst>
   </p:cSld>
   <p:clrMapOvr>
     <a:masterClrMapping/>
   </p:clrMapOvr>
+  <p:extLst>
+    <p:ext uri="{DCECCB84-F9BA-43D5-87BE-67443E8EF086}">
+      <p15:sldGuideLst xmlns:p15="http://schemas.microsoft.com/office/powerpoint/2012/main"/>
+    </p:ext>
+  </p:extLst>
 </p:sldLayout>
 </file>
 
@@ -2166,13 +4664,7 @@
       </p:grpSpPr>
       <p:sp>
         <p:nvSpPr>
-          <p:cNvPr id="2" name="Title 1">
-            <a:extLst>
-              <a:ext uri="{FF2B5EF4-FFF2-40B4-BE49-F238E27FC236}">
-                <a16:creationId xmlns:a16="http://schemas.microsoft.com/office/drawing/2014/main" id="{D902EC55-8DBB-40CA-B2D6-62F0F5A34A74}"/>
-              </a:ext>
-            </a:extLst>
-          </p:cNvPr>
+          <p:cNvPr id="2" name="Title 1"/>
           <p:cNvSpPr>
             <a:spLocks noGrp="1"/>
           </p:cNvSpPr>
@@ -2182,15 +4674,17 @@
         </p:nvSpPr>
         <p:spPr>
           <a:xfrm>
-            <a:off x="839788" y="457200"/>
-            <a:ext cx="3932237" cy="1600200"/>
+            <a:off x="913795" y="609600"/>
+            <a:ext cx="3706889" cy="1821918"/>
           </a:xfrm>
         </p:spPr>
         <p:txBody>
-          <a:bodyPr anchor="b"/>
+          <a:bodyPr anchor="b">
+            <a:normAutofit/>
+          </a:bodyPr>
           <a:lstStyle>
-            <a:lvl1pPr>
-              <a:defRPr sz="3200"/>
+            <a:lvl1pPr algn="ctr">
+              <a:defRPr sz="2400" b="0"/>
             </a:lvl1pPr>
           </a:lstStyle>
           <a:p>
@@ -2198,18 +4692,13 @@
               <a:rPr lang="en-US"/>
               <a:t>Click to edit Master title style</a:t>
             </a:r>
-          </a:p>
-        </p:txBody>
-      </p:sp>
-      <p:sp>
-        <p:nvSpPr>
-          <p:cNvPr id="3" name="Content Placeholder 2">
-            <a:extLst>
-              <a:ext uri="{FF2B5EF4-FFF2-40B4-BE49-F238E27FC236}">
-                <a16:creationId xmlns:a16="http://schemas.microsoft.com/office/drawing/2014/main" id="{696034D0-38C4-4054-A104-1D42B0AF22B3}"/>
-              </a:ext>
-            </a:extLst>
-          </p:cNvPr>
+            <a:endParaRPr lang="en-US" dirty="0"/>
+          </a:p>
+        </p:txBody>
+      </p:sp>
+      <p:sp>
+        <p:nvSpPr>
+          <p:cNvPr id="3" name="Content Placeholder 2"/>
           <p:cNvSpPr>
             <a:spLocks noGrp="1"/>
           </p:cNvSpPr>
@@ -2219,41 +4708,15 @@
         </p:nvSpPr>
         <p:spPr>
           <a:xfrm>
-            <a:off x="5183188" y="987425"/>
-            <a:ext cx="6172200" cy="4873625"/>
+            <a:off x="4855633" y="609600"/>
+            <a:ext cx="6411924" cy="5181600"/>
           </a:xfrm>
         </p:spPr>
         <p:txBody>
-          <a:bodyPr/>
-          <a:lstStyle>
-            <a:lvl1pPr>
-              <a:defRPr sz="3200"/>
-            </a:lvl1pPr>
-            <a:lvl2pPr>
-              <a:defRPr sz="2800"/>
-            </a:lvl2pPr>
-            <a:lvl3pPr>
-              <a:defRPr sz="2400"/>
-            </a:lvl3pPr>
-            <a:lvl4pPr>
-              <a:defRPr sz="2000"/>
-            </a:lvl4pPr>
-            <a:lvl5pPr>
-              <a:defRPr sz="2000"/>
-            </a:lvl5pPr>
-            <a:lvl6pPr>
-              <a:defRPr sz="2000"/>
-            </a:lvl6pPr>
-            <a:lvl7pPr>
-              <a:defRPr sz="2000"/>
-            </a:lvl7pPr>
-            <a:lvl8pPr>
-              <a:defRPr sz="2000"/>
-            </a:lvl8pPr>
-            <a:lvl9pPr>
-              <a:defRPr sz="2000"/>
-            </a:lvl9pPr>
-          </a:lstStyle>
+          <a:bodyPr>
+            <a:normAutofit/>
+          </a:bodyPr>
+          <a:lstStyle/>
           <a:p>
             <a:pPr lvl="0"/>
             <a:r>
@@ -2288,18 +4751,13 @@
               <a:rPr lang="en-US"/>
               <a:t>Fifth level</a:t>
             </a:r>
-          </a:p>
-        </p:txBody>
-      </p:sp>
-      <p:sp>
-        <p:nvSpPr>
-          <p:cNvPr id="4" name="Text Placeholder 3">
-            <a:extLst>
-              <a:ext uri="{FF2B5EF4-FFF2-40B4-BE49-F238E27FC236}">
-                <a16:creationId xmlns:a16="http://schemas.microsoft.com/office/drawing/2014/main" id="{237F6FC9-11DF-457D-B138-FF72ABDD6FC0}"/>
-              </a:ext>
-            </a:extLst>
-          </p:cNvPr>
+            <a:endParaRPr lang="en-US" dirty="0"/>
+          </a:p>
+        </p:txBody>
+      </p:sp>
+      <p:sp>
+        <p:nvSpPr>
+          <p:cNvPr id="4" name="Text Placeholder 3"/>
           <p:cNvSpPr>
             <a:spLocks noGrp="1"/>
           </p:cNvSpPr>
@@ -2309,48 +4767,50 @@
         </p:nvSpPr>
         <p:spPr>
           <a:xfrm>
-            <a:off x="839788" y="2057400"/>
-            <a:ext cx="3932237" cy="3811588"/>
+            <a:off x="913795" y="2431518"/>
+            <a:ext cx="3706889" cy="3359681"/>
           </a:xfrm>
         </p:spPr>
         <p:txBody>
-          <a:bodyPr/>
+          <a:bodyPr anchor="t">
+            <a:normAutofit/>
+          </a:bodyPr>
           <a:lstStyle>
-            <a:lvl1pPr marL="0" indent="0">
+            <a:lvl1pPr marL="0" indent="0" algn="ctr">
               <a:buNone/>
               <a:defRPr sz="1600"/>
             </a:lvl1pPr>
             <a:lvl2pPr marL="457200" indent="0">
               <a:buNone/>
-              <a:defRPr sz="1400"/>
+              <a:defRPr sz="1200"/>
             </a:lvl2pPr>
             <a:lvl3pPr marL="914400" indent="0">
               <a:buNone/>
-              <a:defRPr sz="1200"/>
+              <a:defRPr sz="1000"/>
             </a:lvl3pPr>
             <a:lvl4pPr marL="1371600" indent="0">
               <a:buNone/>
-              <a:defRPr sz="1000"/>
+              <a:defRPr sz="900"/>
             </a:lvl4pPr>
             <a:lvl5pPr marL="1828800" indent="0">
               <a:buNone/>
-              <a:defRPr sz="1000"/>
+              <a:defRPr sz="900"/>
             </a:lvl5pPr>
             <a:lvl6pPr marL="2286000" indent="0">
               <a:buNone/>
-              <a:defRPr sz="1000"/>
+              <a:defRPr sz="900"/>
             </a:lvl6pPr>
             <a:lvl7pPr marL="2743200" indent="0">
               <a:buNone/>
-              <a:defRPr sz="1000"/>
+              <a:defRPr sz="900"/>
             </a:lvl7pPr>
             <a:lvl8pPr marL="3200400" indent="0">
               <a:buNone/>
-              <a:defRPr sz="1000"/>
+              <a:defRPr sz="900"/>
             </a:lvl8pPr>
             <a:lvl9pPr marL="3657600" indent="0">
               <a:buNone/>
-              <a:defRPr sz="1000"/>
+              <a:defRPr sz="900"/>
             </a:lvl9pPr>
           </a:lstStyle>
           <a:p>
@@ -2364,13 +4824,7 @@
       </p:sp>
       <p:sp>
         <p:nvSpPr>
-          <p:cNvPr id="5" name="Date Placeholder 4">
-            <a:extLst>
-              <a:ext uri="{FF2B5EF4-FFF2-40B4-BE49-F238E27FC236}">
-                <a16:creationId xmlns:a16="http://schemas.microsoft.com/office/drawing/2014/main" id="{12CF7DE9-2FAD-4DFA-98AC-6CB6AA600570}"/>
-              </a:ext>
-            </a:extLst>
-          </p:cNvPr>
+          <p:cNvPr id="5" name="Date Placeholder 4"/>
           <p:cNvSpPr>
             <a:spLocks noGrp="1"/>
           </p:cNvSpPr>
@@ -2385,7 +4839,7 @@
           <a:p>
             <a:fld id="{6C105108-C41D-4392-B4A8-317EE9FA4421}" type="datetimeFigureOut">
               <a:rPr lang="en-US" smtClean="0"/>
-              <a:t>7/21/2019</a:t>
+              <a:t>7/23/2019</a:t>
             </a:fld>
             <a:endParaRPr lang="en-US"/>
           </a:p>
@@ -2393,13 +4847,7 @@
       </p:sp>
       <p:sp>
         <p:nvSpPr>
-          <p:cNvPr id="6" name="Footer Placeholder 5">
-            <a:extLst>
-              <a:ext uri="{FF2B5EF4-FFF2-40B4-BE49-F238E27FC236}">
-                <a16:creationId xmlns:a16="http://schemas.microsoft.com/office/drawing/2014/main" id="{C2EF672E-E77D-49CC-AF3C-6591657B0118}"/>
-              </a:ext>
-            </a:extLst>
-          </p:cNvPr>
+          <p:cNvPr id="6" name="Footer Placeholder 5"/>
           <p:cNvSpPr>
             <a:spLocks noGrp="1"/>
           </p:cNvSpPr>
@@ -2418,13 +4866,7 @@
       </p:sp>
       <p:sp>
         <p:nvSpPr>
-          <p:cNvPr id="7" name="Slide Number Placeholder 6">
-            <a:extLst>
-              <a:ext uri="{FF2B5EF4-FFF2-40B4-BE49-F238E27FC236}">
-                <a16:creationId xmlns:a16="http://schemas.microsoft.com/office/drawing/2014/main" id="{154C4996-87B1-4017-B1F0-8D1D5F2529A4}"/>
-              </a:ext>
-            </a:extLst>
-          </p:cNvPr>
+          <p:cNvPr id="7" name="Slide Number Placeholder 6"/>
           <p:cNvSpPr>
             <a:spLocks noGrp="1"/>
           </p:cNvSpPr>
@@ -2448,13 +4890,18 @@
     </p:spTree>
     <p:extLst>
       <p:ext uri="{BB962C8B-B14F-4D97-AF65-F5344CB8AC3E}">
-        <p14:creationId xmlns:p14="http://schemas.microsoft.com/office/powerpoint/2010/main" val="1862097693"/>
+        <p14:creationId xmlns:p14="http://schemas.microsoft.com/office/powerpoint/2010/main" val="3990778515"/>
       </p:ext>
     </p:extLst>
   </p:cSld>
   <p:clrMapOvr>
     <a:masterClrMapping/>
   </p:clrMapOvr>
+  <p:extLst>
+    <p:ext uri="{DCECCB84-F9BA-43D5-87BE-67443E8EF086}">
+      <p15:sldGuideLst xmlns:p15="http://schemas.microsoft.com/office/powerpoint/2012/main"/>
+    </p:ext>
+  </p:extLst>
 </p:sldLayout>
 </file>
 
@@ -2475,33 +4922,59 @@
           <a:chExt cx="0" cy="0"/>
         </a:xfrm>
       </p:grpSpPr>
-      <p:sp>
-        <p:nvSpPr>
-          <p:cNvPr id="2" name="Title 1">
+      <p:pic>
+        <p:nvPicPr>
+          <p:cNvPr id="22" name="Picture 21" descr="Slate-V2-HD-vertPhotoInset.png"/>
+          <p:cNvPicPr>
+            <a:picLocks noChangeAspect="1"/>
+          </p:cNvPicPr>
+          <p:nvPr/>
+        </p:nvPicPr>
+        <p:blipFill>
+          <a:blip r:embed="rId2">
             <a:extLst>
-              <a:ext uri="{FF2B5EF4-FFF2-40B4-BE49-F238E27FC236}">
-                <a16:creationId xmlns:a16="http://schemas.microsoft.com/office/drawing/2014/main" id="{A1312017-63EA-40CA-9EE1-3B0D42B78124}"/>
+              <a:ext uri="{28A0092B-C50C-407E-A947-70E740481C1C}">
+                <a14:useLocalDpi xmlns:a14="http://schemas.microsoft.com/office/drawing/2010/main" val="0"/>
               </a:ext>
             </a:extLst>
-          </p:cNvPr>
-          <p:cNvSpPr>
-            <a:spLocks noGrp="1"/>
-          </p:cNvSpPr>
-          <p:nvPr>
-            <p:ph type="title"/>
-          </p:nvPr>
-        </p:nvSpPr>
+          </a:blip>
+          <a:stretch>
+            <a:fillRect/>
+          </a:stretch>
+        </p:blipFill>
         <p:spPr>
           <a:xfrm>
-            <a:off x="839788" y="457200"/>
-            <a:ext cx="3932237" cy="1600200"/>
+            <a:off x="7293665" y="609600"/>
+            <a:ext cx="3584166" cy="5204832"/>
+          </a:xfrm>
+          <a:prstGeom prst="rect">
+            <a:avLst/>
+          </a:prstGeom>
+        </p:spPr>
+      </p:pic>
+      <p:sp>
+        <p:nvSpPr>
+          <p:cNvPr id="2" name="Title 1"/>
+          <p:cNvSpPr>
+            <a:spLocks noGrp="1"/>
+          </p:cNvSpPr>
+          <p:nvPr>
+            <p:ph type="title"/>
+          </p:nvPr>
+        </p:nvSpPr>
+        <p:spPr>
+          <a:xfrm>
+            <a:off x="913795" y="609923"/>
+            <a:ext cx="5934949" cy="1829338"/>
           </a:xfrm>
         </p:spPr>
         <p:txBody>
-          <a:bodyPr anchor="b"/>
+          <a:bodyPr anchor="b">
+            <a:noAutofit/>
+          </a:bodyPr>
           <a:lstStyle>
-            <a:lvl1pPr>
-              <a:defRPr sz="3200"/>
+            <a:lvl1pPr algn="ctr">
+              <a:defRPr sz="3200" b="0"/>
             </a:lvl1pPr>
           </a:lstStyle>
           <a:p>
@@ -2509,20 +4982,15 @@
               <a:rPr lang="en-US"/>
               <a:t>Click to edit Master title style</a:t>
             </a:r>
-          </a:p>
-        </p:txBody>
-      </p:sp>
-      <p:sp>
-        <p:nvSpPr>
-          <p:cNvPr id="3" name="Picture Placeholder 2">
-            <a:extLst>
-              <a:ext uri="{FF2B5EF4-FFF2-40B4-BE49-F238E27FC236}">
-                <a16:creationId xmlns:a16="http://schemas.microsoft.com/office/drawing/2014/main" id="{6A8C3535-D337-42D0-B8D6-F47CAFBBDA53}"/>
-              </a:ext>
-            </a:extLst>
-          </p:cNvPr>
-          <p:cNvSpPr>
-            <a:spLocks noGrp="1"/>
+            <a:endParaRPr lang="en-US" dirty="0"/>
+          </a:p>
+        </p:txBody>
+      </p:sp>
+      <p:sp>
+        <p:nvSpPr>
+          <p:cNvPr id="3" name="Picture Placeholder 2"/>
+          <p:cNvSpPr>
+            <a:spLocks noGrp="1" noChangeAspect="1"/>
           </p:cNvSpPr>
           <p:nvPr>
             <p:ph type="pic" idx="1"/>
@@ -2530,118 +4998,127 @@
         </p:nvSpPr>
         <p:spPr>
           <a:xfrm>
-            <a:off x="5183188" y="987425"/>
-            <a:ext cx="6172200" cy="4873625"/>
+            <a:off x="7442551" y="763702"/>
+            <a:ext cx="3275751" cy="4912822"/>
           </a:xfrm>
+          <a:effectLst>
+            <a:outerShdw blurRad="38100" dist="25400" dir="4440000">
+              <a:srgbClr val="000000">
+                <a:alpha val="36000"/>
+              </a:srgbClr>
+            </a:outerShdw>
+          </a:effectLst>
         </p:spPr>
         <p:txBody>
-          <a:bodyPr/>
+          <a:bodyPr anchor="t">
+            <a:normAutofit/>
+          </a:bodyPr>
           <a:lstStyle>
-            <a:lvl1pPr marL="0" indent="0">
-              <a:buNone/>
-              <a:defRPr sz="3200"/>
-            </a:lvl1pPr>
-            <a:lvl2pPr marL="457200" indent="0">
-              <a:buNone/>
-              <a:defRPr sz="2800"/>
-            </a:lvl2pPr>
-            <a:lvl3pPr marL="914400" indent="0">
-              <a:buNone/>
-              <a:defRPr sz="2400"/>
-            </a:lvl3pPr>
-            <a:lvl4pPr marL="1371600" indent="0">
-              <a:buNone/>
-              <a:defRPr sz="2000"/>
-            </a:lvl4pPr>
-            <a:lvl5pPr marL="1828800" indent="0">
-              <a:buNone/>
-              <a:defRPr sz="2000"/>
-            </a:lvl5pPr>
-            <a:lvl6pPr marL="2286000" indent="0">
-              <a:buNone/>
-              <a:defRPr sz="2000"/>
-            </a:lvl6pPr>
-            <a:lvl7pPr marL="2743200" indent="0">
-              <a:buNone/>
-              <a:defRPr sz="2000"/>
-            </a:lvl7pPr>
-            <a:lvl8pPr marL="3200400" indent="0">
-              <a:buNone/>
-              <a:defRPr sz="2000"/>
-            </a:lvl8pPr>
-            <a:lvl9pPr marL="3657600" indent="0">
-              <a:buNone/>
-              <a:defRPr sz="2000"/>
-            </a:lvl9pPr>
-          </a:lstStyle>
-          <a:p>
-            <a:endParaRPr lang="en-US"/>
-          </a:p>
-        </p:txBody>
-      </p:sp>
-      <p:sp>
-        <p:nvSpPr>
-          <p:cNvPr id="4" name="Text Placeholder 3">
-            <a:extLst>
-              <a:ext uri="{FF2B5EF4-FFF2-40B4-BE49-F238E27FC236}">
-                <a16:creationId xmlns:a16="http://schemas.microsoft.com/office/drawing/2014/main" id="{001F07D9-FB32-4D3A-9D48-3AE3CB608983}"/>
-              </a:ext>
-            </a:extLst>
-          </p:cNvPr>
-          <p:cNvSpPr>
-            <a:spLocks noGrp="1"/>
-          </p:cNvSpPr>
-          <p:nvPr>
-            <p:ph type="body" sz="half" idx="2"/>
-          </p:nvPr>
-        </p:nvSpPr>
-        <p:spPr>
-          <a:xfrm>
-            <a:off x="839788" y="2057400"/>
-            <a:ext cx="3932237" cy="3811588"/>
-          </a:xfrm>
-        </p:spPr>
-        <p:txBody>
-          <a:bodyPr/>
-          <a:lstStyle>
-            <a:lvl1pPr marL="0" indent="0">
+            <a:lvl1pPr marL="0" indent="0" algn="ctr">
               <a:buNone/>
               <a:defRPr sz="1600"/>
             </a:lvl1pPr>
             <a:lvl2pPr marL="457200" indent="0">
               <a:buNone/>
-              <a:defRPr sz="1400"/>
+              <a:defRPr sz="1600"/>
             </a:lvl2pPr>
             <a:lvl3pPr marL="914400" indent="0">
               <a:buNone/>
-              <a:defRPr sz="1200"/>
+              <a:defRPr sz="1600"/>
             </a:lvl3pPr>
             <a:lvl4pPr marL="1371600" indent="0">
               <a:buNone/>
-              <a:defRPr sz="1000"/>
+              <a:defRPr sz="1600"/>
             </a:lvl4pPr>
             <a:lvl5pPr marL="1828800" indent="0">
               <a:buNone/>
-              <a:defRPr sz="1000"/>
+              <a:defRPr sz="1600"/>
             </a:lvl5pPr>
             <a:lvl6pPr marL="2286000" indent="0">
               <a:buNone/>
-              <a:defRPr sz="1000"/>
+              <a:defRPr sz="1600"/>
             </a:lvl6pPr>
             <a:lvl7pPr marL="2743200" indent="0">
               <a:buNone/>
-              <a:defRPr sz="1000"/>
+              <a:defRPr sz="1600"/>
             </a:lvl7pPr>
             <a:lvl8pPr marL="3200400" indent="0">
               <a:buNone/>
-              <a:defRPr sz="1000"/>
+              <a:defRPr sz="1600"/>
             </a:lvl8pPr>
             <a:lvl9pPr marL="3657600" indent="0">
               <a:buNone/>
-              <a:defRPr sz="1000"/>
+              <a:defRPr sz="1600"/>
             </a:lvl9pPr>
           </a:lstStyle>
           <a:p>
+            <a:r>
+              <a:rPr lang="en-US"/>
+              <a:t>Click icon to add picture</a:t>
+            </a:r>
+            <a:endParaRPr lang="en-US" dirty="0"/>
+          </a:p>
+        </p:txBody>
+      </p:sp>
+      <p:sp>
+        <p:nvSpPr>
+          <p:cNvPr id="4" name="Text Placeholder 3"/>
+          <p:cNvSpPr>
+            <a:spLocks noGrp="1"/>
+          </p:cNvSpPr>
+          <p:nvPr>
+            <p:ph type="body" sz="half" idx="2"/>
+          </p:nvPr>
+        </p:nvSpPr>
+        <p:spPr>
+          <a:xfrm>
+            <a:off x="913795" y="2439261"/>
+            <a:ext cx="5934949" cy="3376134"/>
+          </a:xfrm>
+        </p:spPr>
+        <p:txBody>
+          <a:bodyPr anchor="t">
+            <a:normAutofit/>
+          </a:bodyPr>
+          <a:lstStyle>
+            <a:lvl1pPr marL="0" indent="0" algn="ctr">
+              <a:buNone/>
+              <a:defRPr sz="1600"/>
+            </a:lvl1pPr>
+            <a:lvl2pPr marL="457200" indent="0">
+              <a:buNone/>
+              <a:defRPr sz="1200"/>
+            </a:lvl2pPr>
+            <a:lvl3pPr marL="914400" indent="0">
+              <a:buNone/>
+              <a:defRPr sz="1000"/>
+            </a:lvl3pPr>
+            <a:lvl4pPr marL="1371600" indent="0">
+              <a:buNone/>
+              <a:defRPr sz="900"/>
+            </a:lvl4pPr>
+            <a:lvl5pPr marL="1828800" indent="0">
+              <a:buNone/>
+              <a:defRPr sz="900"/>
+            </a:lvl5pPr>
+            <a:lvl6pPr marL="2286000" indent="0">
+              <a:buNone/>
+              <a:defRPr sz="900"/>
+            </a:lvl6pPr>
+            <a:lvl7pPr marL="2743200" indent="0">
+              <a:buNone/>
+              <a:defRPr sz="900"/>
+            </a:lvl7pPr>
+            <a:lvl8pPr marL="3200400" indent="0">
+              <a:buNone/>
+              <a:defRPr sz="900"/>
+            </a:lvl8pPr>
+            <a:lvl9pPr marL="3657600" indent="0">
+              <a:buNone/>
+              <a:defRPr sz="900"/>
+            </a:lvl9pPr>
+          </a:lstStyle>
+          <a:p>
             <a:pPr lvl="0"/>
             <a:r>
               <a:rPr lang="en-US"/>
@@ -2652,13 +5129,7 @@
       </p:sp>
       <p:sp>
         <p:nvSpPr>
-          <p:cNvPr id="5" name="Date Placeholder 4">
-            <a:extLst>
-              <a:ext uri="{FF2B5EF4-FFF2-40B4-BE49-F238E27FC236}">
-                <a16:creationId xmlns:a16="http://schemas.microsoft.com/office/drawing/2014/main" id="{3F1E24D6-E5AA-4809-88AB-F3644A24209D}"/>
-              </a:ext>
-            </a:extLst>
-          </p:cNvPr>
+          <p:cNvPr id="5" name="Date Placeholder 4"/>
           <p:cNvSpPr>
             <a:spLocks noGrp="1"/>
           </p:cNvSpPr>
@@ -2673,7 +5144,7 @@
           <a:p>
             <a:fld id="{6C105108-C41D-4392-B4A8-317EE9FA4421}" type="datetimeFigureOut">
               <a:rPr lang="en-US" smtClean="0"/>
-              <a:t>7/21/2019</a:t>
+              <a:t>7/23/2019</a:t>
             </a:fld>
             <a:endParaRPr lang="en-US"/>
           </a:p>
@@ -2681,13 +5152,7 @@
       </p:sp>
       <p:sp>
         <p:nvSpPr>
-          <p:cNvPr id="6" name="Footer Placeholder 5">
-            <a:extLst>
-              <a:ext uri="{FF2B5EF4-FFF2-40B4-BE49-F238E27FC236}">
-                <a16:creationId xmlns:a16="http://schemas.microsoft.com/office/drawing/2014/main" id="{25ED1CB9-26EA-4C80-992C-13A32F4FFEBF}"/>
-              </a:ext>
-            </a:extLst>
-          </p:cNvPr>
+          <p:cNvPr id="6" name="Footer Placeholder 5"/>
           <p:cNvSpPr>
             <a:spLocks noGrp="1"/>
           </p:cNvSpPr>
@@ -2706,13 +5171,7 @@
       </p:sp>
       <p:sp>
         <p:nvSpPr>
-          <p:cNvPr id="7" name="Slide Number Placeholder 6">
-            <a:extLst>
-              <a:ext uri="{FF2B5EF4-FFF2-40B4-BE49-F238E27FC236}">
-                <a16:creationId xmlns:a16="http://schemas.microsoft.com/office/drawing/2014/main" id="{D256BB9E-7BCF-48B6-9305-863452210D0C}"/>
-              </a:ext>
-            </a:extLst>
-          </p:cNvPr>
+          <p:cNvPr id="7" name="Slide Number Placeholder 6"/>
           <p:cNvSpPr>
             <a:spLocks noGrp="1"/>
           </p:cNvSpPr>
@@ -2736,7 +5195,7 @@
     </p:spTree>
     <p:extLst>
       <p:ext uri="{BB962C8B-B14F-4D97-AF65-F5344CB8AC3E}">
-        <p14:creationId xmlns:p14="http://schemas.microsoft.com/office/powerpoint/2010/main" val="2197405423"/>
+        <p14:creationId xmlns:p14="http://schemas.microsoft.com/office/powerpoint/2010/main" val="1489082408"/>
       </p:ext>
     </p:extLst>
   </p:cSld>
@@ -2750,8 +5209,8 @@
 <p:sldMaster xmlns:a="http://schemas.openxmlformats.org/drawingml/2006/main" xmlns:r="http://schemas.openxmlformats.org/officeDocument/2006/relationships" xmlns:p="http://schemas.openxmlformats.org/presentationml/2006/main">
   <p:cSld>
     <p:bg>
-      <p:bgRef idx="1001">
-        <a:schemeClr val="bg1"/>
+      <p:bgRef idx="1003">
+        <a:schemeClr val="bg2"/>
       </p:bgRef>
     </p:bg>
     <p:spTree>
@@ -2770,13 +5229,7 @@
       </p:grpSpPr>
       <p:sp>
         <p:nvSpPr>
-          <p:cNvPr id="2" name="Title Placeholder 1">
-            <a:extLst>
-              <a:ext uri="{FF2B5EF4-FFF2-40B4-BE49-F238E27FC236}">
-                <a16:creationId xmlns:a16="http://schemas.microsoft.com/office/drawing/2014/main" id="{6F2BEBBF-60B9-4545-96DB-C3D7E50E6C67}"/>
-              </a:ext>
-            </a:extLst>
-          </p:cNvPr>
+          <p:cNvPr id="2" name="Title Placeholder 1"/>
           <p:cNvSpPr>
             <a:spLocks noGrp="1"/>
           </p:cNvSpPr>
@@ -2786,12 +5239,19 @@
         </p:nvSpPr>
         <p:spPr>
           <a:xfrm>
-            <a:off x="838200" y="365125"/>
-            <a:ext cx="10515600" cy="1325563"/>
+            <a:off x="913795" y="609600"/>
+            <a:ext cx="10353762" cy="970450"/>
           </a:xfrm>
           <a:prstGeom prst="rect">
             <a:avLst/>
           </a:prstGeom>
+          <a:effectLst>
+            <a:outerShdw blurRad="25400" dir="17880000">
+              <a:srgbClr val="000000">
+                <a:alpha val="46000"/>
+              </a:srgbClr>
+            </a:outerShdw>
+          </a:effectLst>
         </p:spPr>
         <p:txBody>
           <a:bodyPr vert="horz" lIns="91440" tIns="45720" rIns="91440" bIns="45720" rtlCol="0" anchor="ctr">
@@ -2803,18 +5263,13 @@
               <a:rPr lang="en-US"/>
               <a:t>Click to edit Master title style</a:t>
             </a:r>
-          </a:p>
-        </p:txBody>
-      </p:sp>
-      <p:sp>
-        <p:nvSpPr>
-          <p:cNvPr id="3" name="Text Placeholder 2">
-            <a:extLst>
-              <a:ext uri="{FF2B5EF4-FFF2-40B4-BE49-F238E27FC236}">
-                <a16:creationId xmlns:a16="http://schemas.microsoft.com/office/drawing/2014/main" id="{C1298541-9ECD-431E-8BD6-9E75BED4FF63}"/>
-              </a:ext>
-            </a:extLst>
-          </p:cNvPr>
+            <a:endParaRPr lang="en-US" dirty="0"/>
+          </a:p>
+        </p:txBody>
+      </p:sp>
+      <p:sp>
+        <p:nvSpPr>
+          <p:cNvPr id="3" name="Text Placeholder 2"/>
           <p:cNvSpPr>
             <a:spLocks noGrp="1"/>
           </p:cNvSpPr>
@@ -2824,15 +5279,22 @@
         </p:nvSpPr>
         <p:spPr>
           <a:xfrm>
-            <a:off x="838200" y="1825625"/>
-            <a:ext cx="10515600" cy="4351338"/>
+            <a:off x="913795" y="1732449"/>
+            <a:ext cx="10353762" cy="4058751"/>
           </a:xfrm>
           <a:prstGeom prst="rect">
             <a:avLst/>
           </a:prstGeom>
+          <a:effectLst>
+            <a:outerShdw blurRad="25400" dir="17880000">
+              <a:srgbClr val="000000">
+                <a:alpha val="46000"/>
+              </a:srgbClr>
+            </a:outerShdw>
+          </a:effectLst>
         </p:spPr>
         <p:txBody>
-          <a:bodyPr vert="horz" lIns="91440" tIns="45720" rIns="91440" bIns="45720" rtlCol="0">
+          <a:bodyPr vert="horz" lIns="91440" tIns="45720" rIns="91440" bIns="45720" rtlCol="0" anchor="t">
             <a:normAutofit/>
           </a:bodyPr>
           <a:lstStyle/>
@@ -2870,18 +5332,13 @@
               <a:rPr lang="en-US"/>
               <a:t>Fifth level</a:t>
             </a:r>
-          </a:p>
-        </p:txBody>
-      </p:sp>
-      <p:sp>
-        <p:nvSpPr>
-          <p:cNvPr id="4" name="Date Placeholder 3">
-            <a:extLst>
-              <a:ext uri="{FF2B5EF4-FFF2-40B4-BE49-F238E27FC236}">
-                <a16:creationId xmlns:a16="http://schemas.microsoft.com/office/drawing/2014/main" id="{58DA8F31-FD1C-46D1-B218-732CC863F0F5}"/>
-              </a:ext>
-            </a:extLst>
-          </p:cNvPr>
+            <a:endParaRPr lang="en-US" dirty="0"/>
+          </a:p>
+        </p:txBody>
+      </p:sp>
+      <p:sp>
+        <p:nvSpPr>
+          <p:cNvPr id="4" name="Date Placeholder 3"/>
           <p:cNvSpPr>
             <a:spLocks noGrp="1"/>
           </p:cNvSpPr>
@@ -2891,7 +5348,7 @@
         </p:nvSpPr>
         <p:spPr>
           <a:xfrm>
-            <a:off x="838200" y="6356350"/>
+            <a:off x="7678736" y="5883275"/>
             <a:ext cx="2743200" cy="365125"/>
           </a:xfrm>
           <a:prstGeom prst="rect">
@@ -2901,20 +5358,27 @@
         <p:txBody>
           <a:bodyPr vert="horz" lIns="91440" tIns="45720" rIns="91440" bIns="45720" rtlCol="0" anchor="ctr"/>
           <a:lstStyle>
-            <a:lvl1pPr algn="l">
-              <a:defRPr sz="1200">
+            <a:lvl1pPr algn="r">
+              <a:defRPr sz="1000">
                 <a:solidFill>
                   <a:schemeClr val="tx1">
-                    <a:tint val="75000"/>
+                    <a:lumMod val="95000"/>
                   </a:schemeClr>
                 </a:solidFill>
+                <a:effectLst>
+                  <a:outerShdw blurRad="50800" dist="38100" dir="2700000" algn="tl" rotWithShape="0">
+                    <a:schemeClr val="bg1">
+                      <a:alpha val="43000"/>
+                    </a:schemeClr>
+                  </a:outerShdw>
+                </a:effectLst>
               </a:defRPr>
             </a:lvl1pPr>
           </a:lstStyle>
           <a:p>
             <a:fld id="{6C105108-C41D-4392-B4A8-317EE9FA4421}" type="datetimeFigureOut">
               <a:rPr lang="en-US" smtClean="0"/>
-              <a:t>7/21/2019</a:t>
+              <a:t>7/23/2019</a:t>
             </a:fld>
             <a:endParaRPr lang="en-US"/>
           </a:p>
@@ -2922,13 +5386,7 @@
       </p:sp>
       <p:sp>
         <p:nvSpPr>
-          <p:cNvPr id="5" name="Footer Placeholder 4">
-            <a:extLst>
-              <a:ext uri="{FF2B5EF4-FFF2-40B4-BE49-F238E27FC236}">
-                <a16:creationId xmlns:a16="http://schemas.microsoft.com/office/drawing/2014/main" id="{51536337-85A2-40B8-9AC5-0A81195FBEF9}"/>
-              </a:ext>
-            </a:extLst>
-          </p:cNvPr>
+          <p:cNvPr id="5" name="Footer Placeholder 4"/>
           <p:cNvSpPr>
             <a:spLocks noGrp="1"/>
           </p:cNvSpPr>
@@ -2938,8 +5396,8 @@
         </p:nvSpPr>
         <p:spPr>
           <a:xfrm>
-            <a:off x="4038600" y="6356350"/>
-            <a:ext cx="4114800" cy="365125"/>
+            <a:off x="913795" y="5883275"/>
+            <a:ext cx="6672865" cy="365125"/>
           </a:xfrm>
           <a:prstGeom prst="rect">
             <a:avLst/>
@@ -2948,13 +5406,20 @@
         <p:txBody>
           <a:bodyPr vert="horz" lIns="91440" tIns="45720" rIns="91440" bIns="45720" rtlCol="0" anchor="ctr"/>
           <a:lstStyle>
-            <a:lvl1pPr algn="ctr">
-              <a:defRPr sz="1200">
+            <a:lvl1pPr algn="l">
+              <a:defRPr sz="1000">
                 <a:solidFill>
                   <a:schemeClr val="tx1">
-                    <a:tint val="75000"/>
+                    <a:lumMod val="95000"/>
                   </a:schemeClr>
                 </a:solidFill>
+                <a:effectLst>
+                  <a:outerShdw blurRad="50800" dist="38100" dir="2700000" algn="tl" rotWithShape="0">
+                    <a:schemeClr val="bg1">
+                      <a:alpha val="43000"/>
+                    </a:schemeClr>
+                  </a:outerShdw>
+                </a:effectLst>
               </a:defRPr>
             </a:lvl1pPr>
           </a:lstStyle>
@@ -2965,13 +5430,7 @@
       </p:sp>
       <p:sp>
         <p:nvSpPr>
-          <p:cNvPr id="6" name="Slide Number Placeholder 5">
-            <a:extLst>
-              <a:ext uri="{FF2B5EF4-FFF2-40B4-BE49-F238E27FC236}">
-                <a16:creationId xmlns:a16="http://schemas.microsoft.com/office/drawing/2014/main" id="{B411F5EF-9B10-424F-85A8-F11A5205FDC1}"/>
-              </a:ext>
-            </a:extLst>
-          </p:cNvPr>
+          <p:cNvPr id="6" name="Slide Number Placeholder 5"/>
           <p:cNvSpPr>
             <a:spLocks noGrp="1"/>
           </p:cNvSpPr>
@@ -2981,8 +5440,8 @@
         </p:nvSpPr>
         <p:spPr>
           <a:xfrm>
-            <a:off x="8610600" y="6356350"/>
-            <a:ext cx="2743200" cy="365125"/>
+            <a:off x="10514011" y="5883275"/>
+            <a:ext cx="753545" cy="365125"/>
           </a:xfrm>
           <a:prstGeom prst="rect">
             <a:avLst/>
@@ -2992,12 +5451,19 @@
           <a:bodyPr vert="horz" lIns="91440" tIns="45720" rIns="91440" bIns="45720" rtlCol="0" anchor="ctr"/>
           <a:lstStyle>
             <a:lvl1pPr algn="r">
-              <a:defRPr sz="1200">
+              <a:defRPr sz="1000">
                 <a:solidFill>
                   <a:schemeClr val="tx1">
-                    <a:tint val="75000"/>
+                    <a:lumMod val="95000"/>
                   </a:schemeClr>
                 </a:solidFill>
+                <a:effectLst>
+                  <a:outerShdw blurRad="50800" dist="38100" dir="2700000" algn="tl" rotWithShape="0">
+                    <a:schemeClr val="bg1">
+                      <a:alpha val="43000"/>
+                    </a:schemeClr>
+                  </a:outerShdw>
+                </a:effectLst>
               </a:defRPr>
             </a:lvl1pPr>
           </a:lstStyle>
@@ -3013,202 +5479,457 @@
     </p:spTree>
     <p:extLst>
       <p:ext uri="{BB962C8B-B14F-4D97-AF65-F5344CB8AC3E}">
-        <p14:creationId xmlns:p14="http://schemas.microsoft.com/office/powerpoint/2010/main" val="1084628197"/>
+        <p14:creationId xmlns:p14="http://schemas.microsoft.com/office/powerpoint/2010/main" val="4062538838"/>
       </p:ext>
     </p:extLst>
   </p:cSld>
-  <p:clrMap bg1="lt1" tx1="dk1" bg2="lt2" tx2="dk2" accent1="accent1" accent2="accent2" accent3="accent3" accent4="accent4" accent5="accent5" accent6="accent6" hlink="hlink" folHlink="folHlink"/>
+  <p:clrMap bg1="dk1" tx1="lt1" bg2="dk2" tx2="lt2" accent1="accent1" accent2="accent2" accent3="accent3" accent4="accent4" accent5="accent5" accent6="accent6" hlink="hlink" folHlink="folHlink"/>
   <p:sldLayoutIdLst>
-    <p:sldLayoutId id="2147483649" r:id="rId1"/>
-    <p:sldLayoutId id="2147483650" r:id="rId2"/>
-    <p:sldLayoutId id="2147483651" r:id="rId3"/>
-    <p:sldLayoutId id="2147483652" r:id="rId4"/>
-    <p:sldLayoutId id="2147483653" r:id="rId5"/>
-    <p:sldLayoutId id="2147483654" r:id="rId6"/>
-    <p:sldLayoutId id="2147483655" r:id="rId7"/>
-    <p:sldLayoutId id="2147483656" r:id="rId8"/>
-    <p:sldLayoutId id="2147483657" r:id="rId9"/>
-    <p:sldLayoutId id="2147483658" r:id="rId10"/>
-    <p:sldLayoutId id="2147483659" r:id="rId11"/>
+    <p:sldLayoutId id="2147483728" r:id="rId1"/>
+    <p:sldLayoutId id="2147483729" r:id="rId2"/>
+    <p:sldLayoutId id="2147483730" r:id="rId3"/>
+    <p:sldLayoutId id="2147483731" r:id="rId4"/>
+    <p:sldLayoutId id="2147483732" r:id="rId5"/>
+    <p:sldLayoutId id="2147483733" r:id="rId6"/>
+    <p:sldLayoutId id="2147483734" r:id="rId7"/>
+    <p:sldLayoutId id="2147483735" r:id="rId8"/>
+    <p:sldLayoutId id="2147483736" r:id="rId9"/>
+    <p:sldLayoutId id="2147483737" r:id="rId10"/>
+    <p:sldLayoutId id="2147483738" r:id="rId11"/>
+    <p:sldLayoutId id="2147483739" r:id="rId12"/>
+    <p:sldLayoutId id="2147483740" r:id="rId13"/>
+    <p:sldLayoutId id="2147483741" r:id="rId14"/>
+    <p:sldLayoutId id="2147483742" r:id="rId15"/>
+    <p:sldLayoutId id="2147483743" r:id="rId16"/>
+    <p:sldLayoutId id="2147483744" r:id="rId17"/>
   </p:sldLayoutIdLst>
   <p:txStyles>
     <p:titleStyle>
-      <a:lvl1pPr algn="l" defTabSz="914400" rtl="0" eaLnBrk="1" latinLnBrk="0" hangingPunct="1">
-        <a:lnSpc>
-          <a:spcPct val="90000"/>
-        </a:lnSpc>
+      <a:lvl1pPr algn="ctr" defTabSz="457200" rtl="0" eaLnBrk="1" latinLnBrk="0" hangingPunct="1">
         <a:spcBef>
           <a:spcPct val="0"/>
         </a:spcBef>
         <a:buNone/>
-        <a:defRPr sz="4400" kern="1200">
+        <a:defRPr sz="4000" kern="1200">
+          <a:ln>
+            <a:solidFill>
+              <a:schemeClr val="bg1">
+                <a:lumMod val="75000"/>
+                <a:lumOff val="25000"/>
+                <a:alpha val="10000"/>
+              </a:schemeClr>
+            </a:solidFill>
+          </a:ln>
           <a:solidFill>
-            <a:schemeClr val="tx1"/>
+            <a:schemeClr val="tx2"/>
           </a:solidFill>
+          <a:effectLst>
+            <a:outerShdw blurRad="9525" dist="25400" dir="14640000" algn="tl" rotWithShape="0">
+              <a:schemeClr val="bg1">
+                <a:alpha val="30000"/>
+              </a:schemeClr>
+            </a:outerShdw>
+          </a:effectLst>
           <a:latin typeface="+mj-lt"/>
           <a:ea typeface="+mj-ea"/>
-          <a:cs typeface="+mj-cs"/>
+          <a:cs typeface="Trebuchet MS"/>
         </a:defRPr>
       </a:lvl1pPr>
+      <a:lvl2pPr eaLnBrk="1" hangingPunct="1">
+        <a:defRPr>
+          <a:solidFill>
+            <a:schemeClr val="tx2"/>
+          </a:solidFill>
+        </a:defRPr>
+      </a:lvl2pPr>
+      <a:lvl3pPr eaLnBrk="1" hangingPunct="1">
+        <a:defRPr>
+          <a:solidFill>
+            <a:schemeClr val="tx2"/>
+          </a:solidFill>
+        </a:defRPr>
+      </a:lvl3pPr>
+      <a:lvl4pPr eaLnBrk="1" hangingPunct="1">
+        <a:defRPr>
+          <a:solidFill>
+            <a:schemeClr val="tx2"/>
+          </a:solidFill>
+        </a:defRPr>
+      </a:lvl4pPr>
+      <a:lvl5pPr eaLnBrk="1" hangingPunct="1">
+        <a:defRPr>
+          <a:solidFill>
+            <a:schemeClr val="tx2"/>
+          </a:solidFill>
+        </a:defRPr>
+      </a:lvl5pPr>
+      <a:lvl6pPr eaLnBrk="1" hangingPunct="1">
+        <a:defRPr>
+          <a:solidFill>
+            <a:schemeClr val="tx2"/>
+          </a:solidFill>
+        </a:defRPr>
+      </a:lvl6pPr>
+      <a:lvl7pPr eaLnBrk="1" hangingPunct="1">
+        <a:defRPr>
+          <a:solidFill>
+            <a:schemeClr val="tx2"/>
+          </a:solidFill>
+        </a:defRPr>
+      </a:lvl7pPr>
+      <a:lvl8pPr eaLnBrk="1" hangingPunct="1">
+        <a:defRPr>
+          <a:solidFill>
+            <a:schemeClr val="tx2"/>
+          </a:solidFill>
+        </a:defRPr>
+      </a:lvl8pPr>
+      <a:lvl9pPr eaLnBrk="1" hangingPunct="1">
+        <a:defRPr>
+          <a:solidFill>
+            <a:schemeClr val="tx2"/>
+          </a:solidFill>
+        </a:defRPr>
+      </a:lvl9pPr>
     </p:titleStyle>
     <p:bodyStyle>
-      <a:lvl1pPr marL="228600" indent="-228600" algn="l" defTabSz="914400" rtl="0" eaLnBrk="1" latinLnBrk="0" hangingPunct="1">
-        <a:lnSpc>
-          <a:spcPct val="90000"/>
-        </a:lnSpc>
+      <a:lvl1pPr marL="342900" indent="-306000" algn="l" defTabSz="457200" rtl="0" eaLnBrk="1" latinLnBrk="0" hangingPunct="1">
         <a:spcBef>
-          <a:spcPts val="1000"/>
+          <a:spcPct val="20000"/>
         </a:spcBef>
-        <a:buFont typeface="Arial" panose="020B0604020202020204" pitchFamily="34" charset="0"/>
-        <a:buChar char="•"/>
-        <a:defRPr sz="2800" kern="1200">
+        <a:spcAft>
+          <a:spcPts val="600"/>
+        </a:spcAft>
+        <a:buClr>
+          <a:schemeClr val="tx2"/>
+        </a:buClr>
+        <a:buSzPct val="70000"/>
+        <a:buFont typeface="Wingdings 2" charset="2"/>
+        <a:buChar char=""/>
+        <a:defRPr sz="2000" kern="1200">
+          <a:ln>
+            <a:solidFill>
+              <a:schemeClr val="bg1">
+                <a:lumMod val="75000"/>
+                <a:lumOff val="25000"/>
+                <a:alpha val="10000"/>
+              </a:schemeClr>
+            </a:solidFill>
+          </a:ln>
           <a:solidFill>
-            <a:schemeClr val="tx1"/>
+            <a:schemeClr val="tx2"/>
           </a:solidFill>
+          <a:effectLst>
+            <a:outerShdw blurRad="9525" dist="25400" dir="14640000" algn="tl" rotWithShape="0">
+              <a:schemeClr val="bg1">
+                <a:alpha val="30000"/>
+              </a:schemeClr>
+            </a:outerShdw>
+          </a:effectLst>
           <a:latin typeface="+mn-lt"/>
           <a:ea typeface="+mn-ea"/>
           <a:cs typeface="+mn-cs"/>
         </a:defRPr>
       </a:lvl1pPr>
-      <a:lvl2pPr marL="685800" indent="-228600" algn="l" defTabSz="914400" rtl="0" eaLnBrk="1" latinLnBrk="0" hangingPunct="1">
-        <a:lnSpc>
-          <a:spcPct val="90000"/>
-        </a:lnSpc>
+      <a:lvl2pPr marL="720000" indent="-270000" algn="l" defTabSz="457200" rtl="0" eaLnBrk="1" latinLnBrk="0" hangingPunct="1">
         <a:spcBef>
-          <a:spcPts val="500"/>
+          <a:spcPct val="20000"/>
         </a:spcBef>
-        <a:buFont typeface="Arial" panose="020B0604020202020204" pitchFamily="34" charset="0"/>
-        <a:buChar char="•"/>
-        <a:defRPr sz="2400" kern="1200">
+        <a:spcAft>
+          <a:spcPts val="600"/>
+        </a:spcAft>
+        <a:buClr>
+          <a:schemeClr val="tx2"/>
+        </a:buClr>
+        <a:buSzPct val="70000"/>
+        <a:buFont typeface="Wingdings 2" charset="2"/>
+        <a:buChar char=""/>
+        <a:defRPr sz="1800" kern="1200">
+          <a:ln>
+            <a:solidFill>
+              <a:schemeClr val="bg1">
+                <a:lumMod val="75000"/>
+                <a:lumOff val="25000"/>
+                <a:alpha val="10000"/>
+              </a:schemeClr>
+            </a:solidFill>
+          </a:ln>
           <a:solidFill>
-            <a:schemeClr val="tx1"/>
+            <a:schemeClr val="tx2"/>
           </a:solidFill>
+          <a:effectLst>
+            <a:outerShdw blurRad="9525" dist="25400" dir="14640000" algn="tl" rotWithShape="0">
+              <a:schemeClr val="bg1">
+                <a:alpha val="30000"/>
+              </a:schemeClr>
+            </a:outerShdw>
+          </a:effectLst>
           <a:latin typeface="+mn-lt"/>
           <a:ea typeface="+mn-ea"/>
           <a:cs typeface="+mn-cs"/>
         </a:defRPr>
       </a:lvl2pPr>
-      <a:lvl3pPr marL="1143000" indent="-228600" algn="l" defTabSz="914400" rtl="0" eaLnBrk="1" latinLnBrk="0" hangingPunct="1">
-        <a:lnSpc>
-          <a:spcPct val="90000"/>
-        </a:lnSpc>
+      <a:lvl3pPr marL="1026000" indent="-216000" algn="l" defTabSz="457200" rtl="0" eaLnBrk="1" latinLnBrk="0" hangingPunct="1">
         <a:spcBef>
-          <a:spcPts val="500"/>
+          <a:spcPct val="20000"/>
         </a:spcBef>
-        <a:buFont typeface="Arial" panose="020B0604020202020204" pitchFamily="34" charset="0"/>
-        <a:buChar char="•"/>
-        <a:defRPr sz="2000" kern="1200">
+        <a:spcAft>
+          <a:spcPts val="600"/>
+        </a:spcAft>
+        <a:buClr>
+          <a:schemeClr val="tx2"/>
+        </a:buClr>
+        <a:buSzPct val="70000"/>
+        <a:buFont typeface="Wingdings 2" charset="2"/>
+        <a:buChar char=""/>
+        <a:defRPr sz="1600" kern="1200">
+          <a:ln>
+            <a:solidFill>
+              <a:schemeClr val="bg1">
+                <a:lumMod val="75000"/>
+                <a:lumOff val="25000"/>
+                <a:alpha val="10000"/>
+              </a:schemeClr>
+            </a:solidFill>
+          </a:ln>
           <a:solidFill>
-            <a:schemeClr val="tx1"/>
+            <a:schemeClr val="tx2"/>
           </a:solidFill>
+          <a:effectLst>
+            <a:outerShdw blurRad="9525" dist="25400" dir="14640000" algn="tl" rotWithShape="0">
+              <a:schemeClr val="bg1">
+                <a:alpha val="30000"/>
+              </a:schemeClr>
+            </a:outerShdw>
+          </a:effectLst>
           <a:latin typeface="+mn-lt"/>
           <a:ea typeface="+mn-ea"/>
           <a:cs typeface="+mn-cs"/>
         </a:defRPr>
       </a:lvl3pPr>
-      <a:lvl4pPr marL="1600200" indent="-228600" algn="l" defTabSz="914400" rtl="0" eaLnBrk="1" latinLnBrk="0" hangingPunct="1">
-        <a:lnSpc>
-          <a:spcPct val="90000"/>
-        </a:lnSpc>
+      <a:lvl4pPr marL="1386000" indent="-216000" algn="l" defTabSz="457200" rtl="0" eaLnBrk="1" latinLnBrk="0" hangingPunct="1">
         <a:spcBef>
-          <a:spcPts val="500"/>
+          <a:spcPct val="20000"/>
         </a:spcBef>
-        <a:buFont typeface="Arial" panose="020B0604020202020204" pitchFamily="34" charset="0"/>
-        <a:buChar char="•"/>
-        <a:defRPr sz="1800" kern="1200">
+        <a:spcAft>
+          <a:spcPts val="600"/>
+        </a:spcAft>
+        <a:buClr>
+          <a:schemeClr val="tx2"/>
+        </a:buClr>
+        <a:buSzPct val="70000"/>
+        <a:buFont typeface="Wingdings 2" charset="2"/>
+        <a:buChar char=""/>
+        <a:defRPr sz="1400" kern="1200">
+          <a:ln>
+            <a:solidFill>
+              <a:schemeClr val="bg1">
+                <a:lumMod val="75000"/>
+                <a:lumOff val="25000"/>
+                <a:alpha val="10000"/>
+              </a:schemeClr>
+            </a:solidFill>
+          </a:ln>
           <a:solidFill>
-            <a:schemeClr val="tx1"/>
+            <a:schemeClr val="tx2"/>
           </a:solidFill>
+          <a:effectLst>
+            <a:outerShdw blurRad="9525" dist="25400" dir="14640000" algn="tl" rotWithShape="0">
+              <a:schemeClr val="bg1">
+                <a:alpha val="30000"/>
+              </a:schemeClr>
+            </a:outerShdw>
+          </a:effectLst>
           <a:latin typeface="+mn-lt"/>
           <a:ea typeface="+mn-ea"/>
           <a:cs typeface="+mn-cs"/>
         </a:defRPr>
       </a:lvl4pPr>
-      <a:lvl5pPr marL="2057400" indent="-228600" algn="l" defTabSz="914400" rtl="0" eaLnBrk="1" latinLnBrk="0" hangingPunct="1">
-        <a:lnSpc>
-          <a:spcPct val="90000"/>
-        </a:lnSpc>
+      <a:lvl5pPr marL="1674000" indent="-216000" algn="l" defTabSz="457200" rtl="0" eaLnBrk="1" latinLnBrk="0" hangingPunct="1">
         <a:spcBef>
-          <a:spcPts val="500"/>
+          <a:spcPct val="20000"/>
         </a:spcBef>
-        <a:buFont typeface="Arial" panose="020B0604020202020204" pitchFamily="34" charset="0"/>
-        <a:buChar char="•"/>
-        <a:defRPr sz="1800" kern="1200">
+        <a:spcAft>
+          <a:spcPts val="600"/>
+        </a:spcAft>
+        <a:buClr>
+          <a:schemeClr val="tx2"/>
+        </a:buClr>
+        <a:buSzPct val="70000"/>
+        <a:buFont typeface="Wingdings 2" charset="2"/>
+        <a:buChar char=""/>
+        <a:defRPr sz="1400" kern="1200">
+          <a:ln>
+            <a:solidFill>
+              <a:schemeClr val="bg1">
+                <a:lumMod val="75000"/>
+                <a:lumOff val="25000"/>
+                <a:alpha val="10000"/>
+              </a:schemeClr>
+            </a:solidFill>
+          </a:ln>
           <a:solidFill>
-            <a:schemeClr val="tx1"/>
+            <a:schemeClr val="tx2"/>
           </a:solidFill>
+          <a:effectLst>
+            <a:outerShdw blurRad="9525" dist="25400" dir="14640000" algn="tl" rotWithShape="0">
+              <a:schemeClr val="bg1">
+                <a:alpha val="30000"/>
+              </a:schemeClr>
+            </a:outerShdw>
+          </a:effectLst>
           <a:latin typeface="+mn-lt"/>
           <a:ea typeface="+mn-ea"/>
           <a:cs typeface="+mn-cs"/>
         </a:defRPr>
       </a:lvl5pPr>
-      <a:lvl6pPr marL="2514600" indent="-228600" algn="l" defTabSz="914400" rtl="0" eaLnBrk="1" latinLnBrk="0" hangingPunct="1">
-        <a:lnSpc>
-          <a:spcPct val="90000"/>
-        </a:lnSpc>
+      <a:lvl6pPr marL="2014600" indent="-228600" algn="l" defTabSz="457200" rtl="0" eaLnBrk="1" latinLnBrk="0" hangingPunct="1">
         <a:spcBef>
-          <a:spcPts val="500"/>
+          <a:spcPct val="20000"/>
         </a:spcBef>
-        <a:buFont typeface="Arial" panose="020B0604020202020204" pitchFamily="34" charset="0"/>
-        <a:buChar char="•"/>
-        <a:defRPr sz="1800" kern="1200">
+        <a:spcAft>
+          <a:spcPts val="600"/>
+        </a:spcAft>
+        <a:buClr>
+          <a:schemeClr val="tx2"/>
+        </a:buClr>
+        <a:buSzPct val="70000"/>
+        <a:buFont typeface="Wingdings 2" charset="2"/>
+        <a:buChar char=""/>
+        <a:defRPr sz="1400" kern="1200">
+          <a:ln>
+            <a:solidFill>
+              <a:schemeClr val="bg1">
+                <a:lumMod val="75000"/>
+                <a:lumOff val="25000"/>
+                <a:alpha val="10000"/>
+              </a:schemeClr>
+            </a:solidFill>
+          </a:ln>
           <a:solidFill>
-            <a:schemeClr val="tx1"/>
+            <a:schemeClr val="tx2"/>
           </a:solidFill>
+          <a:effectLst>
+            <a:outerShdw blurRad="9525" dist="25400" dir="14640000" algn="tl" rotWithShape="0">
+              <a:schemeClr val="bg1">
+                <a:alpha val="30000"/>
+              </a:schemeClr>
+            </a:outerShdw>
+          </a:effectLst>
           <a:latin typeface="+mn-lt"/>
           <a:ea typeface="+mn-ea"/>
           <a:cs typeface="+mn-cs"/>
         </a:defRPr>
       </a:lvl6pPr>
-      <a:lvl7pPr marL="2971800" indent="-228600" algn="l" defTabSz="914400" rtl="0" eaLnBrk="1" latinLnBrk="0" hangingPunct="1">
-        <a:lnSpc>
-          <a:spcPct val="90000"/>
-        </a:lnSpc>
+      <a:lvl7pPr marL="2401800" indent="-228600" algn="l" defTabSz="457200" rtl="0" eaLnBrk="1" latinLnBrk="0" hangingPunct="1">
         <a:spcBef>
-          <a:spcPts val="500"/>
+          <a:spcPct val="20000"/>
         </a:spcBef>
-        <a:buFont typeface="Arial" panose="020B0604020202020204" pitchFamily="34" charset="0"/>
-        <a:buChar char="•"/>
-        <a:defRPr sz="1800" kern="1200">
+        <a:spcAft>
+          <a:spcPts val="600"/>
+        </a:spcAft>
+        <a:buClr>
+          <a:schemeClr val="tx2"/>
+        </a:buClr>
+        <a:buSzPct val="70000"/>
+        <a:buFont typeface="Wingdings 2" charset="2"/>
+        <a:buChar char=""/>
+        <a:defRPr sz="1400" kern="1200">
+          <a:ln>
+            <a:solidFill>
+              <a:schemeClr val="bg1">
+                <a:lumMod val="75000"/>
+                <a:lumOff val="25000"/>
+                <a:alpha val="10000"/>
+              </a:schemeClr>
+            </a:solidFill>
+          </a:ln>
           <a:solidFill>
-            <a:schemeClr val="tx1"/>
+            <a:schemeClr val="tx2"/>
           </a:solidFill>
+          <a:effectLst>
+            <a:outerShdw blurRad="9525" dist="25400" dir="14640000" algn="tl" rotWithShape="0">
+              <a:schemeClr val="bg1">
+                <a:alpha val="30000"/>
+              </a:schemeClr>
+            </a:outerShdw>
+          </a:effectLst>
           <a:latin typeface="+mn-lt"/>
           <a:ea typeface="+mn-ea"/>
           <a:cs typeface="+mn-cs"/>
         </a:defRPr>
       </a:lvl7pPr>
-      <a:lvl8pPr marL="3429000" indent="-228600" algn="l" defTabSz="914400" rtl="0" eaLnBrk="1" latinLnBrk="0" hangingPunct="1">
-        <a:lnSpc>
-          <a:spcPct val="90000"/>
-        </a:lnSpc>
+      <a:lvl8pPr marL="2789000" indent="-228600" algn="l" defTabSz="457200" rtl="0" eaLnBrk="1" latinLnBrk="0" hangingPunct="1">
         <a:spcBef>
-          <a:spcPts val="500"/>
+          <a:spcPct val="20000"/>
         </a:spcBef>
-        <a:buFont typeface="Arial" panose="020B0604020202020204" pitchFamily="34" charset="0"/>
-        <a:buChar char="•"/>
-        <a:defRPr sz="1800" kern="1200">
+        <a:spcAft>
+          <a:spcPts val="600"/>
+        </a:spcAft>
+        <a:buClr>
+          <a:schemeClr val="tx2"/>
+        </a:buClr>
+        <a:buSzPct val="70000"/>
+        <a:buFont typeface="Wingdings 2" charset="2"/>
+        <a:buChar char=""/>
+        <a:defRPr sz="1400" kern="1200">
+          <a:ln>
+            <a:solidFill>
+              <a:schemeClr val="bg1">
+                <a:lumMod val="75000"/>
+                <a:lumOff val="25000"/>
+                <a:alpha val="10000"/>
+              </a:schemeClr>
+            </a:solidFill>
+          </a:ln>
           <a:solidFill>
-            <a:schemeClr val="tx1"/>
+            <a:schemeClr val="tx2"/>
           </a:solidFill>
+          <a:effectLst>
+            <a:outerShdw blurRad="9525" dist="25400" dir="14640000" algn="tl" rotWithShape="0">
+              <a:schemeClr val="bg1">
+                <a:alpha val="30000"/>
+              </a:schemeClr>
+            </a:outerShdw>
+          </a:effectLst>
           <a:latin typeface="+mn-lt"/>
           <a:ea typeface="+mn-ea"/>
           <a:cs typeface="+mn-cs"/>
         </a:defRPr>
       </a:lvl8pPr>
-      <a:lvl9pPr marL="3886200" indent="-228600" algn="l" defTabSz="914400" rtl="0" eaLnBrk="1" latinLnBrk="0" hangingPunct="1">
-        <a:lnSpc>
-          <a:spcPct val="90000"/>
-        </a:lnSpc>
+      <a:lvl9pPr marL="3106200" indent="-228600" algn="l" defTabSz="457200" rtl="0" eaLnBrk="1" latinLnBrk="0" hangingPunct="1">
         <a:spcBef>
-          <a:spcPts val="500"/>
+          <a:spcPct val="20000"/>
         </a:spcBef>
-        <a:buFont typeface="Arial" panose="020B0604020202020204" pitchFamily="34" charset="0"/>
-        <a:buChar char="•"/>
-        <a:defRPr sz="1800" kern="1200">
+        <a:spcAft>
+          <a:spcPts val="600"/>
+        </a:spcAft>
+        <a:buClr>
+          <a:schemeClr val="tx2"/>
+        </a:buClr>
+        <a:buSzPct val="70000"/>
+        <a:buFont typeface="Wingdings 2" charset="2"/>
+        <a:buChar char=""/>
+        <a:defRPr sz="1400" kern="1200">
+          <a:ln>
+            <a:solidFill>
+              <a:schemeClr val="bg1">
+                <a:lumMod val="75000"/>
+                <a:lumOff val="25000"/>
+                <a:alpha val="10000"/>
+              </a:schemeClr>
+            </a:solidFill>
+          </a:ln>
           <a:solidFill>
-            <a:schemeClr val="tx1"/>
+            <a:schemeClr val="tx2"/>
           </a:solidFill>
+          <a:effectLst>
+            <a:outerShdw blurRad="9525" dist="25400" dir="14640000" algn="tl" rotWithShape="0">
+              <a:schemeClr val="bg1">
+                <a:alpha val="30000"/>
+              </a:schemeClr>
+            </a:outerShdw>
+          </a:effectLst>
           <a:latin typeface="+mn-lt"/>
           <a:ea typeface="+mn-ea"/>
           <a:cs typeface="+mn-cs"/>
@@ -3219,7 +5940,7 @@
       <a:defPPr>
         <a:defRPr lang="en-US"/>
       </a:defPPr>
-      <a:lvl1pPr marL="0" algn="l" defTabSz="914400" rtl="0" eaLnBrk="1" latinLnBrk="0" hangingPunct="1">
+      <a:lvl1pPr marL="0" algn="l" defTabSz="457200" rtl="0" eaLnBrk="1" latinLnBrk="0" hangingPunct="1">
         <a:defRPr sz="1800" kern="1200">
           <a:solidFill>
             <a:schemeClr val="tx1"/>
@@ -3229,7 +5950,7 @@
           <a:cs typeface="+mn-cs"/>
         </a:defRPr>
       </a:lvl1pPr>
-      <a:lvl2pPr marL="457200" algn="l" defTabSz="914400" rtl="0" eaLnBrk="1" latinLnBrk="0" hangingPunct="1">
+      <a:lvl2pPr marL="457200" algn="l" defTabSz="457200" rtl="0" eaLnBrk="1" latinLnBrk="0" hangingPunct="1">
         <a:defRPr sz="1800" kern="1200">
           <a:solidFill>
             <a:schemeClr val="tx1"/>
@@ -3239,7 +5960,7 @@
           <a:cs typeface="+mn-cs"/>
         </a:defRPr>
       </a:lvl2pPr>
-      <a:lvl3pPr marL="914400" algn="l" defTabSz="914400" rtl="0" eaLnBrk="1" latinLnBrk="0" hangingPunct="1">
+      <a:lvl3pPr marL="914400" algn="l" defTabSz="457200" rtl="0" eaLnBrk="1" latinLnBrk="0" hangingPunct="1">
         <a:defRPr sz="1800" kern="1200">
           <a:solidFill>
             <a:schemeClr val="tx1"/>
@@ -3249,7 +5970,7 @@
           <a:cs typeface="+mn-cs"/>
         </a:defRPr>
       </a:lvl3pPr>
-      <a:lvl4pPr marL="1371600" algn="l" defTabSz="914400" rtl="0" eaLnBrk="1" latinLnBrk="0" hangingPunct="1">
+      <a:lvl4pPr marL="1371600" algn="l" defTabSz="457200" rtl="0" eaLnBrk="1" latinLnBrk="0" hangingPunct="1">
         <a:defRPr sz="1800" kern="1200">
           <a:solidFill>
             <a:schemeClr val="tx1"/>
@@ -3259,7 +5980,7 @@
           <a:cs typeface="+mn-cs"/>
         </a:defRPr>
       </a:lvl4pPr>
-      <a:lvl5pPr marL="1828800" algn="l" defTabSz="914400" rtl="0" eaLnBrk="1" latinLnBrk="0" hangingPunct="1">
+      <a:lvl5pPr marL="1828800" algn="l" defTabSz="457200" rtl="0" eaLnBrk="1" latinLnBrk="0" hangingPunct="1">
         <a:defRPr sz="1800" kern="1200">
           <a:solidFill>
             <a:schemeClr val="tx1"/>
@@ -3269,7 +5990,7 @@
           <a:cs typeface="+mn-cs"/>
         </a:defRPr>
       </a:lvl5pPr>
-      <a:lvl6pPr marL="2286000" algn="l" defTabSz="914400" rtl="0" eaLnBrk="1" latinLnBrk="0" hangingPunct="1">
+      <a:lvl6pPr marL="2286000" algn="l" defTabSz="457200" rtl="0" eaLnBrk="1" latinLnBrk="0" hangingPunct="1">
         <a:defRPr sz="1800" kern="1200">
           <a:solidFill>
             <a:schemeClr val="tx1"/>
@@ -3279,7 +6000,7 @@
           <a:cs typeface="+mn-cs"/>
         </a:defRPr>
       </a:lvl6pPr>
-      <a:lvl7pPr marL="2743200" algn="l" defTabSz="914400" rtl="0" eaLnBrk="1" latinLnBrk="0" hangingPunct="1">
+      <a:lvl7pPr marL="2743200" algn="l" defTabSz="457200" rtl="0" eaLnBrk="1" latinLnBrk="0" hangingPunct="1">
         <a:defRPr sz="1800" kern="1200">
           <a:solidFill>
             <a:schemeClr val="tx1"/>
@@ -3289,7 +6010,7 @@
           <a:cs typeface="+mn-cs"/>
         </a:defRPr>
       </a:lvl7pPr>
-      <a:lvl8pPr marL="3200400" algn="l" defTabSz="914400" rtl="0" eaLnBrk="1" latinLnBrk="0" hangingPunct="1">
+      <a:lvl8pPr marL="3200400" algn="l" defTabSz="457200" rtl="0" eaLnBrk="1" latinLnBrk="0" hangingPunct="1">
         <a:defRPr sz="1800" kern="1200">
           <a:solidFill>
             <a:schemeClr val="tx1"/>
@@ -3299,7 +6020,7 @@
           <a:cs typeface="+mn-cs"/>
         </a:defRPr>
       </a:lvl8pPr>
-      <a:lvl9pPr marL="3657600" algn="l" defTabSz="914400" rtl="0" eaLnBrk="1" latinLnBrk="0" hangingPunct="1">
+      <a:lvl9pPr marL="3657600" algn="l" defTabSz="457200" rtl="0" eaLnBrk="1" latinLnBrk="0" hangingPunct="1">
         <a:defRPr sz="1800" kern="1200">
           <a:solidFill>
             <a:schemeClr val="tx1"/>
@@ -3311,6 +6032,11 @@
       </a:lvl9pPr>
     </p:otherStyle>
   </p:txStyles>
+  <p:extLst>
+    <p:ext uri="{27BBF7A9-308A-43DC-89C8-2F10F3537804}">
+      <p15:sldGuideLst xmlns:p15="http://schemas.microsoft.com/office/powerpoint/2012/main"/>
+    </p:ext>
+  </p:extLst>
 </p:sldMaster>
 </file>
 
@@ -3347,20 +6073,20 @@
             <p:ph type="ctrTitle"/>
           </p:nvPr>
         </p:nvSpPr>
-        <p:spPr/>
+        <p:spPr>
+          <a:xfrm>
+            <a:off x="1370693" y="1781897"/>
+            <a:ext cx="9440034" cy="1828801"/>
+          </a:xfrm>
+        </p:spPr>
         <p:txBody>
           <a:bodyPr/>
           <a:lstStyle/>
           <a:p>
             <a:r>
               <a:rPr lang="en-US" dirty="0"/>
-              <a:t>Web Scraping </a:t>
-            </a:r>
-            <a:r>
-              <a:rPr lang="en-US" dirty="0" err="1"/>
-              <a:t>WhaleWisdom</a:t>
-            </a:r>
-            <a:endParaRPr lang="en-US" dirty="0"/>
+              <a:t>Web Scraping WhaleWisdom</a:t>
+            </a:r>
           </a:p>
         </p:txBody>
       </p:sp>
@@ -3382,7 +6108,9 @@
         </p:nvSpPr>
         <p:spPr/>
         <p:txBody>
-          <a:bodyPr/>
+          <a:bodyPr>
+            <a:normAutofit/>
+          </a:bodyPr>
           <a:lstStyle/>
           <a:p>
             <a:r>
@@ -3444,7 +6172,12 @@
             <p:ph type="title"/>
           </p:nvPr>
         </p:nvSpPr>
-        <p:spPr/>
+        <p:spPr>
+          <a:xfrm>
+            <a:off x="913795" y="988540"/>
+            <a:ext cx="10353762" cy="852616"/>
+          </a:xfrm>
+        </p:spPr>
         <p:txBody>
           <a:bodyPr>
             <a:normAutofit fontScale="90000"/>
@@ -3453,7 +6186,7 @@
           <a:p>
             <a:r>
               <a:rPr lang="en-US" dirty="0"/>
-              <a:t>Is there correlation between institutional investor buying and stock returns in Anaplan (NYSE:PLAN)?</a:t>
+              <a:t>Is there correlation between institutional investor behavior and stock returns in Anaplan (NYSE:PLAN)?</a:t>
             </a:r>
           </a:p>
         </p:txBody>
@@ -3474,10 +6207,23 @@
             <p:ph idx="1"/>
           </p:nvPr>
         </p:nvSpPr>
-        <p:spPr/>
-        <p:txBody>
-          <a:bodyPr/>
-          <a:lstStyle/>
+        <p:spPr>
+          <a:xfrm>
+            <a:off x="913795" y="2440903"/>
+            <a:ext cx="10353762" cy="4058751"/>
+          </a:xfrm>
+        </p:spPr>
+        <p:txBody>
+          <a:bodyPr>
+            <a:normAutofit fontScale="92500" lnSpcReduction="20000"/>
+          </a:bodyPr>
+          <a:lstStyle/>
+          <a:p>
+            <a:r>
+              <a:rPr lang="en-US" dirty="0"/>
+              <a:t>WhaleWisdom is a website that aggregates 13F filing data from institutional investment firms (quarterly stock holdings)</a:t>
+            </a:r>
+          </a:p>
           <a:p>
             <a:r>
               <a:rPr lang="en-US" dirty="0"/>
@@ -3535,7 +6281,7 @@
             <a:pPr lvl="1"/>
             <a:r>
               <a:rPr lang="en-US" dirty="0"/>
-              <a:t>What type of institutions help predict returns or are useful to be invest alongside for certain styles (ex. VCs for long-term investors)</a:t>
+              <a:t>What type of institutions help predict returns or are useful to invest alongside for certain styles (ex. VCs for long-term investors)</a:t>
             </a:r>
           </a:p>
         </p:txBody>
@@ -3593,15 +6339,7 @@
           <a:p>
             <a:r>
               <a:rPr lang="en-US" dirty="0"/>
-              <a:t>Web Scraping </a:t>
-            </a:r>
-            <a:r>
-              <a:rPr lang="en-US" dirty="0" err="1"/>
-              <a:t>WhaleWisdom</a:t>
-            </a:r>
-            <a:r>
-              <a:rPr lang="en-US" dirty="0"/>
-              <a:t> with Selenium</a:t>
+              <a:t>Web Scraping WhaleWisdom with Selenium</a:t>
             </a:r>
           </a:p>
         </p:txBody>
@@ -3705,10 +6443,38 @@
       </p:grpSpPr>
       <p:sp>
         <p:nvSpPr>
+          <p:cNvPr id="2" name="Title 1">
+            <a:extLst>
+              <a:ext uri="{FF2B5EF4-FFF2-40B4-BE49-F238E27FC236}">
+                <a16:creationId xmlns:a16="http://schemas.microsoft.com/office/drawing/2014/main" id="{BC908CC3-095E-491D-84CE-41303F9EFE97}"/>
+              </a:ext>
+            </a:extLst>
+          </p:cNvPr>
+          <p:cNvSpPr>
+            <a:spLocks noGrp="1"/>
+          </p:cNvSpPr>
+          <p:nvPr>
+            <p:ph type="title"/>
+          </p:nvPr>
+        </p:nvSpPr>
+        <p:spPr/>
+        <p:txBody>
+          <a:bodyPr/>
+          <a:lstStyle/>
+          <a:p>
+            <a:r>
+              <a:rPr lang="en-US" dirty="0"/>
+              <a:t>Problems Encountered</a:t>
+            </a:r>
+          </a:p>
+        </p:txBody>
+      </p:sp>
+      <p:sp>
+        <p:nvSpPr>
           <p:cNvPr id="3" name="Content Placeholder 2">
             <a:extLst>
               <a:ext uri="{FF2B5EF4-FFF2-40B4-BE49-F238E27FC236}">
-                <a16:creationId xmlns:a16="http://schemas.microsoft.com/office/drawing/2014/main" id="{BD708850-916F-48B4-ABA7-3201A0F3A450}"/>
+                <a16:creationId xmlns:a16="http://schemas.microsoft.com/office/drawing/2014/main" id="{C3675A2F-AC5F-4B06-A751-0EA277A9A8AF}"/>
               </a:ext>
             </a:extLst>
           </p:cNvPr>
@@ -3721,8 +6487,8 @@
         </p:nvSpPr>
         <p:spPr>
           <a:xfrm>
-            <a:off x="739346" y="95679"/>
-            <a:ext cx="10515600" cy="4351338"/>
+            <a:off x="913795" y="1732449"/>
+            <a:ext cx="10353762" cy="5125551"/>
           </a:xfrm>
         </p:spPr>
         <p:txBody>
@@ -3731,51 +6497,30 @@
           <a:p>
             <a:r>
               <a:rPr lang="en-US" dirty="0"/>
-              <a:t>158 filers were included in this dataset, including institutions ranging from large asset managers of ETF indexes, hedge funds, venture capital firms, and even corporations like Salesforce. </a:t>
+              <a:t>Besides the data outputting to the csv file being unreadable and/or corrupted, there were several other problems</a:t>
             </a:r>
           </a:p>
           <a:p>
             <a:r>
               <a:rPr lang="en-US" dirty="0"/>
-              <a:t>The highest concentration on a portfolio level seems to be from venture capital funds like Shasta Ventures </a:t>
-            </a:r>
-          </a:p>
-        </p:txBody>
-      </p:sp>
-      <p:pic>
-        <p:nvPicPr>
-          <p:cNvPr id="4" name="Picture 3">
-            <a:extLst>
-              <a:ext uri="{FF2B5EF4-FFF2-40B4-BE49-F238E27FC236}">
-                <a16:creationId xmlns:a16="http://schemas.microsoft.com/office/drawing/2014/main" id="{F48C8FF7-5D2B-4247-8A06-43088323C9A7}"/>
-              </a:ext>
-            </a:extLst>
-          </p:cNvPr>
-          <p:cNvPicPr>
-            <a:picLocks noChangeAspect="1"/>
-          </p:cNvPicPr>
-          <p:nvPr/>
-        </p:nvPicPr>
-        <p:blipFill>
-          <a:blip r:embed="rId2"/>
-          <a:stretch>
-            <a:fillRect/>
-          </a:stretch>
-        </p:blipFill>
-        <p:spPr>
-          <a:xfrm>
-            <a:off x="866775" y="2174788"/>
-            <a:ext cx="10458450" cy="4683211"/>
-          </a:xfrm>
-          <a:prstGeom prst="rect">
-            <a:avLst/>
-          </a:prstGeom>
-        </p:spPr>
-      </p:pic>
+              <a:t>I had to manually scroll and tried to put it into my code to automate the scrolling but it didn’t improve the scraping</a:t>
+            </a:r>
+          </a:p>
+          <a:p>
+            <a:r>
+              <a:rPr lang="en-US" dirty="0"/>
+              <a:t>The data was in a table and I tried to scrape the entire table which wouldn’t allow me to loop/iterate, row output was also unreadable even when put into a loop or iterated</a:t>
+            </a:r>
+          </a:p>
+          <a:p>
+            <a:endParaRPr lang="en-US" dirty="0"/>
+          </a:p>
+        </p:txBody>
+      </p:sp>
     </p:spTree>
     <p:extLst>
       <p:ext uri="{BB962C8B-B14F-4D97-AF65-F5344CB8AC3E}">
-        <p14:creationId xmlns:p14="http://schemas.microsoft.com/office/powerpoint/2010/main" val="2257446609"/>
+        <p14:creationId xmlns:p14="http://schemas.microsoft.com/office/powerpoint/2010/main" val="3645585621"/>
       </p:ext>
     </p:extLst>
   </p:cSld>
@@ -3804,10 +6549,10 @@
       </p:grpSpPr>
       <p:sp>
         <p:nvSpPr>
-          <p:cNvPr id="2" name="Title 1">
+          <p:cNvPr id="3" name="Content Placeholder 2">
             <a:extLst>
               <a:ext uri="{FF2B5EF4-FFF2-40B4-BE49-F238E27FC236}">
-                <a16:creationId xmlns:a16="http://schemas.microsoft.com/office/drawing/2014/main" id="{25F65817-2A6A-4D9F-A839-F7A7954F8C11}"/>
+                <a16:creationId xmlns:a16="http://schemas.microsoft.com/office/drawing/2014/main" id="{BD708850-916F-48B4-ABA7-3201A0F3A450}"/>
               </a:ext>
             </a:extLst>
           </p:cNvPr>
@@ -3815,84 +6560,68 @@
             <a:spLocks noGrp="1"/>
           </p:cNvSpPr>
           <p:nvPr>
-            <p:ph type="title"/>
-          </p:nvPr>
-        </p:nvSpPr>
-        <p:spPr/>
-        <p:txBody>
-          <a:bodyPr/>
+            <p:ph idx="1"/>
+          </p:nvPr>
+        </p:nvSpPr>
+        <p:spPr>
+          <a:xfrm>
+            <a:off x="739346" y="108036"/>
+            <a:ext cx="10515600" cy="2079109"/>
+          </a:xfrm>
+        </p:spPr>
+        <p:txBody>
+          <a:bodyPr>
+            <a:normAutofit/>
+          </a:bodyPr>
           <a:lstStyle/>
           <a:p>
             <a:r>
               <a:rPr lang="en-US" dirty="0"/>
-              <a:t>If I was able to scrape the data</a:t>
-            </a:r>
-          </a:p>
-        </p:txBody>
-      </p:sp>
-      <p:sp>
-        <p:nvSpPr>
-          <p:cNvPr id="3" name="Content Placeholder 2">
+              <a:t>158 filers were included in this dataset, including institutions ranging from large asset managers of ETF indexes and mutual funds, venture capital firms, even large corporations like Salesforce</a:t>
+            </a:r>
+          </a:p>
+          <a:p>
+            <a:r>
+              <a:rPr lang="en-US" dirty="0"/>
+              <a:t>The highest concentration on a portfolio level seems to be from venture capital firms like Shasta Ventures, other VC firms, and hedge funds like Coatue Management</a:t>
+            </a:r>
+          </a:p>
+        </p:txBody>
+      </p:sp>
+      <p:pic>
+        <p:nvPicPr>
+          <p:cNvPr id="4" name="Picture 3">
             <a:extLst>
               <a:ext uri="{FF2B5EF4-FFF2-40B4-BE49-F238E27FC236}">
-                <a16:creationId xmlns:a16="http://schemas.microsoft.com/office/drawing/2014/main" id="{E050F6A3-EEB6-4C2B-B44D-C31790434B29}"/>
+                <a16:creationId xmlns:a16="http://schemas.microsoft.com/office/drawing/2014/main" id="{F48C8FF7-5D2B-4247-8A06-43088323C9A7}"/>
               </a:ext>
             </a:extLst>
           </p:cNvPr>
-          <p:cNvSpPr>
-            <a:spLocks noGrp="1"/>
-          </p:cNvSpPr>
-          <p:nvPr>
-            <p:ph idx="1"/>
-          </p:nvPr>
-        </p:nvSpPr>
-        <p:spPr/>
-        <p:txBody>
-          <a:bodyPr>
-            <a:normAutofit fontScale="92500" lnSpcReduction="20000"/>
-          </a:bodyPr>
-          <a:lstStyle/>
-          <a:p>
-            <a:r>
-              <a:rPr lang="en-US" dirty="0"/>
-              <a:t>I would have created visualizations of the types of firms that were involved as shareholders of Anaplan. </a:t>
-            </a:r>
-          </a:p>
-          <a:p>
-            <a:r>
-              <a:rPr lang="en-US" dirty="0"/>
-              <a:t>I would have tried to come up with the profile of the “average” Anaplan shareholder. </a:t>
-            </a:r>
-          </a:p>
-          <a:p>
-            <a:r>
-              <a:rPr lang="en-US" dirty="0"/>
-              <a:t>I would have tried to see if institutional buying or selling correlated with positive or negative stock returns. </a:t>
-            </a:r>
-          </a:p>
-          <a:p>
-            <a:r>
-              <a:rPr lang="en-US" dirty="0"/>
-              <a:t>After trying to assess correlation I would have tried to split the institutions into types based on similarities, to see if venture capital firms, hedge funds, or asset managers had predictive power vs. another group of institutional investors</a:t>
-            </a:r>
-          </a:p>
-          <a:p>
-            <a:r>
-              <a:rPr lang="en-US" dirty="0"/>
-              <a:t>I would have also tried to understand when selling was for economic and non-economic reasons, as I think that would be a huge confounding factor in the dataset that would obscure a lot of the </a:t>
-            </a:r>
-            <a:r>
-              <a:rPr lang="en-US"/>
-              <a:t>potential insights</a:t>
-            </a:r>
-            <a:endParaRPr lang="en-US" dirty="0"/>
-          </a:p>
-        </p:txBody>
-      </p:sp>
+          <p:cNvPicPr>
+            <a:picLocks noChangeAspect="1"/>
+          </p:cNvPicPr>
+          <p:nvPr/>
+        </p:nvPicPr>
+        <p:blipFill>
+          <a:blip r:embed="rId2"/>
+          <a:stretch>
+            <a:fillRect/>
+          </a:stretch>
+        </p:blipFill>
+        <p:spPr>
+          <a:xfrm>
+            <a:off x="866775" y="2174788"/>
+            <a:ext cx="10458450" cy="4683212"/>
+          </a:xfrm>
+          <a:prstGeom prst="rect">
+            <a:avLst/>
+          </a:prstGeom>
+        </p:spPr>
+      </p:pic>
     </p:spTree>
     <p:extLst>
       <p:ext uri="{BB962C8B-B14F-4D97-AF65-F5344CB8AC3E}">
-        <p14:creationId xmlns:p14="http://schemas.microsoft.com/office/powerpoint/2010/main" val="2150713098"/>
+        <p14:creationId xmlns:p14="http://schemas.microsoft.com/office/powerpoint/2010/main" val="2257446609"/>
       </p:ext>
     </p:extLst>
   </p:cSld>
@@ -3924,6 +6653,332 @@
           <p:cNvPr id="2" name="Title 1">
             <a:extLst>
               <a:ext uri="{FF2B5EF4-FFF2-40B4-BE49-F238E27FC236}">
+                <a16:creationId xmlns:a16="http://schemas.microsoft.com/office/drawing/2014/main" id="{C63EE78A-8DC1-4B05-BFE6-C8A7A8DD79B1}"/>
+              </a:ext>
+            </a:extLst>
+          </p:cNvPr>
+          <p:cNvSpPr>
+            <a:spLocks noGrp="1"/>
+          </p:cNvSpPr>
+          <p:nvPr>
+            <p:ph type="title"/>
+          </p:nvPr>
+        </p:nvSpPr>
+        <p:spPr/>
+        <p:txBody>
+          <a:bodyPr/>
+          <a:lstStyle/>
+          <a:p>
+            <a:r>
+              <a:rPr lang="en-US" dirty="0"/>
+              <a:t>Other Types of Institutional Shareholders</a:t>
+            </a:r>
+          </a:p>
+        </p:txBody>
+      </p:sp>
+      <p:sp>
+        <p:nvSpPr>
+          <p:cNvPr id="3" name="Content Placeholder 2">
+            <a:extLst>
+              <a:ext uri="{FF2B5EF4-FFF2-40B4-BE49-F238E27FC236}">
+                <a16:creationId xmlns:a16="http://schemas.microsoft.com/office/drawing/2014/main" id="{60EBC525-7B4B-40F5-9144-3B4E7D6C2D4E}"/>
+              </a:ext>
+            </a:extLst>
+          </p:cNvPr>
+          <p:cNvSpPr>
+            <a:spLocks noGrp="1"/>
+          </p:cNvSpPr>
+          <p:nvPr>
+            <p:ph idx="1"/>
+          </p:nvPr>
+        </p:nvSpPr>
+        <p:spPr/>
+        <p:txBody>
+          <a:bodyPr/>
+          <a:lstStyle/>
+          <a:p>
+            <a:endParaRPr lang="en-US"/>
+          </a:p>
+        </p:txBody>
+      </p:sp>
+      <p:pic>
+        <p:nvPicPr>
+          <p:cNvPr id="4" name="Picture 3">
+            <a:extLst>
+              <a:ext uri="{FF2B5EF4-FFF2-40B4-BE49-F238E27FC236}">
+                <a16:creationId xmlns:a16="http://schemas.microsoft.com/office/drawing/2014/main" id="{2FDA3A5D-CB85-4AE5-B9E9-9D1F27D63D93}"/>
+              </a:ext>
+            </a:extLst>
+          </p:cNvPr>
+          <p:cNvPicPr>
+            <a:picLocks noChangeAspect="1"/>
+          </p:cNvPicPr>
+          <p:nvPr/>
+        </p:nvPicPr>
+        <p:blipFill>
+          <a:blip r:embed="rId2"/>
+          <a:stretch>
+            <a:fillRect/>
+          </a:stretch>
+        </p:blipFill>
+        <p:spPr>
+          <a:xfrm>
+            <a:off x="630194" y="1690688"/>
+            <a:ext cx="10997513" cy="5167312"/>
+          </a:xfrm>
+          <a:prstGeom prst="rect">
+            <a:avLst/>
+          </a:prstGeom>
+        </p:spPr>
+      </p:pic>
+    </p:spTree>
+    <p:extLst>
+      <p:ext uri="{BB962C8B-B14F-4D97-AF65-F5344CB8AC3E}">
+        <p14:creationId xmlns:p14="http://schemas.microsoft.com/office/powerpoint/2010/main" val="3735833653"/>
+      </p:ext>
+    </p:extLst>
+  </p:cSld>
+  <p:clrMapOvr>
+    <a:masterClrMapping/>
+  </p:clrMapOvr>
+</p:sld>
+</file>
+
+<file path=ppt/slides/slide7.xml><?xml version="1.0" encoding="utf-8"?>
+<p:sld xmlns:a="http://schemas.openxmlformats.org/drawingml/2006/main" xmlns:r="http://schemas.openxmlformats.org/officeDocument/2006/relationships" xmlns:p="http://schemas.openxmlformats.org/presentationml/2006/main">
+  <p:cSld>
+    <p:spTree>
+      <p:nvGrpSpPr>
+        <p:cNvPr id="1" name=""/>
+        <p:cNvGrpSpPr/>
+        <p:nvPr/>
+      </p:nvGrpSpPr>
+      <p:grpSpPr>
+        <a:xfrm>
+          <a:off x="0" y="0"/>
+          <a:ext cx="0" cy="0"/>
+          <a:chOff x="0" y="0"/>
+          <a:chExt cx="0" cy="0"/>
+        </a:xfrm>
+      </p:grpSpPr>
+      <p:sp>
+        <p:nvSpPr>
+          <p:cNvPr id="2" name="Title 1">
+            <a:extLst>
+              <a:ext uri="{FF2B5EF4-FFF2-40B4-BE49-F238E27FC236}">
+                <a16:creationId xmlns:a16="http://schemas.microsoft.com/office/drawing/2014/main" id="{25F65817-2A6A-4D9F-A839-F7A7954F8C11}"/>
+              </a:ext>
+            </a:extLst>
+          </p:cNvPr>
+          <p:cNvSpPr>
+            <a:spLocks noGrp="1"/>
+          </p:cNvSpPr>
+          <p:nvPr>
+            <p:ph type="title"/>
+          </p:nvPr>
+        </p:nvSpPr>
+        <p:spPr/>
+        <p:txBody>
+          <a:bodyPr/>
+          <a:lstStyle/>
+          <a:p>
+            <a:r>
+              <a:rPr lang="en-US" dirty="0"/>
+              <a:t>If I was able to scrape the data</a:t>
+            </a:r>
+          </a:p>
+        </p:txBody>
+      </p:sp>
+      <p:sp>
+        <p:nvSpPr>
+          <p:cNvPr id="3" name="Content Placeholder 2">
+            <a:extLst>
+              <a:ext uri="{FF2B5EF4-FFF2-40B4-BE49-F238E27FC236}">
+                <a16:creationId xmlns:a16="http://schemas.microsoft.com/office/drawing/2014/main" id="{E050F6A3-EEB6-4C2B-B44D-C31790434B29}"/>
+              </a:ext>
+            </a:extLst>
+          </p:cNvPr>
+          <p:cNvSpPr>
+            <a:spLocks noGrp="1"/>
+          </p:cNvSpPr>
+          <p:nvPr>
+            <p:ph idx="1"/>
+          </p:nvPr>
+        </p:nvSpPr>
+        <p:spPr/>
+        <p:txBody>
+          <a:bodyPr>
+            <a:normAutofit/>
+          </a:bodyPr>
+          <a:lstStyle/>
+          <a:p>
+            <a:r>
+              <a:rPr lang="en-US" dirty="0"/>
+              <a:t>I would have created visualizations of the types of firms that were involved as shareholders of Anaplan. </a:t>
+            </a:r>
+          </a:p>
+          <a:p>
+            <a:r>
+              <a:rPr lang="en-US" dirty="0"/>
+              <a:t>I would have tried to come up with the profile of the “average” Anaplan shareholder. </a:t>
+            </a:r>
+          </a:p>
+          <a:p>
+            <a:r>
+              <a:rPr lang="en-US" dirty="0"/>
+              <a:t>I would have tried to see if institutional buying or selling correlated with positive or negative stock returns. </a:t>
+            </a:r>
+          </a:p>
+          <a:p>
+            <a:r>
+              <a:rPr lang="en-US" dirty="0"/>
+              <a:t>I would have also tried to understand when selling was for economic and non-economic reasons, as I think that would be a huge confounding factor in the dataset that would obscure a lot of the potential insights</a:t>
+            </a:r>
+          </a:p>
+        </p:txBody>
+      </p:sp>
+    </p:spTree>
+    <p:extLst>
+      <p:ext uri="{BB962C8B-B14F-4D97-AF65-F5344CB8AC3E}">
+        <p14:creationId xmlns:p14="http://schemas.microsoft.com/office/powerpoint/2010/main" val="2150713098"/>
+      </p:ext>
+    </p:extLst>
+  </p:cSld>
+  <p:clrMapOvr>
+    <a:masterClrMapping/>
+  </p:clrMapOvr>
+</p:sld>
+</file>
+
+<file path=ppt/slides/slide8.xml><?xml version="1.0" encoding="utf-8"?>
+<p:sld xmlns:a="http://schemas.openxmlformats.org/drawingml/2006/main" xmlns:r="http://schemas.openxmlformats.org/officeDocument/2006/relationships" xmlns:p="http://schemas.openxmlformats.org/presentationml/2006/main">
+  <p:cSld>
+    <p:spTree>
+      <p:nvGrpSpPr>
+        <p:cNvPr id="1" name=""/>
+        <p:cNvGrpSpPr/>
+        <p:nvPr/>
+      </p:nvGrpSpPr>
+      <p:grpSpPr>
+        <a:xfrm>
+          <a:off x="0" y="0"/>
+          <a:ext cx="0" cy="0"/>
+          <a:chOff x="0" y="0"/>
+          <a:chExt cx="0" cy="0"/>
+        </a:xfrm>
+      </p:grpSpPr>
+      <p:sp>
+        <p:nvSpPr>
+          <p:cNvPr id="2" name="Title 1">
+            <a:extLst>
+              <a:ext uri="{FF2B5EF4-FFF2-40B4-BE49-F238E27FC236}">
+                <a16:creationId xmlns:a16="http://schemas.microsoft.com/office/drawing/2014/main" id="{AC78F7AC-572F-4B7F-AA9C-FFC6E6ECF11B}"/>
+              </a:ext>
+            </a:extLst>
+          </p:cNvPr>
+          <p:cNvSpPr>
+            <a:spLocks noGrp="1"/>
+          </p:cNvSpPr>
+          <p:nvPr>
+            <p:ph type="title"/>
+          </p:nvPr>
+        </p:nvSpPr>
+        <p:spPr/>
+        <p:txBody>
+          <a:bodyPr/>
+          <a:lstStyle/>
+          <a:p>
+            <a:r>
+              <a:rPr lang="en-US" dirty="0"/>
+              <a:t>Future Work</a:t>
+            </a:r>
+          </a:p>
+        </p:txBody>
+      </p:sp>
+      <p:sp>
+        <p:nvSpPr>
+          <p:cNvPr id="3" name="Content Placeholder 2">
+            <a:extLst>
+              <a:ext uri="{FF2B5EF4-FFF2-40B4-BE49-F238E27FC236}">
+                <a16:creationId xmlns:a16="http://schemas.microsoft.com/office/drawing/2014/main" id="{23D80C41-6528-4733-8D32-0828586B932A}"/>
+              </a:ext>
+            </a:extLst>
+          </p:cNvPr>
+          <p:cNvSpPr>
+            <a:spLocks noGrp="1"/>
+          </p:cNvSpPr>
+          <p:nvPr>
+            <p:ph idx="1"/>
+          </p:nvPr>
+        </p:nvSpPr>
+        <p:spPr/>
+        <p:txBody>
+          <a:bodyPr/>
+          <a:lstStyle/>
+          <a:p>
+            <a:r>
+              <a:rPr lang="en-US" dirty="0"/>
+              <a:t>If things were working properly, I would like to extend this work to be able to look at other 13F filing data on lots of other companies and for lots of other shareholders.</a:t>
+            </a:r>
+          </a:p>
+          <a:p>
+            <a:r>
+              <a:rPr lang="en-US" dirty="0"/>
+              <a:t>There could be identifiable trends that have predictive power in the case of future stock returns, although this may already be arbitraged away. </a:t>
+            </a:r>
+          </a:p>
+          <a:p>
+            <a:r>
+              <a:rPr lang="en-US" dirty="0"/>
+              <a:t>It would be interesting to test a lot of quantitative factors against the types of institutional buyers and see if you could create a profile of different types of investment firms based on factor style.  </a:t>
+            </a:r>
+          </a:p>
+          <a:p>
+            <a:r>
+              <a:rPr lang="en-US" dirty="0"/>
+              <a:t>Try to see if there is a correlation between  institutional buying/selling and future returns. Split these results into groups by type of investment firm to investigate further.</a:t>
+            </a:r>
+          </a:p>
+          <a:p>
+            <a:endParaRPr lang="en-US" dirty="0"/>
+          </a:p>
+        </p:txBody>
+      </p:sp>
+    </p:spTree>
+    <p:extLst>
+      <p:ext uri="{BB962C8B-B14F-4D97-AF65-F5344CB8AC3E}">
+        <p14:creationId xmlns:p14="http://schemas.microsoft.com/office/powerpoint/2010/main" val="475859063"/>
+      </p:ext>
+    </p:extLst>
+  </p:cSld>
+  <p:clrMapOvr>
+    <a:masterClrMapping/>
+  </p:clrMapOvr>
+</p:sld>
+</file>
+
+<file path=ppt/slides/slide9.xml><?xml version="1.0" encoding="utf-8"?>
+<p:sld xmlns:a="http://schemas.openxmlformats.org/drawingml/2006/main" xmlns:r="http://schemas.openxmlformats.org/officeDocument/2006/relationships" xmlns:p="http://schemas.openxmlformats.org/presentationml/2006/main">
+  <p:cSld>
+    <p:spTree>
+      <p:nvGrpSpPr>
+        <p:cNvPr id="1" name=""/>
+        <p:cNvGrpSpPr/>
+        <p:nvPr/>
+      </p:nvGrpSpPr>
+      <p:grpSpPr>
+        <a:xfrm>
+          <a:off x="0" y="0"/>
+          <a:ext cx="0" cy="0"/>
+          <a:chOff x="0" y="0"/>
+          <a:chExt cx="0" cy="0"/>
+        </a:xfrm>
+      </p:grpSpPr>
+      <p:sp>
+        <p:nvSpPr>
+          <p:cNvPr id="2" name="Title 1">
+            <a:extLst>
+              <a:ext uri="{FF2B5EF4-FFF2-40B4-BE49-F238E27FC236}">
                 <a16:creationId xmlns:a16="http://schemas.microsoft.com/office/drawing/2014/main" id="{E72387CF-9618-45AE-A79B-46AEEF31A00D}"/>
               </a:ext>
             </a:extLst>
@@ -3963,14 +7018,21 @@
             <p:ph idx="1"/>
           </p:nvPr>
         </p:nvSpPr>
-        <p:spPr/>
-        <p:txBody>
-          <a:bodyPr/>
+        <p:spPr>
+          <a:xfrm>
+            <a:off x="913795" y="1732449"/>
+            <a:ext cx="10353762" cy="5125551"/>
+          </a:xfrm>
+        </p:spPr>
+        <p:txBody>
+          <a:bodyPr>
+            <a:normAutofit/>
+          </a:bodyPr>
           <a:lstStyle/>
           <a:p>
             <a:r>
               <a:rPr lang="en-US" dirty="0"/>
-              <a:t>Since I could not accurately scrape data from the website into a csv file I was unable to perform a proper data analysis. </a:t>
+              <a:t>Since I could not accurately scrape data from the website into a csv file, I was unable to perform a proper data analysis. </a:t>
             </a:r>
           </a:p>
           <a:p>
@@ -3983,12 +7045,6 @@
             <a:r>
               <a:rPr lang="en-US" dirty="0"/>
               <a:t>There is definitely a use for other investors to mine this type of data to try to understand things like sentiment and shareholder base, and it is potentially correlated with securities prices. </a:t>
-            </a:r>
-          </a:p>
-          <a:p>
-            <a:r>
-              <a:rPr lang="en-US" dirty="0"/>
-              <a:t>I cannot conclude institutional buying or selling positively or negatively affects the returns of Anaplan stock</a:t>
             </a:r>
           </a:p>
           <a:p>
@@ -4010,9 +7066,9 @@
 </file>
 
 <file path=ppt/theme/theme1.xml><?xml version="1.0" encoding="utf-8"?>
-<a:theme xmlns:a="http://schemas.openxmlformats.org/drawingml/2006/main" name="Office Theme">
+<a:theme xmlns:a="http://schemas.openxmlformats.org/drawingml/2006/main" name="Slate">
   <a:themeElements>
-    <a:clrScheme name="Office">
+    <a:clrScheme name="Slate">
       <a:dk1>
         <a:sysClr val="windowText" lastClr="000000"/>
       </a:dk1>
@@ -4020,97 +7076,45 @@
         <a:sysClr val="window" lastClr="FFFFFF"/>
       </a:lt1>
       <a:dk2>
-        <a:srgbClr val="44546A"/>
+        <a:srgbClr val="212123"/>
       </a:dk2>
       <a:lt2>
-        <a:srgbClr val="E7E6E6"/>
+        <a:srgbClr val="DADADA"/>
       </a:lt2>
       <a:accent1>
-        <a:srgbClr val="4472C4"/>
+        <a:srgbClr val="BC451B"/>
       </a:accent1>
       <a:accent2>
-        <a:srgbClr val="ED7D31"/>
+        <a:srgbClr val="D3BA68"/>
       </a:accent2>
       <a:accent3>
-        <a:srgbClr val="A5A5A5"/>
+        <a:srgbClr val="BB8640"/>
       </a:accent3>
       <a:accent4>
-        <a:srgbClr val="FFC000"/>
+        <a:srgbClr val="AD9277"/>
       </a:accent4>
       <a:accent5>
-        <a:srgbClr val="5B9BD5"/>
+        <a:srgbClr val="A55A43"/>
       </a:accent5>
       <a:accent6>
-        <a:srgbClr val="70AD47"/>
+        <a:srgbClr val="AD9D7B"/>
       </a:accent6>
       <a:hlink>
-        <a:srgbClr val="0563C1"/>
+        <a:srgbClr val="E98052"/>
       </a:hlink>
       <a:folHlink>
-        <a:srgbClr val="954F72"/>
+        <a:srgbClr val="F4B69B"/>
       </a:folHlink>
     </a:clrScheme>
-    <a:fontScheme name="Office">
+    <a:fontScheme name="Slate">
       <a:majorFont>
-        <a:latin typeface="Calibri Light" panose="020F0302020204030204"/>
+        <a:latin typeface="Calisto MT" panose="02040603050505030304"/>
         <a:ea typeface=""/>
         <a:cs typeface=""/>
-        <a:font script="Jpan" typeface="游ゴシック Light"/>
-        <a:font script="Hang" typeface="맑은 고딕"/>
-        <a:font script="Hans" typeface="等线 Light"/>
-        <a:font script="Hant" typeface="新細明體"/>
-        <a:font script="Arab" typeface="Times New Roman"/>
-        <a:font script="Hebr" typeface="Times New Roman"/>
-        <a:font script="Thai" typeface="Angsana New"/>
-        <a:font script="Ethi" typeface="Nyala"/>
-        <a:font script="Beng" typeface="Vrinda"/>
-        <a:font script="Gujr" typeface="Shruti"/>
-        <a:font script="Khmr" typeface="MoolBoran"/>
-        <a:font script="Knda" typeface="Tunga"/>
-        <a:font script="Guru" typeface="Raavi"/>
-        <a:font script="Cans" typeface="Euphemia"/>
-        <a:font script="Cher" typeface="Plantagenet Cherokee"/>
-        <a:font script="Yiii" typeface="Microsoft Yi Baiti"/>
-        <a:font script="Tibt" typeface="Microsoft Himalaya"/>
-        <a:font script="Thaa" typeface="MV Boli"/>
-        <a:font script="Deva" typeface="Mangal"/>
-        <a:font script="Telu" typeface="Gautami"/>
-        <a:font script="Taml" typeface="Latha"/>
-        <a:font script="Syrc" typeface="Estrangelo Edessa"/>
-        <a:font script="Orya" typeface="Kalinga"/>
-        <a:font script="Mlym" typeface="Kartika"/>
-        <a:font script="Laoo" typeface="DokChampa"/>
-        <a:font script="Sinh" typeface="Iskoola Pota"/>
-        <a:font script="Mong" typeface="Mongolian Baiti"/>
-        <a:font script="Viet" typeface="Times New Roman"/>
-        <a:font script="Uigh" typeface="Microsoft Uighur"/>
-        <a:font script="Geor" typeface="Sylfaen"/>
-        <a:font script="Armn" typeface="Arial"/>
-        <a:font script="Bugi" typeface="Leelawadee UI"/>
-        <a:font script="Bopo" typeface="Microsoft JhengHei"/>
-        <a:font script="Java" typeface="Javanese Text"/>
-        <a:font script="Lisu" typeface="Segoe UI"/>
-        <a:font script="Mymr" typeface="Myanmar Text"/>
-        <a:font script="Nkoo" typeface="Ebrima"/>
-        <a:font script="Olck" typeface="Nirmala UI"/>
-        <a:font script="Osma" typeface="Ebrima"/>
-        <a:font script="Phag" typeface="Phagspa"/>
-        <a:font script="Syrn" typeface="Estrangelo Edessa"/>
-        <a:font script="Syrj" typeface="Estrangelo Edessa"/>
-        <a:font script="Syre" typeface="Estrangelo Edessa"/>
-        <a:font script="Sora" typeface="Nirmala UI"/>
-        <a:font script="Tale" typeface="Microsoft Tai Le"/>
-        <a:font script="Talu" typeface="Microsoft New Tai Lue"/>
-        <a:font script="Tfng" typeface="Ebrima"/>
-      </a:majorFont>
-      <a:minorFont>
-        <a:latin typeface="Calibri" panose="020F0502020204030204"/>
-        <a:ea typeface=""/>
-        <a:cs typeface=""/>
-        <a:font script="Jpan" typeface="游ゴシック"/>
-        <a:font script="Hang" typeface="맑은 고딕"/>
-        <a:font script="Hans" typeface="等线"/>
-        <a:font script="Hant" typeface="新細明體"/>
+        <a:font script="Jpan" typeface="ＭＳ Ｐゴシック"/>
+        <a:font script="Hang" typeface="돋움"/>
+        <a:font script="Hans" typeface="方正舒体"/>
+        <a:font script="Hant" typeface="微軟正黑體"/>
         <a:font script="Arab" typeface="Arial"/>
         <a:font script="Hebr" typeface="Arial"/>
         <a:font script="Thai" typeface="Cordia New"/>
@@ -4137,26 +7141,44 @@
         <a:font script="Viet" typeface="Arial"/>
         <a:font script="Uigh" typeface="Microsoft Uighur"/>
         <a:font script="Geor" typeface="Sylfaen"/>
-        <a:font script="Armn" typeface="Arial"/>
-        <a:font script="Bugi" typeface="Leelawadee UI"/>
-        <a:font script="Bopo" typeface="Microsoft JhengHei"/>
-        <a:font script="Java" typeface="Javanese Text"/>
-        <a:font script="Lisu" typeface="Segoe UI"/>
-        <a:font script="Mymr" typeface="Myanmar Text"/>
-        <a:font script="Nkoo" typeface="Ebrima"/>
-        <a:font script="Olck" typeface="Nirmala UI"/>
-        <a:font script="Osma" typeface="Ebrima"/>
-        <a:font script="Phag" typeface="Phagspa"/>
-        <a:font script="Syrn" typeface="Estrangelo Edessa"/>
-        <a:font script="Syrj" typeface="Estrangelo Edessa"/>
-        <a:font script="Syre" typeface="Estrangelo Edessa"/>
-        <a:font script="Sora" typeface="Nirmala UI"/>
-        <a:font script="Tale" typeface="Microsoft Tai Le"/>
-        <a:font script="Talu" typeface="Microsoft New Tai Lue"/>
-        <a:font script="Tfng" typeface="Ebrima"/>
+      </a:majorFont>
+      <a:minorFont>
+        <a:latin typeface="Calisto MT" panose="02040603050505030304"/>
+        <a:ea typeface=""/>
+        <a:cs typeface=""/>
+        <a:font script="Jpan" typeface="ＭＳ Ｐゴシック"/>
+        <a:font script="Hang" typeface="돋움"/>
+        <a:font script="Hans" typeface="方正舒体"/>
+        <a:font script="Hant" typeface="微軟正黑體"/>
+        <a:font script="Arab" typeface="Arial"/>
+        <a:font script="Hebr" typeface="Arial"/>
+        <a:font script="Thai" typeface="Cordia New"/>
+        <a:font script="Ethi" typeface="Nyala"/>
+        <a:font script="Beng" typeface="Vrinda"/>
+        <a:font script="Gujr" typeface="Shruti"/>
+        <a:font script="Khmr" typeface="DaunPenh"/>
+        <a:font script="Knda" typeface="Tunga"/>
+        <a:font script="Guru" typeface="Raavi"/>
+        <a:font script="Cans" typeface="Euphemia"/>
+        <a:font script="Cher" typeface="Plantagenet Cherokee"/>
+        <a:font script="Yiii" typeface="Microsoft Yi Baiti"/>
+        <a:font script="Tibt" typeface="Microsoft Himalaya"/>
+        <a:font script="Thaa" typeface="MV Boli"/>
+        <a:font script="Deva" typeface="Mangal"/>
+        <a:font script="Telu" typeface="Gautami"/>
+        <a:font script="Taml" typeface="Latha"/>
+        <a:font script="Syrc" typeface="Estrangelo Edessa"/>
+        <a:font script="Orya" typeface="Kalinga"/>
+        <a:font script="Mlym" typeface="Kartika"/>
+        <a:font script="Laoo" typeface="DokChampa"/>
+        <a:font script="Sinh" typeface="Iskoola Pota"/>
+        <a:font script="Mong" typeface="Mongolian Baiti"/>
+        <a:font script="Viet" typeface="Arial"/>
+        <a:font script="Uigh" typeface="Microsoft Uighur"/>
+        <a:font script="Geor" typeface="Sylfaen"/>
       </a:minorFont>
     </a:fontScheme>
-    <a:fmtScheme name="Office">
+    <a:fmtScheme name="Slate">
       <a:fillStyleLst>
         <a:solidFill>
           <a:schemeClr val="phClr"/>
@@ -4165,23 +7187,13 @@
           <a:gsLst>
             <a:gs pos="0">
               <a:schemeClr val="phClr">
+                <a:tint val="60000"/>
                 <a:lumMod val="110000"/>
-                <a:satMod val="105000"/>
-                <a:tint val="67000"/>
-              </a:schemeClr>
-            </a:gs>
-            <a:gs pos="50000">
-              <a:schemeClr val="phClr">
-                <a:lumMod val="105000"/>
-                <a:satMod val="103000"/>
-                <a:tint val="73000"/>
               </a:schemeClr>
             </a:gs>
             <a:gs pos="100000">
               <a:schemeClr val="phClr">
-                <a:lumMod val="105000"/>
-                <a:satMod val="109000"/>
-                <a:tint val="81000"/>
+                <a:tint val="88000"/>
               </a:schemeClr>
             </a:gs>
           </a:gsLst>
@@ -4191,23 +7203,14 @@
           <a:gsLst>
             <a:gs pos="0">
               <a:schemeClr val="phClr">
-                <a:satMod val="103000"/>
-                <a:lumMod val="102000"/>
-                <a:tint val="94000"/>
-              </a:schemeClr>
-            </a:gs>
-            <a:gs pos="50000">
-              <a:schemeClr val="phClr">
-                <a:satMod val="110000"/>
-                <a:lumMod val="100000"/>
-                <a:shade val="100000"/>
+                <a:tint val="96000"/>
+                <a:lumMod val="104000"/>
               </a:schemeClr>
             </a:gs>
             <a:gs pos="100000">
               <a:schemeClr val="phClr">
-                <a:lumMod val="99000"/>
-                <a:satMod val="120000"/>
-                <a:shade val="78000"/>
+                <a:shade val="90000"/>
+                <a:lumMod val="90000"/>
               </a:schemeClr>
             </a:gs>
           </a:gsLst>
@@ -4215,26 +7218,25 @@
         </a:gradFill>
       </a:fillStyleLst>
       <a:lnStyleLst>
-        <a:ln w="6350" cap="flat" cmpd="sng" algn="ctr">
+        <a:ln w="9525" cap="rnd" cmpd="sng" algn="ctr">
+          <a:solidFill>
+            <a:schemeClr val="phClr">
+              <a:shade val="90000"/>
+            </a:schemeClr>
+          </a:solidFill>
+          <a:prstDash val="solid"/>
+        </a:ln>
+        <a:ln w="15875" cap="rnd" cmpd="sng" algn="ctr">
           <a:solidFill>
             <a:schemeClr val="phClr"/>
           </a:solidFill>
           <a:prstDash val="solid"/>
-          <a:miter lim="800000"/>
         </a:ln>
-        <a:ln w="12700" cap="flat" cmpd="sng" algn="ctr">
+        <a:ln w="25400" cap="rnd" cmpd="sng" algn="ctr">
           <a:solidFill>
             <a:schemeClr val="phClr"/>
           </a:solidFill>
           <a:prstDash val="solid"/>
-          <a:miter lim="800000"/>
-        </a:ln>
-        <a:ln w="19050" cap="flat" cmpd="sng" algn="ctr">
-          <a:solidFill>
-            <a:schemeClr val="phClr"/>
-          </a:solidFill>
-          <a:prstDash val="solid"/>
-          <a:miter lim="800000"/>
         </a:ln>
       </a:lnStyleLst>
       <a:effectStyleLst>
@@ -4242,16 +7244,33 @@
           <a:effectLst/>
         </a:effectStyle>
         <a:effectStyle>
-          <a:effectLst/>
+          <a:effectLst>
+            <a:outerShdw blurRad="63500" dist="25400" dir="5400000" rotWithShape="0">
+              <a:srgbClr val="000000">
+                <a:alpha val="60000"/>
+              </a:srgbClr>
+            </a:outerShdw>
+          </a:effectLst>
         </a:effectStyle>
         <a:effectStyle>
           <a:effectLst>
-            <a:outerShdw blurRad="57150" dist="19050" dir="5400000" algn="ctr" rotWithShape="0">
+            <a:outerShdw blurRad="76200" dist="38100" dir="5400000" rotWithShape="0">
               <a:srgbClr val="000000">
-                <a:alpha val="63000"/>
+                <a:alpha val="75000"/>
               </a:srgbClr>
             </a:outerShdw>
           </a:effectLst>
+          <a:scene3d>
+            <a:camera prst="orthographicFront">
+              <a:rot lat="0" lon="0" rev="0"/>
+            </a:camera>
+            <a:lightRig rig="threePt" dir="t">
+              <a:rot lat="0" lon="0" rev="1200000"/>
+            </a:lightRig>
+          </a:scene3d>
+          <a:sp3d>
+            <a:bevelT w="63500" h="25400" prst="hardEdge"/>
+          </a:sp3d>
         </a:effectStyle>
       </a:effectStyleLst>
       <a:bgFillStyleLst>
@@ -4259,38 +7278,22 @@
           <a:schemeClr val="phClr"/>
         </a:solidFill>
         <a:solidFill>
-          <a:schemeClr val="phClr">
-            <a:tint val="95000"/>
-            <a:satMod val="170000"/>
-          </a:schemeClr>
+          <a:schemeClr val="phClr"/>
         </a:solidFill>
-        <a:gradFill rotWithShape="1">
-          <a:gsLst>
-            <a:gs pos="0">
+        <a:blipFill rotWithShape="1">
+          <a:blip xmlns:r="http://schemas.openxmlformats.org/officeDocument/2006/relationships" r:embed="rId1">
+            <a:duotone>
               <a:schemeClr val="phClr">
-                <a:tint val="93000"/>
-                <a:satMod val="150000"/>
-                <a:shade val="98000"/>
-                <a:lumMod val="102000"/>
+                <a:shade val="80000"/>
+                <a:lumMod val="80000"/>
               </a:schemeClr>
-            </a:gs>
-            <a:gs pos="50000">
               <a:schemeClr val="phClr">
                 <a:tint val="98000"/>
-                <a:satMod val="130000"/>
-                <a:shade val="90000"/>
-                <a:lumMod val="103000"/>
               </a:schemeClr>
-            </a:gs>
-            <a:gs pos="100000">
-              <a:schemeClr val="phClr">
-                <a:shade val="63000"/>
-                <a:satMod val="120000"/>
-              </a:schemeClr>
-            </a:gs>
-          </a:gsLst>
-          <a:lin ang="5400000" scaled="0"/>
-        </a:gradFill>
+            </a:duotone>
+          </a:blip>
+          <a:stretch/>
+        </a:blipFill>
       </a:bgFillStyleLst>
     </a:fmtScheme>
   </a:themeElements>
@@ -4298,7 +7301,7 @@
   <a:extraClrSchemeLst/>
   <a:extLst>
     <a:ext uri="{05A4C25C-085E-4340-85A3-A5531E510DB2}">
-      <thm15:themeFamily xmlns:thm15="http://schemas.microsoft.com/office/thememl/2012/main" name="Office Theme" id="{62F939B6-93AF-4DB8-9C6B-D6C7DFDC589F}" vid="{4A3C46E8-61CC-4603-A589-7422A47A8E4A}"/>
+      <thm15:themeFamily xmlns:thm15="http://schemas.microsoft.com/office/thememl/2012/main" name="Slate" id="{C3F70B94-7CE9-428E-ADC1-3269CC2C3385}" vid="{3F2DE9A5-64E6-437C-A389-CC4477E817E8}"/>
     </a:ext>
   </a:extLst>
 </a:theme>
